--- a/Quiz.pptx
+++ b/Quiz.pptx
@@ -3443,47 +3443,47 @@
             <p:ph type="title"/>
           </p:nvPr>
         </p:nvSpPr>
-        <p:spPr/>
-        <p:txBody>
-          <a:bodyPr/>
-          <a:lstStyle/>
-          <a:p>
-            <a:r>
-              <a:rPr kumimoji="1" lang="en-US" altLang="ko-Kore-KR" dirty="0">
+        <p:spPr>
+          <a:xfrm>
+            <a:off x="837367" y="851748"/>
+            <a:ext cx="10515600" cy="1325563"/>
+          </a:xfrm>
+        </p:spPr>
+        <p:txBody>
+          <a:bodyPr>
+            <a:normAutofit/>
+          </a:bodyPr>
+          <a:lstStyle/>
+          <a:p>
+            <a:r>
+              <a:rPr kumimoji="1" lang="en-US" altLang="ko-KR" sz="3500" dirty="0">
                 <a:latin typeface="BM JUA OTF" panose="02020603020101020101" pitchFamily="18" charset="-127"/>
                 <a:ea typeface="BM JUA OTF" panose="02020603020101020101" pitchFamily="18" charset="-127"/>
               </a:rPr>
-              <a:t>Lab06</a:t>
-            </a:r>
-            <a:r>
-              <a:rPr kumimoji="1" lang="en-US" altLang="ko-KR" dirty="0">
-                <a:latin typeface="BM JUA OTF" panose="02020603020101020101" pitchFamily="18" charset="-127"/>
-                <a:ea typeface="BM JUA OTF" panose="02020603020101020101" pitchFamily="18" charset="-127"/>
-              </a:rPr>
-              <a:t>.</a:t>
-            </a:r>
-            <a:r>
-              <a:rPr kumimoji="1" lang="ko-KR" altLang="en-US" dirty="0">
+              <a:t>Quiz1.</a:t>
+            </a:r>
+            <a:r>
+              <a:rPr kumimoji="1" lang="ko-KR" altLang="en-US" sz="3500" dirty="0">
                 <a:latin typeface="BM JUA OTF" panose="02020603020101020101" pitchFamily="18" charset="-127"/>
                 <a:ea typeface="BM JUA OTF" panose="02020603020101020101" pitchFamily="18" charset="-127"/>
               </a:rPr>
               <a:t> 클래스 </a:t>
             </a:r>
             <a:r>
-              <a:rPr kumimoji="1" lang="en-US" altLang="ko-KR" dirty="0">
+              <a:rPr kumimoji="1" lang="en-US" altLang="ko-KR" sz="3500" dirty="0">
                 <a:latin typeface="BM JUA OTF" panose="02020603020101020101" pitchFamily="18" charset="-127"/>
                 <a:ea typeface="BM JUA OTF" panose="02020603020101020101" pitchFamily="18" charset="-127"/>
               </a:rPr>
               <a:t>:</a:t>
             </a:r>
             <a:r>
-              <a:rPr kumimoji="1" lang="ko-KR" altLang="en-US" dirty="0">
+              <a:rPr kumimoji="1" lang="ko-KR" altLang="en-US" sz="3500" dirty="0">
                 <a:latin typeface="BM JUA OTF" panose="02020603020101020101" pitchFamily="18" charset="-127"/>
                 <a:ea typeface="BM JUA OTF" panose="02020603020101020101" pitchFamily="18" charset="-127"/>
               </a:rPr>
               <a:t> 게임 캐릭터 클래스 만들기</a:t>
             </a:r>
-            <a:endParaRPr kumimoji="1" lang="ko-Kore-KR" altLang="en-US" dirty="0">
+            <a:endParaRPr kumimoji="1" lang="ko-Kore-KR" altLang="en-US" sz="3500" dirty="0">
               <a:latin typeface="BM JUA OTF" panose="02020603020101020101" pitchFamily="18" charset="-127"/>
               <a:ea typeface="BM JUA OTF" panose="02020603020101020101" pitchFamily="18" charset="-127"/>
             </a:endParaRPr>
@@ -3514,7 +3514,7 @@
         </p:spPr>
         <p:txBody>
           <a:bodyPr>
-            <a:normAutofit lnSpcReduction="10000"/>
+            <a:normAutofit/>
           </a:bodyPr>
           <a:lstStyle/>
           <a:p>
@@ -3522,63 +3522,63 @@
               <a:buNone/>
             </a:pPr>
             <a:r>
-              <a:rPr lang="en-US" altLang="ko-KR" dirty="0">
+              <a:rPr lang="en-US" altLang="ko-KR" sz="2300" dirty="0">
                 <a:latin typeface="BM JUA OTF" panose="02020603020101020101" pitchFamily="18" charset="-127"/>
                 <a:ea typeface="BM JUA OTF" panose="02020603020101020101" pitchFamily="18" charset="-127"/>
               </a:rPr>
               <a:t>&lt;</a:t>
             </a:r>
             <a:r>
-              <a:rPr lang="ko-KR" altLang="en-US" dirty="0">
+              <a:rPr lang="ko-KR" altLang="en-US" sz="2300" dirty="0">
                 <a:latin typeface="BM JUA OTF" panose="02020603020101020101" pitchFamily="18" charset="-127"/>
                 <a:ea typeface="BM JUA OTF" panose="02020603020101020101" pitchFamily="18" charset="-127"/>
               </a:rPr>
               <a:t>문제</a:t>
             </a:r>
             <a:r>
-              <a:rPr lang="en-US" altLang="ko-KR" dirty="0">
+              <a:rPr lang="en-US" altLang="ko-KR" sz="2300" dirty="0">
                 <a:latin typeface="BM JUA OTF" panose="02020603020101020101" pitchFamily="18" charset="-127"/>
                 <a:ea typeface="BM JUA OTF" panose="02020603020101020101" pitchFamily="18" charset="-127"/>
               </a:rPr>
               <a:t>&gt;</a:t>
             </a:r>
             <a:r>
-              <a:rPr lang="ko-KR" altLang="en-US" dirty="0">
+              <a:rPr lang="ko-KR" altLang="en-US" sz="2300" dirty="0">
                 <a:latin typeface="BM JUA OTF" panose="02020603020101020101" pitchFamily="18" charset="-127"/>
                 <a:ea typeface="BM JUA OTF" panose="02020603020101020101" pitchFamily="18" charset="-127"/>
               </a:rPr>
               <a:t> 다음 소스 코드에서 클래스를 작성하여 게임 캐릭터의 능력치와 </a:t>
             </a:r>
             <a:r>
-              <a:rPr lang="en-US" altLang="ko-KR" dirty="0">
+              <a:rPr lang="en-US" altLang="ko-KR" sz="2300" dirty="0">
                 <a:latin typeface="BM JUA OTF" panose="02020603020101020101" pitchFamily="18" charset="-127"/>
                 <a:ea typeface="BM JUA OTF" panose="02020603020101020101" pitchFamily="18" charset="-127"/>
               </a:rPr>
               <a:t>'</a:t>
             </a:r>
             <a:r>
-              <a:rPr lang="ko-KR" altLang="en-US" dirty="0">
+              <a:rPr lang="ko-KR" altLang="en-US" sz="2300" dirty="0">
                 <a:latin typeface="BM JUA OTF" panose="02020603020101020101" pitchFamily="18" charset="-127"/>
                 <a:ea typeface="BM JUA OTF" panose="02020603020101020101" pitchFamily="18" charset="-127"/>
               </a:rPr>
               <a:t>베기</a:t>
             </a:r>
             <a:r>
-              <a:rPr lang="en-US" altLang="ko-KR" dirty="0">
+              <a:rPr lang="en-US" altLang="ko-KR" sz="2300" dirty="0">
                 <a:latin typeface="BM JUA OTF" panose="02020603020101020101" pitchFamily="18" charset="-127"/>
                 <a:ea typeface="BM JUA OTF" panose="02020603020101020101" pitchFamily="18" charset="-127"/>
               </a:rPr>
               <a:t>'</a:t>
             </a:r>
             <a:r>
-              <a:rPr lang="ko-KR" altLang="en-US" dirty="0">
+              <a:rPr lang="ko-KR" altLang="en-US" sz="2300" dirty="0">
                 <a:latin typeface="BM JUA OTF" panose="02020603020101020101" pitchFamily="18" charset="-127"/>
                 <a:ea typeface="BM JUA OTF" panose="02020603020101020101" pitchFamily="18" charset="-127"/>
               </a:rPr>
               <a:t>가 출력되게 만드세요</a:t>
             </a:r>
             <a:r>
-              <a:rPr lang="en-US" altLang="ko-KR" dirty="0">
+              <a:rPr lang="en-US" altLang="ko-KR" sz="2300" dirty="0">
                 <a:latin typeface="BM JUA OTF" panose="02020603020101020101" pitchFamily="18" charset="-127"/>
                 <a:ea typeface="BM JUA OTF" panose="02020603020101020101" pitchFamily="18" charset="-127"/>
               </a:rPr>
@@ -3586,25 +3586,25 @@
             </a:r>
           </a:p>
           <a:p>
-            <a:endParaRPr lang="en-US" altLang="ko-KR" dirty="0">
+            <a:endParaRPr lang="en-US" altLang="ko-KR" sz="2300" dirty="0">
               <a:latin typeface="BM JUA OTF" panose="02020603020101020101" pitchFamily="18" charset="-127"/>
               <a:ea typeface="BM JUA OTF" panose="02020603020101020101" pitchFamily="18" charset="-127"/>
             </a:endParaRPr>
           </a:p>
           <a:p>
-            <a:endParaRPr lang="en-US" altLang="ko-KR" dirty="0">
+            <a:endParaRPr lang="en-US" altLang="ko-KR" sz="2300" dirty="0">
               <a:latin typeface="BM JUA OTF" panose="02020603020101020101" pitchFamily="18" charset="-127"/>
               <a:ea typeface="BM JUA OTF" panose="02020603020101020101" pitchFamily="18" charset="-127"/>
             </a:endParaRPr>
           </a:p>
           <a:p>
-            <a:endParaRPr lang="en-US" altLang="ko-KR" dirty="0">
+            <a:endParaRPr lang="en-US" altLang="ko-KR" sz="2300" dirty="0">
               <a:latin typeface="BM JUA OTF" panose="02020603020101020101" pitchFamily="18" charset="-127"/>
               <a:ea typeface="BM JUA OTF" panose="02020603020101020101" pitchFamily="18" charset="-127"/>
             </a:endParaRPr>
           </a:p>
           <a:p>
-            <a:endParaRPr lang="en-US" altLang="ko-KR" dirty="0">
+            <a:endParaRPr lang="en-US" altLang="ko-KR" sz="2300" dirty="0">
               <a:latin typeface="BM JUA OTF" panose="02020603020101020101" pitchFamily="18" charset="-127"/>
               <a:ea typeface="BM JUA OTF" panose="02020603020101020101" pitchFamily="18" charset="-127"/>
             </a:endParaRPr>
@@ -3613,7 +3613,7 @@
             <a:pPr marL="0" indent="0">
               <a:buNone/>
             </a:pPr>
-            <a:endParaRPr lang="en-US" altLang="ko-KR" dirty="0">
+            <a:endParaRPr lang="en-US" altLang="ko-KR" sz="2300" dirty="0">
               <a:latin typeface="BM JUA OTF" panose="02020603020101020101" pitchFamily="18" charset="-127"/>
               <a:ea typeface="BM JUA OTF" panose="02020603020101020101" pitchFamily="18" charset="-127"/>
             </a:endParaRPr>
@@ -3623,21 +3623,21 @@
               <a:buNone/>
             </a:pPr>
             <a:r>
-              <a:rPr lang="en-US" altLang="ko-KR" dirty="0">
+              <a:rPr lang="en-US" altLang="ko-KR" sz="2300" dirty="0">
                 <a:latin typeface="BM JUA OTF" panose="02020603020101020101" pitchFamily="18" charset="-127"/>
                 <a:ea typeface="BM JUA OTF" panose="02020603020101020101" pitchFamily="18" charset="-127"/>
               </a:rPr>
               <a:t>&lt;</a:t>
             </a:r>
             <a:r>
-              <a:rPr lang="ko-KR" altLang="en-US" dirty="0">
+              <a:rPr lang="ko-KR" altLang="en-US" sz="2300" dirty="0">
                 <a:latin typeface="BM JUA OTF" panose="02020603020101020101" pitchFamily="18" charset="-127"/>
                 <a:ea typeface="BM JUA OTF" panose="02020603020101020101" pitchFamily="18" charset="-127"/>
               </a:rPr>
               <a:t>실행 결과</a:t>
             </a:r>
             <a:r>
-              <a:rPr lang="en-US" altLang="ko-KR" dirty="0">
+              <a:rPr lang="en-US" altLang="ko-KR" sz="2300" dirty="0">
                 <a:latin typeface="BM JUA OTF" panose="02020603020101020101" pitchFamily="18" charset="-127"/>
                 <a:ea typeface="BM JUA OTF" panose="02020603020101020101" pitchFamily="18" charset="-127"/>
               </a:rPr>
@@ -3649,35 +3649,35 @@
               <a:buNone/>
             </a:pPr>
             <a:r>
-              <a:rPr lang="en-US" altLang="ko-KR" dirty="0">
+              <a:rPr lang="en-US" altLang="ko-KR" sz="2300" dirty="0">
                 <a:latin typeface="BM JUA OTF" panose="02020603020101020101" pitchFamily="18" charset="-127"/>
                 <a:ea typeface="BM JUA OTF" panose="02020603020101020101" pitchFamily="18" charset="-127"/>
               </a:rPr>
               <a:t>542.4</a:t>
             </a:r>
             <a:r>
-              <a:rPr lang="ko-KR" altLang="en-US" dirty="0">
+              <a:rPr lang="ko-KR" altLang="en-US" sz="2300" dirty="0">
                 <a:latin typeface="BM JUA OTF" panose="02020603020101020101" pitchFamily="18" charset="-127"/>
                 <a:ea typeface="BM JUA OTF" panose="02020603020101020101" pitchFamily="18" charset="-127"/>
               </a:rPr>
               <a:t> </a:t>
             </a:r>
             <a:r>
-              <a:rPr lang="en-US" altLang="ko-KR" dirty="0">
+              <a:rPr lang="en-US" altLang="ko-KR" sz="2300" dirty="0">
                 <a:latin typeface="BM JUA OTF" panose="02020603020101020101" pitchFamily="18" charset="-127"/>
                 <a:ea typeface="BM JUA OTF" panose="02020603020101020101" pitchFamily="18" charset="-127"/>
               </a:rPr>
               <a:t>210.3</a:t>
             </a:r>
             <a:r>
-              <a:rPr lang="ko-KR" altLang="en-US" dirty="0">
+              <a:rPr lang="ko-KR" altLang="en-US" sz="2300" dirty="0">
                 <a:latin typeface="BM JUA OTF" panose="02020603020101020101" pitchFamily="18" charset="-127"/>
                 <a:ea typeface="BM JUA OTF" panose="02020603020101020101" pitchFamily="18" charset="-127"/>
               </a:rPr>
               <a:t> </a:t>
             </a:r>
             <a:r>
-              <a:rPr lang="en-US" altLang="ko-KR" dirty="0">
+              <a:rPr lang="en-US" altLang="ko-KR" sz="2300" dirty="0">
                 <a:latin typeface="BM JUA OTF" panose="02020603020101020101" pitchFamily="18" charset="-127"/>
                 <a:ea typeface="BM JUA OTF" panose="02020603020101020101" pitchFamily="18" charset="-127"/>
               </a:rPr>
@@ -3689,25 +3689,25 @@
               <a:buNone/>
             </a:pPr>
             <a:r>
-              <a:rPr lang="ko-KR" altLang="en-US" dirty="0">
+              <a:rPr lang="ko-KR" altLang="en-US" sz="2300" dirty="0">
                 <a:latin typeface="BM JUA OTF" panose="02020603020101020101" pitchFamily="18" charset="-127"/>
                 <a:ea typeface="BM JUA OTF" panose="02020603020101020101" pitchFamily="18" charset="-127"/>
               </a:rPr>
               <a:t>베기</a:t>
             </a:r>
-            <a:endParaRPr lang="en-US" altLang="ko-KR" dirty="0">
+            <a:endParaRPr lang="en-US" altLang="ko-KR" sz="2300" dirty="0">
               <a:latin typeface="BM JUA OTF" panose="02020603020101020101" pitchFamily="18" charset="-127"/>
               <a:ea typeface="BM JUA OTF" panose="02020603020101020101" pitchFamily="18" charset="-127"/>
             </a:endParaRPr>
           </a:p>
           <a:p>
-            <a:endParaRPr lang="en-US" altLang="ko-KR" dirty="0"/>
+            <a:endParaRPr lang="en-US" altLang="ko-KR" sz="2300" dirty="0"/>
           </a:p>
           <a:p>
             <a:pPr marL="0" indent="0">
               <a:buNone/>
             </a:pPr>
-            <a:endParaRPr kumimoji="1" lang="ko-Kore-KR" altLang="en-US" dirty="0"/>
+            <a:endParaRPr kumimoji="1" lang="ko-Kore-KR" altLang="en-US" sz="2300" dirty="0"/>
           </a:p>
         </p:txBody>
       </p:sp>
@@ -3733,7 +3733,7 @@
         </p:blipFill>
         <p:spPr>
           <a:xfrm>
-            <a:off x="1060793" y="2707673"/>
+            <a:off x="848710" y="2528997"/>
             <a:ext cx="6625109" cy="2075150"/>
           </a:xfrm>
           <a:prstGeom prst="rect">

--- a/Quiz.pptx
+++ b/Quiz.pptx
@@ -4,9 +4,15 @@
   <p:sldMasterIdLst>
     <p:sldMasterId id="2147483648" r:id="rId1"/>
   </p:sldMasterIdLst>
+  <p:notesMasterIdLst>
+    <p:notesMasterId r:id="rId7"/>
+  </p:notesMasterIdLst>
   <p:sldIdLst>
     <p:sldId id="256" r:id="rId2"/>
     <p:sldId id="257" r:id="rId3"/>
+    <p:sldId id="260" r:id="rId4"/>
+    <p:sldId id="258" r:id="rId5"/>
+    <p:sldId id="259" r:id="rId6"/>
   </p:sldIdLst>
   <p:sldSz cx="12192000" cy="6858000"/>
   <p:notesSz cx="6858000" cy="9144000"/>
@@ -106,6 +112,524 @@
     </a:lvl9pPr>
   </p:defaultTextStyle>
 </p:presentation>
+</file>
+
+<file path=ppt/notesMasters/notesMaster1.xml><?xml version="1.0" encoding="utf-8"?>
+<p:notesMaster xmlns:a="http://schemas.openxmlformats.org/drawingml/2006/main" xmlns:r="http://schemas.openxmlformats.org/officeDocument/2006/relationships" xmlns:p="http://schemas.openxmlformats.org/presentationml/2006/main">
+  <p:cSld>
+    <p:bg>
+      <p:bgRef idx="1001">
+        <a:schemeClr val="bg1"/>
+      </p:bgRef>
+    </p:bg>
+    <p:spTree>
+      <p:nvGrpSpPr>
+        <p:cNvPr id="1" name=""/>
+        <p:cNvGrpSpPr/>
+        <p:nvPr/>
+      </p:nvGrpSpPr>
+      <p:grpSpPr>
+        <a:xfrm>
+          <a:off x="0" y="0"/>
+          <a:ext cx="0" cy="0"/>
+          <a:chOff x="0" y="0"/>
+          <a:chExt cx="0" cy="0"/>
+        </a:xfrm>
+      </p:grpSpPr>
+      <p:sp>
+        <p:nvSpPr>
+          <p:cNvPr id="2" name="머리글 개체 틀 1"/>
+          <p:cNvSpPr>
+            <a:spLocks noGrp="1"/>
+          </p:cNvSpPr>
+          <p:nvPr>
+            <p:ph type="hdr" sz="quarter"/>
+          </p:nvPr>
+        </p:nvSpPr>
+        <p:spPr>
+          <a:xfrm>
+            <a:off x="0" y="0"/>
+            <a:ext cx="2971800" cy="458788"/>
+          </a:xfrm>
+          <a:prstGeom prst="rect">
+            <a:avLst/>
+          </a:prstGeom>
+        </p:spPr>
+        <p:txBody>
+          <a:bodyPr vert="horz" lIns="91440" tIns="45720" rIns="91440" bIns="45720" rtlCol="0"/>
+          <a:lstStyle>
+            <a:lvl1pPr algn="l">
+              <a:defRPr sz="1200"/>
+            </a:lvl1pPr>
+          </a:lstStyle>
+          <a:p>
+            <a:endParaRPr kumimoji="1" lang="ko-Kore-KR" altLang="en-US"/>
+          </a:p>
+        </p:txBody>
+      </p:sp>
+      <p:sp>
+        <p:nvSpPr>
+          <p:cNvPr id="3" name="날짜 개체 틀 2"/>
+          <p:cNvSpPr>
+            <a:spLocks noGrp="1"/>
+          </p:cNvSpPr>
+          <p:nvPr>
+            <p:ph type="dt" idx="1"/>
+          </p:nvPr>
+        </p:nvSpPr>
+        <p:spPr>
+          <a:xfrm>
+            <a:off x="3884613" y="0"/>
+            <a:ext cx="2971800" cy="458788"/>
+          </a:xfrm>
+          <a:prstGeom prst="rect">
+            <a:avLst/>
+          </a:prstGeom>
+        </p:spPr>
+        <p:txBody>
+          <a:bodyPr vert="horz" lIns="91440" tIns="45720" rIns="91440" bIns="45720" rtlCol="0"/>
+          <a:lstStyle>
+            <a:lvl1pPr algn="r">
+              <a:defRPr sz="1200"/>
+            </a:lvl1pPr>
+          </a:lstStyle>
+          <a:p>
+            <a:fld id="{A93EF833-4FC7-1F44-92D7-970BE88DE960}" type="datetimeFigureOut">
+              <a:rPr kumimoji="1" lang="ko-Kore-KR" altLang="en-US" smtClean="0"/>
+              <a:t>2022. 7. 5.</a:t>
+            </a:fld>
+            <a:endParaRPr kumimoji="1" lang="ko-Kore-KR" altLang="en-US"/>
+          </a:p>
+        </p:txBody>
+      </p:sp>
+      <p:sp>
+        <p:nvSpPr>
+          <p:cNvPr id="4" name="슬라이드 이미지 개체 틀 3"/>
+          <p:cNvSpPr>
+            <a:spLocks noGrp="1" noRot="1" noChangeAspect="1"/>
+          </p:cNvSpPr>
+          <p:nvPr>
+            <p:ph type="sldImg" idx="2"/>
+          </p:nvPr>
+        </p:nvSpPr>
+        <p:spPr>
+          <a:xfrm>
+            <a:off x="685800" y="1143000"/>
+            <a:ext cx="5486400" cy="3086100"/>
+          </a:xfrm>
+          <a:prstGeom prst="rect">
+            <a:avLst/>
+          </a:prstGeom>
+          <a:noFill/>
+          <a:ln w="12700">
+            <a:solidFill>
+              <a:prstClr val="black"/>
+            </a:solidFill>
+          </a:ln>
+        </p:spPr>
+        <p:txBody>
+          <a:bodyPr vert="horz" lIns="91440" tIns="45720" rIns="91440" bIns="45720" rtlCol="0" anchor="ctr"/>
+          <a:lstStyle/>
+          <a:p>
+            <a:endParaRPr lang="ko-Kore-KR" altLang="en-US"/>
+          </a:p>
+        </p:txBody>
+      </p:sp>
+      <p:sp>
+        <p:nvSpPr>
+          <p:cNvPr id="5" name="슬라이드 노트 개체 틀 4"/>
+          <p:cNvSpPr>
+            <a:spLocks noGrp="1"/>
+          </p:cNvSpPr>
+          <p:nvPr>
+            <p:ph type="body" sz="quarter" idx="3"/>
+          </p:nvPr>
+        </p:nvSpPr>
+        <p:spPr>
+          <a:xfrm>
+            <a:off x="685800" y="4400550"/>
+            <a:ext cx="5486400" cy="3600450"/>
+          </a:xfrm>
+          <a:prstGeom prst="rect">
+            <a:avLst/>
+          </a:prstGeom>
+        </p:spPr>
+        <p:txBody>
+          <a:bodyPr vert="horz" lIns="91440" tIns="45720" rIns="91440" bIns="45720" rtlCol="0"/>
+          <a:lstStyle/>
+          <a:p>
+            <a:pPr lvl="0"/>
+            <a:r>
+              <a:rPr kumimoji="1" lang="ko-KR" altLang="en-US"/>
+              <a:t>마스터 텍스트 스타일을 편집하려면 클릭</a:t>
+            </a:r>
+          </a:p>
+          <a:p>
+            <a:pPr lvl="1"/>
+            <a:r>
+              <a:rPr kumimoji="1" lang="ko-KR" altLang="en-US"/>
+              <a:t>두 번째 수준</a:t>
+            </a:r>
+          </a:p>
+          <a:p>
+            <a:pPr lvl="2"/>
+            <a:r>
+              <a:rPr kumimoji="1" lang="ko-KR" altLang="en-US"/>
+              <a:t>세 번째 수준</a:t>
+            </a:r>
+          </a:p>
+          <a:p>
+            <a:pPr lvl="3"/>
+            <a:r>
+              <a:rPr kumimoji="1" lang="ko-KR" altLang="en-US"/>
+              <a:t>네 번째 수준</a:t>
+            </a:r>
+          </a:p>
+          <a:p>
+            <a:pPr lvl="4"/>
+            <a:r>
+              <a:rPr kumimoji="1" lang="ko-KR" altLang="en-US"/>
+              <a:t>다섯 번째 수준</a:t>
+            </a:r>
+            <a:endParaRPr kumimoji="1" lang="ko-Kore-KR" altLang="en-US"/>
+          </a:p>
+        </p:txBody>
+      </p:sp>
+      <p:sp>
+        <p:nvSpPr>
+          <p:cNvPr id="6" name="바닥글 개체 틀 5"/>
+          <p:cNvSpPr>
+            <a:spLocks noGrp="1"/>
+          </p:cNvSpPr>
+          <p:nvPr>
+            <p:ph type="ftr" sz="quarter" idx="4"/>
+          </p:nvPr>
+        </p:nvSpPr>
+        <p:spPr>
+          <a:xfrm>
+            <a:off x="0" y="8685213"/>
+            <a:ext cx="2971800" cy="458787"/>
+          </a:xfrm>
+          <a:prstGeom prst="rect">
+            <a:avLst/>
+          </a:prstGeom>
+        </p:spPr>
+        <p:txBody>
+          <a:bodyPr vert="horz" lIns="91440" tIns="45720" rIns="91440" bIns="45720" rtlCol="0" anchor="b"/>
+          <a:lstStyle>
+            <a:lvl1pPr algn="l">
+              <a:defRPr sz="1200"/>
+            </a:lvl1pPr>
+          </a:lstStyle>
+          <a:p>
+            <a:endParaRPr kumimoji="1" lang="ko-Kore-KR" altLang="en-US"/>
+          </a:p>
+        </p:txBody>
+      </p:sp>
+      <p:sp>
+        <p:nvSpPr>
+          <p:cNvPr id="7" name="슬라이드 번호 개체 틀 6"/>
+          <p:cNvSpPr>
+            <a:spLocks noGrp="1"/>
+          </p:cNvSpPr>
+          <p:nvPr>
+            <p:ph type="sldNum" sz="quarter" idx="5"/>
+          </p:nvPr>
+        </p:nvSpPr>
+        <p:spPr>
+          <a:xfrm>
+            <a:off x="3884613" y="8685213"/>
+            <a:ext cx="2971800" cy="458787"/>
+          </a:xfrm>
+          <a:prstGeom prst="rect">
+            <a:avLst/>
+          </a:prstGeom>
+        </p:spPr>
+        <p:txBody>
+          <a:bodyPr vert="horz" lIns="91440" tIns="45720" rIns="91440" bIns="45720" rtlCol="0" anchor="b"/>
+          <a:lstStyle>
+            <a:lvl1pPr algn="r">
+              <a:defRPr sz="1200"/>
+            </a:lvl1pPr>
+          </a:lstStyle>
+          <a:p>
+            <a:fld id="{1E1DF567-B506-DC49-93DF-6148BF5B5D6A}" type="slidenum">
+              <a:rPr kumimoji="1" lang="ko-Kore-KR" altLang="en-US" smtClean="0"/>
+              <a:t>‹#›</a:t>
+            </a:fld>
+            <a:endParaRPr kumimoji="1" lang="ko-Kore-KR" altLang="en-US"/>
+          </a:p>
+        </p:txBody>
+      </p:sp>
+    </p:spTree>
+    <p:extLst>
+      <p:ext uri="{BB962C8B-B14F-4D97-AF65-F5344CB8AC3E}">
+        <p14:creationId xmlns:p14="http://schemas.microsoft.com/office/powerpoint/2010/main" val="169324720"/>
+      </p:ext>
+    </p:extLst>
+  </p:cSld>
+  <p:clrMap bg1="lt1" tx1="dk1" bg2="lt2" tx2="dk2" accent1="accent1" accent2="accent2" accent3="accent3" accent4="accent4" accent5="accent5" accent6="accent6" hlink="hlink" folHlink="folHlink"/>
+  <p:notesStyle>
+    <a:lvl1pPr marL="0" algn="l" defTabSz="914400" rtl="0" eaLnBrk="1" latinLnBrk="0" hangingPunct="1">
+      <a:defRPr sz="1200" kern="1200">
+        <a:solidFill>
+          <a:schemeClr val="tx1"/>
+        </a:solidFill>
+        <a:latin typeface="+mn-lt"/>
+        <a:ea typeface="+mn-ea"/>
+        <a:cs typeface="+mn-cs"/>
+      </a:defRPr>
+    </a:lvl1pPr>
+    <a:lvl2pPr marL="457200" algn="l" defTabSz="914400" rtl="0" eaLnBrk="1" latinLnBrk="0" hangingPunct="1">
+      <a:defRPr sz="1200" kern="1200">
+        <a:solidFill>
+          <a:schemeClr val="tx1"/>
+        </a:solidFill>
+        <a:latin typeface="+mn-lt"/>
+        <a:ea typeface="+mn-ea"/>
+        <a:cs typeface="+mn-cs"/>
+      </a:defRPr>
+    </a:lvl2pPr>
+    <a:lvl3pPr marL="914400" algn="l" defTabSz="914400" rtl="0" eaLnBrk="1" latinLnBrk="0" hangingPunct="1">
+      <a:defRPr sz="1200" kern="1200">
+        <a:solidFill>
+          <a:schemeClr val="tx1"/>
+        </a:solidFill>
+        <a:latin typeface="+mn-lt"/>
+        <a:ea typeface="+mn-ea"/>
+        <a:cs typeface="+mn-cs"/>
+      </a:defRPr>
+    </a:lvl3pPr>
+    <a:lvl4pPr marL="1371600" algn="l" defTabSz="914400" rtl="0" eaLnBrk="1" latinLnBrk="0" hangingPunct="1">
+      <a:defRPr sz="1200" kern="1200">
+        <a:solidFill>
+          <a:schemeClr val="tx1"/>
+        </a:solidFill>
+        <a:latin typeface="+mn-lt"/>
+        <a:ea typeface="+mn-ea"/>
+        <a:cs typeface="+mn-cs"/>
+      </a:defRPr>
+    </a:lvl4pPr>
+    <a:lvl5pPr marL="1828800" algn="l" defTabSz="914400" rtl="0" eaLnBrk="1" latinLnBrk="0" hangingPunct="1">
+      <a:defRPr sz="1200" kern="1200">
+        <a:solidFill>
+          <a:schemeClr val="tx1"/>
+        </a:solidFill>
+        <a:latin typeface="+mn-lt"/>
+        <a:ea typeface="+mn-ea"/>
+        <a:cs typeface="+mn-cs"/>
+      </a:defRPr>
+    </a:lvl5pPr>
+    <a:lvl6pPr marL="2286000" algn="l" defTabSz="914400" rtl="0" eaLnBrk="1" latinLnBrk="0" hangingPunct="1">
+      <a:defRPr sz="1200" kern="1200">
+        <a:solidFill>
+          <a:schemeClr val="tx1"/>
+        </a:solidFill>
+        <a:latin typeface="+mn-lt"/>
+        <a:ea typeface="+mn-ea"/>
+        <a:cs typeface="+mn-cs"/>
+      </a:defRPr>
+    </a:lvl6pPr>
+    <a:lvl7pPr marL="2743200" algn="l" defTabSz="914400" rtl="0" eaLnBrk="1" latinLnBrk="0" hangingPunct="1">
+      <a:defRPr sz="1200" kern="1200">
+        <a:solidFill>
+          <a:schemeClr val="tx1"/>
+        </a:solidFill>
+        <a:latin typeface="+mn-lt"/>
+        <a:ea typeface="+mn-ea"/>
+        <a:cs typeface="+mn-cs"/>
+      </a:defRPr>
+    </a:lvl7pPr>
+    <a:lvl8pPr marL="3200400" algn="l" defTabSz="914400" rtl="0" eaLnBrk="1" latinLnBrk="0" hangingPunct="1">
+      <a:defRPr sz="1200" kern="1200">
+        <a:solidFill>
+          <a:schemeClr val="tx1"/>
+        </a:solidFill>
+        <a:latin typeface="+mn-lt"/>
+        <a:ea typeface="+mn-ea"/>
+        <a:cs typeface="+mn-cs"/>
+      </a:defRPr>
+    </a:lvl8pPr>
+    <a:lvl9pPr marL="3657600" algn="l" defTabSz="914400" rtl="0" eaLnBrk="1" latinLnBrk="0" hangingPunct="1">
+      <a:defRPr sz="1200" kern="1200">
+        <a:solidFill>
+          <a:schemeClr val="tx1"/>
+        </a:solidFill>
+        <a:latin typeface="+mn-lt"/>
+        <a:ea typeface="+mn-ea"/>
+        <a:cs typeface="+mn-cs"/>
+      </a:defRPr>
+    </a:lvl9pPr>
+  </p:notesStyle>
+</p:notesMaster>
+</file>
+
+<file path=ppt/notesSlides/notesSlide1.xml><?xml version="1.0" encoding="utf-8"?>
+<p:notes xmlns:a="http://schemas.openxmlformats.org/drawingml/2006/main" xmlns:r="http://schemas.openxmlformats.org/officeDocument/2006/relationships" xmlns:p="http://schemas.openxmlformats.org/presentationml/2006/main">
+  <p:cSld>
+    <p:spTree>
+      <p:nvGrpSpPr>
+        <p:cNvPr id="1" name=""/>
+        <p:cNvGrpSpPr/>
+        <p:nvPr/>
+      </p:nvGrpSpPr>
+      <p:grpSpPr>
+        <a:xfrm>
+          <a:off x="0" y="0"/>
+          <a:ext cx="0" cy="0"/>
+          <a:chOff x="0" y="0"/>
+          <a:chExt cx="0" cy="0"/>
+        </a:xfrm>
+      </p:grpSpPr>
+      <p:sp>
+        <p:nvSpPr>
+          <p:cNvPr id="2" name="슬라이드 이미지 개체 틀 1"/>
+          <p:cNvSpPr>
+            <a:spLocks noGrp="1" noRot="1" noChangeAspect="1"/>
+          </p:cNvSpPr>
+          <p:nvPr>
+            <p:ph type="sldImg"/>
+          </p:nvPr>
+        </p:nvSpPr>
+        <p:spPr/>
+      </p:sp>
+      <p:sp>
+        <p:nvSpPr>
+          <p:cNvPr id="3" name="슬라이드 노트 개체 틀 2"/>
+          <p:cNvSpPr>
+            <a:spLocks noGrp="1"/>
+          </p:cNvSpPr>
+          <p:nvPr>
+            <p:ph type="body" idx="1"/>
+          </p:nvPr>
+        </p:nvSpPr>
+        <p:spPr/>
+        <p:txBody>
+          <a:bodyPr/>
+          <a:lstStyle/>
+          <a:p>
+            <a:endParaRPr kumimoji="1" lang="ko-Kore-KR" altLang="en-US" dirty="0"/>
+          </a:p>
+        </p:txBody>
+      </p:sp>
+      <p:sp>
+        <p:nvSpPr>
+          <p:cNvPr id="4" name="슬라이드 번호 개체 틀 3"/>
+          <p:cNvSpPr>
+            <a:spLocks noGrp="1"/>
+          </p:cNvSpPr>
+          <p:nvPr>
+            <p:ph type="sldNum" sz="quarter" idx="5"/>
+          </p:nvPr>
+        </p:nvSpPr>
+        <p:spPr/>
+        <p:txBody>
+          <a:bodyPr/>
+          <a:lstStyle/>
+          <a:p>
+            <a:fld id="{1E1DF567-B506-DC49-93DF-6148BF5B5D6A}" type="slidenum">
+              <a:rPr kumimoji="1" lang="ko-Kore-KR" altLang="en-US" smtClean="0"/>
+              <a:t>3</a:t>
+            </a:fld>
+            <a:endParaRPr kumimoji="1" lang="ko-Kore-KR" altLang="en-US"/>
+          </a:p>
+        </p:txBody>
+      </p:sp>
+    </p:spTree>
+    <p:extLst>
+      <p:ext uri="{BB962C8B-B14F-4D97-AF65-F5344CB8AC3E}">
+        <p14:creationId xmlns:p14="http://schemas.microsoft.com/office/powerpoint/2010/main" val="31207420"/>
+      </p:ext>
+    </p:extLst>
+  </p:cSld>
+  <p:clrMapOvr>
+    <a:masterClrMapping/>
+  </p:clrMapOvr>
+</p:notes>
+</file>
+
+<file path=ppt/notesSlides/notesSlide2.xml><?xml version="1.0" encoding="utf-8"?>
+<p:notes xmlns:a="http://schemas.openxmlformats.org/drawingml/2006/main" xmlns:r="http://schemas.openxmlformats.org/officeDocument/2006/relationships" xmlns:p="http://schemas.openxmlformats.org/presentationml/2006/main">
+  <p:cSld>
+    <p:spTree>
+      <p:nvGrpSpPr>
+        <p:cNvPr id="1" name=""/>
+        <p:cNvGrpSpPr/>
+        <p:nvPr/>
+      </p:nvGrpSpPr>
+      <p:grpSpPr>
+        <a:xfrm>
+          <a:off x="0" y="0"/>
+          <a:ext cx="0" cy="0"/>
+          <a:chOff x="0" y="0"/>
+          <a:chExt cx="0" cy="0"/>
+        </a:xfrm>
+      </p:grpSpPr>
+      <p:sp>
+        <p:nvSpPr>
+          <p:cNvPr id="2" name="슬라이드 이미지 개체 틀 1"/>
+          <p:cNvSpPr>
+            <a:spLocks noGrp="1" noRot="1" noChangeAspect="1"/>
+          </p:cNvSpPr>
+          <p:nvPr>
+            <p:ph type="sldImg"/>
+          </p:nvPr>
+        </p:nvSpPr>
+        <p:spPr/>
+      </p:sp>
+      <p:sp>
+        <p:nvSpPr>
+          <p:cNvPr id="3" name="슬라이드 노트 개체 틀 2"/>
+          <p:cNvSpPr>
+            <a:spLocks noGrp="1"/>
+          </p:cNvSpPr>
+          <p:nvPr>
+            <p:ph type="body" idx="1"/>
+          </p:nvPr>
+        </p:nvSpPr>
+        <p:spPr/>
+        <p:txBody>
+          <a:bodyPr/>
+          <a:lstStyle/>
+          <a:p>
+            <a:endParaRPr kumimoji="1" lang="ko-Kore-KR" altLang="en-US" dirty="0"/>
+          </a:p>
+        </p:txBody>
+      </p:sp>
+      <p:sp>
+        <p:nvSpPr>
+          <p:cNvPr id="4" name="슬라이드 번호 개체 틀 3"/>
+          <p:cNvSpPr>
+            <a:spLocks noGrp="1"/>
+          </p:cNvSpPr>
+          <p:nvPr>
+            <p:ph type="sldNum" sz="quarter" idx="5"/>
+          </p:nvPr>
+        </p:nvSpPr>
+        <p:spPr/>
+        <p:txBody>
+          <a:bodyPr/>
+          <a:lstStyle/>
+          <a:p>
+            <a:fld id="{1E1DF567-B506-DC49-93DF-6148BF5B5D6A}" type="slidenum">
+              <a:rPr kumimoji="1" lang="ko-Kore-KR" altLang="en-US" smtClean="0"/>
+              <a:t>4</a:t>
+            </a:fld>
+            <a:endParaRPr kumimoji="1" lang="ko-Kore-KR" altLang="en-US"/>
+          </a:p>
+        </p:txBody>
+      </p:sp>
+    </p:spTree>
+    <p:extLst>
+      <p:ext uri="{BB962C8B-B14F-4D97-AF65-F5344CB8AC3E}">
+        <p14:creationId xmlns:p14="http://schemas.microsoft.com/office/powerpoint/2010/main" val="1993218339"/>
+      </p:ext>
+    </p:extLst>
+  </p:cSld>
+  <p:clrMapOvr>
+    <a:masterClrMapping/>
+  </p:clrMapOvr>
+</p:notes>
 </file>
 
 <file path=ppt/slideLayouts/slideLayout1.xml><?xml version="1.0" encoding="utf-8"?>
@@ -3445,7 +3969,7 @@
         </p:nvSpPr>
         <p:spPr>
           <a:xfrm>
-            <a:off x="837367" y="851748"/>
+            <a:off x="838200" y="242148"/>
             <a:ext cx="10515600" cy="1325563"/>
           </a:xfrm>
         </p:spPr>
@@ -3508,8 +4032,8 @@
         </p:nvSpPr>
         <p:spPr>
           <a:xfrm>
-            <a:off x="838200" y="1825625"/>
-            <a:ext cx="10515600" cy="4884094"/>
+            <a:off x="839033" y="1216024"/>
+            <a:ext cx="10515600" cy="5479065"/>
           </a:xfrm>
         </p:spPr>
         <p:txBody>
@@ -3583,6 +4107,74 @@
                 <a:ea typeface="BM JUA OTF" panose="02020603020101020101" pitchFamily="18" charset="-127"/>
               </a:rPr>
               <a:t>.</a:t>
+            </a:r>
+          </a:p>
+          <a:p>
+            <a:pPr marL="0" indent="0">
+              <a:buNone/>
+            </a:pPr>
+            <a:r>
+              <a:rPr lang="en-US" altLang="ko-KR" sz="2300" dirty="0">
+                <a:latin typeface="BM JUA OTF" panose="02020603020101020101" pitchFamily="18" charset="-127"/>
+                <a:ea typeface="BM JUA OTF" panose="02020603020101020101" pitchFamily="18" charset="-127"/>
+              </a:rPr>
+              <a:t>&lt;</a:t>
+            </a:r>
+            <a:r>
+              <a:rPr lang="ko-KR" altLang="en-US" sz="2300" dirty="0">
+                <a:latin typeface="BM JUA OTF" panose="02020603020101020101" pitchFamily="18" charset="-127"/>
+                <a:ea typeface="BM JUA OTF" panose="02020603020101020101" pitchFamily="18" charset="-127"/>
+              </a:rPr>
+              <a:t>입력</a:t>
+            </a:r>
+            <a:r>
+              <a:rPr lang="en-US" altLang="ko-KR" sz="2300" dirty="0">
+                <a:latin typeface="BM JUA OTF" panose="02020603020101020101" pitchFamily="18" charset="-127"/>
+                <a:ea typeface="BM JUA OTF" panose="02020603020101020101" pitchFamily="18" charset="-127"/>
+              </a:rPr>
+              <a:t>&gt;</a:t>
+            </a:r>
+            <a:r>
+              <a:rPr lang="ko-KR" altLang="en-US" sz="2300" dirty="0">
+                <a:latin typeface="BM JUA OTF" panose="02020603020101020101" pitchFamily="18" charset="-127"/>
+                <a:ea typeface="BM JUA OTF" panose="02020603020101020101" pitchFamily="18" charset="-127"/>
+              </a:rPr>
+              <a:t> </a:t>
+            </a:r>
+            <a:r>
+              <a:rPr lang="en-US" altLang="ko-KR" sz="2300" dirty="0">
+                <a:latin typeface="BM JUA OTF" panose="02020603020101020101" pitchFamily="18" charset="-127"/>
+                <a:ea typeface="BM JUA OTF" panose="02020603020101020101" pitchFamily="18" charset="-127"/>
+              </a:rPr>
+              <a:t>542.4</a:t>
+            </a:r>
+            <a:r>
+              <a:rPr lang="ko-KR" altLang="en-US" sz="2300" dirty="0">
+                <a:latin typeface="BM JUA OTF" panose="02020603020101020101" pitchFamily="18" charset="-127"/>
+                <a:ea typeface="BM JUA OTF" panose="02020603020101020101" pitchFamily="18" charset="-127"/>
+              </a:rPr>
+              <a:t> </a:t>
+            </a:r>
+            <a:r>
+              <a:rPr lang="en-US" altLang="ko-KR" sz="2300" dirty="0">
+                <a:latin typeface="BM JUA OTF" panose="02020603020101020101" pitchFamily="18" charset="-127"/>
+                <a:ea typeface="BM JUA OTF" panose="02020603020101020101" pitchFamily="18" charset="-127"/>
+              </a:rPr>
+              <a:t>210.3</a:t>
+            </a:r>
+            <a:r>
+              <a:rPr lang="ko-KR" altLang="en-US" sz="2300" dirty="0">
+                <a:latin typeface="BM JUA OTF" panose="02020603020101020101" pitchFamily="18" charset="-127"/>
+                <a:ea typeface="BM JUA OTF" panose="02020603020101020101" pitchFamily="18" charset="-127"/>
+              </a:rPr>
+              <a:t> </a:t>
+            </a:r>
+            <a:r>
+              <a:rPr lang="en-US" altLang="ko-KR" sz="2300" dirty="0">
+                <a:latin typeface="BM JUA OTF" panose="02020603020101020101" pitchFamily="18" charset="-127"/>
+                <a:ea typeface="BM JUA OTF" panose="02020603020101020101" pitchFamily="18" charset="-127"/>
+              </a:rPr>
+              <a:t>38</a:t>
             </a:r>
           </a:p>
           <a:p>
@@ -3622,85 +4214,54 @@
             <a:pPr marL="0" indent="0">
               <a:buNone/>
             </a:pPr>
-            <a:r>
-              <a:rPr lang="en-US" altLang="ko-KR" sz="2300" dirty="0">
-                <a:latin typeface="BM JUA OTF" panose="02020603020101020101" pitchFamily="18" charset="-127"/>
-                <a:ea typeface="BM JUA OTF" panose="02020603020101020101" pitchFamily="18" charset="-127"/>
-              </a:rPr>
-              <a:t>&lt;</a:t>
-            </a:r>
-            <a:r>
-              <a:rPr lang="ko-KR" altLang="en-US" sz="2300" dirty="0">
-                <a:latin typeface="BM JUA OTF" panose="02020603020101020101" pitchFamily="18" charset="-127"/>
-                <a:ea typeface="BM JUA OTF" panose="02020603020101020101" pitchFamily="18" charset="-127"/>
-              </a:rPr>
-              <a:t>실행 결과</a:t>
-            </a:r>
-            <a:r>
-              <a:rPr lang="en-US" altLang="ko-KR" sz="2300" dirty="0">
-                <a:latin typeface="BM JUA OTF" panose="02020603020101020101" pitchFamily="18" charset="-127"/>
-                <a:ea typeface="BM JUA OTF" panose="02020603020101020101" pitchFamily="18" charset="-127"/>
-              </a:rPr>
-              <a:t>&gt;</a:t>
-            </a:r>
-          </a:p>
-          <a:p>
-            <a:pPr marL="0" indent="0">
-              <a:buNone/>
-            </a:pPr>
-            <a:r>
-              <a:rPr lang="en-US" altLang="ko-KR" sz="2300" dirty="0">
-                <a:latin typeface="BM JUA OTF" panose="02020603020101020101" pitchFamily="18" charset="-127"/>
-                <a:ea typeface="BM JUA OTF" panose="02020603020101020101" pitchFamily="18" charset="-127"/>
-              </a:rPr>
-              <a:t>542.4</a:t>
-            </a:r>
-            <a:r>
-              <a:rPr lang="ko-KR" altLang="en-US" sz="2300" dirty="0">
-                <a:latin typeface="BM JUA OTF" panose="02020603020101020101" pitchFamily="18" charset="-127"/>
-                <a:ea typeface="BM JUA OTF" panose="02020603020101020101" pitchFamily="18" charset="-127"/>
-              </a:rPr>
-              <a:t> </a:t>
-            </a:r>
-            <a:r>
-              <a:rPr lang="en-US" altLang="ko-KR" sz="2300" dirty="0">
-                <a:latin typeface="BM JUA OTF" panose="02020603020101020101" pitchFamily="18" charset="-127"/>
-                <a:ea typeface="BM JUA OTF" panose="02020603020101020101" pitchFamily="18" charset="-127"/>
-              </a:rPr>
-              <a:t>210.3</a:t>
-            </a:r>
-            <a:r>
-              <a:rPr lang="ko-KR" altLang="en-US" sz="2300" dirty="0">
-                <a:latin typeface="BM JUA OTF" panose="02020603020101020101" pitchFamily="18" charset="-127"/>
-                <a:ea typeface="BM JUA OTF" panose="02020603020101020101" pitchFamily="18" charset="-127"/>
-              </a:rPr>
-              <a:t> </a:t>
-            </a:r>
-            <a:r>
-              <a:rPr lang="en-US" altLang="ko-KR" sz="2300" dirty="0">
-                <a:latin typeface="BM JUA OTF" panose="02020603020101020101" pitchFamily="18" charset="-127"/>
-                <a:ea typeface="BM JUA OTF" panose="02020603020101020101" pitchFamily="18" charset="-127"/>
-              </a:rPr>
-              <a:t>58</a:t>
-            </a:r>
-          </a:p>
-          <a:p>
-            <a:pPr marL="0" indent="0">
-              <a:buNone/>
-            </a:pPr>
-            <a:r>
-              <a:rPr lang="ko-KR" altLang="en-US" sz="2300" dirty="0">
-                <a:latin typeface="BM JUA OTF" panose="02020603020101020101" pitchFamily="18" charset="-127"/>
-                <a:ea typeface="BM JUA OTF" panose="02020603020101020101" pitchFamily="18" charset="-127"/>
-              </a:rPr>
-              <a:t>베기</a:t>
-            </a:r>
             <a:endParaRPr lang="en-US" altLang="ko-KR" sz="2300" dirty="0">
               <a:latin typeface="BM JUA OTF" panose="02020603020101020101" pitchFamily="18" charset="-127"/>
               <a:ea typeface="BM JUA OTF" panose="02020603020101020101" pitchFamily="18" charset="-127"/>
             </a:endParaRPr>
           </a:p>
           <a:p>
+            <a:pPr marL="0" indent="0">
+              <a:buNone/>
+            </a:pPr>
+            <a:endParaRPr lang="en-US" altLang="ko-KR" sz="2300" dirty="0">
+              <a:latin typeface="BM JUA OTF" panose="02020603020101020101" pitchFamily="18" charset="-127"/>
+              <a:ea typeface="BM JUA OTF" panose="02020603020101020101" pitchFamily="18" charset="-127"/>
+            </a:endParaRPr>
+          </a:p>
+          <a:p>
+            <a:pPr marL="0" indent="0">
+              <a:buNone/>
+            </a:pPr>
+            <a:endParaRPr lang="en-US" altLang="ko-KR" sz="2300" dirty="0">
+              <a:latin typeface="BM JUA OTF" panose="02020603020101020101" pitchFamily="18" charset="-127"/>
+              <a:ea typeface="BM JUA OTF" panose="02020603020101020101" pitchFamily="18" charset="-127"/>
+            </a:endParaRPr>
+          </a:p>
+          <a:p>
+            <a:pPr marL="0" indent="0">
+              <a:buNone/>
+            </a:pPr>
+            <a:r>
+              <a:rPr lang="en-US" altLang="ko-KR" sz="2300" dirty="0">
+                <a:latin typeface="BM JUA OTF" panose="02020603020101020101" pitchFamily="18" charset="-127"/>
+                <a:ea typeface="BM JUA OTF" panose="02020603020101020101" pitchFamily="18" charset="-127"/>
+              </a:rPr>
+              <a:t>&lt;</a:t>
+            </a:r>
+            <a:r>
+              <a:rPr lang="ko-KR" altLang="en-US" sz="2300" dirty="0">
+                <a:latin typeface="BM JUA OTF" panose="02020603020101020101" pitchFamily="18" charset="-127"/>
+                <a:ea typeface="BM JUA OTF" panose="02020603020101020101" pitchFamily="18" charset="-127"/>
+              </a:rPr>
+              <a:t>실행 결과</a:t>
+            </a:r>
+            <a:r>
+              <a:rPr lang="en-US" altLang="ko-KR" sz="2300" dirty="0">
+                <a:latin typeface="BM JUA OTF" panose="02020603020101020101" pitchFamily="18" charset="-127"/>
+                <a:ea typeface="BM JUA OTF" panose="02020603020101020101" pitchFamily="18" charset="-127"/>
+              </a:rPr>
+              <a:t>&gt;</a:t>
+            </a:r>
             <a:endParaRPr lang="en-US" altLang="ko-KR" sz="2300" dirty="0"/>
           </a:p>
           <a:p>
@@ -3711,40 +4272,1427 @@
           </a:p>
         </p:txBody>
       </p:sp>
-      <p:pic>
-        <p:nvPicPr>
-          <p:cNvPr id="7" name="그림 6">
-            <a:extLst>
-              <a:ext uri="{FF2B5EF4-FFF2-40B4-BE49-F238E27FC236}">
-                <a16:creationId xmlns:a16="http://schemas.microsoft.com/office/drawing/2014/main" id="{0B0C3E81-6B22-07F2-4B11-2DBC70ED1669}"/>
-              </a:ext>
-            </a:extLst>
-          </p:cNvPr>
-          <p:cNvPicPr>
-            <a:picLocks noChangeAspect="1"/>
-          </p:cNvPicPr>
+      <p:grpSp>
+        <p:nvGrpSpPr>
+          <p:cNvPr id="12" name="그룹 11">
+            <a:extLst>
+              <a:ext uri="{FF2B5EF4-FFF2-40B4-BE49-F238E27FC236}">
+                <a16:creationId xmlns:a16="http://schemas.microsoft.com/office/drawing/2014/main" id="{66E472AC-943D-828F-5936-4FC821BAECFB}"/>
+              </a:ext>
+            </a:extLst>
+          </p:cNvPr>
+          <p:cNvGrpSpPr/>
           <p:nvPr/>
-        </p:nvPicPr>
-        <p:blipFill>
-          <a:blip r:embed="rId2"/>
-          <a:stretch>
-            <a:fillRect/>
-          </a:stretch>
-        </p:blipFill>
+        </p:nvGrpSpPr>
+        <p:grpSpPr>
+          <a:xfrm>
+            <a:off x="4084003" y="1654969"/>
+            <a:ext cx="5969000" cy="4876800"/>
+            <a:chOff x="4147065" y="2177311"/>
+            <a:chExt cx="5969000" cy="4876800"/>
+          </a:xfrm>
+        </p:grpSpPr>
+        <p:pic>
+          <p:nvPicPr>
+            <p:cNvPr id="9" name="그림 8" descr="텍스트이(가) 표시된 사진&#10;&#10;자동 생성된 설명">
+              <a:extLst>
+                <a:ext uri="{FF2B5EF4-FFF2-40B4-BE49-F238E27FC236}">
+                  <a16:creationId xmlns:a16="http://schemas.microsoft.com/office/drawing/2014/main" id="{1CA6FC5D-8B68-C507-638C-F21FAEC347D7}"/>
+                </a:ext>
+              </a:extLst>
+            </p:cNvPr>
+            <p:cNvPicPr>
+              <a:picLocks noChangeAspect="1"/>
+            </p:cNvPicPr>
+            <p:nvPr/>
+          </p:nvPicPr>
+          <p:blipFill>
+            <a:blip r:embed="rId2"/>
+            <a:stretch>
+              <a:fillRect/>
+            </a:stretch>
+          </p:blipFill>
+          <p:spPr>
+            <a:xfrm>
+              <a:off x="4147065" y="2177311"/>
+              <a:ext cx="5969000" cy="4876800"/>
+            </a:xfrm>
+            <a:prstGeom prst="rect">
+              <a:avLst/>
+            </a:prstGeom>
+          </p:spPr>
+        </p:pic>
+        <p:pic>
+          <p:nvPicPr>
+            <p:cNvPr id="11" name="그림 10">
+              <a:extLst>
+                <a:ext uri="{FF2B5EF4-FFF2-40B4-BE49-F238E27FC236}">
+                  <a16:creationId xmlns:a16="http://schemas.microsoft.com/office/drawing/2014/main" id="{CCD3C2B8-E647-6C31-993C-440BE6133FD2}"/>
+                </a:ext>
+              </a:extLst>
+            </p:cNvPr>
+            <p:cNvPicPr>
+              <a:picLocks noChangeAspect="1"/>
+            </p:cNvPicPr>
+            <p:nvPr/>
+          </p:nvPicPr>
+          <p:blipFill>
+            <a:blip r:embed="rId3"/>
+            <a:stretch>
+              <a:fillRect/>
+            </a:stretch>
+          </p:blipFill>
+          <p:spPr>
+            <a:xfrm>
+              <a:off x="5237745" y="2528997"/>
+              <a:ext cx="4412882" cy="2092430"/>
+            </a:xfrm>
+            <a:prstGeom prst="rect">
+              <a:avLst/>
+            </a:prstGeom>
+          </p:spPr>
+        </p:pic>
+      </p:grpSp>
+    </p:spTree>
+    <p:extLst>
+      <p:ext uri="{BB962C8B-B14F-4D97-AF65-F5344CB8AC3E}">
+        <p14:creationId xmlns:p14="http://schemas.microsoft.com/office/powerpoint/2010/main" val="7267143"/>
+      </p:ext>
+    </p:extLst>
+  </p:cSld>
+  <p:clrMapOvr>
+    <a:masterClrMapping/>
+  </p:clrMapOvr>
+</p:sld>
+</file>
+
+<file path=ppt/slides/slide3.xml><?xml version="1.0" encoding="utf-8"?>
+<p:sld xmlns:a="http://schemas.openxmlformats.org/drawingml/2006/main" xmlns:r="http://schemas.openxmlformats.org/officeDocument/2006/relationships" xmlns:p="http://schemas.openxmlformats.org/presentationml/2006/main">
+  <p:cSld>
+    <p:spTree>
+      <p:nvGrpSpPr>
+        <p:cNvPr id="1" name=""/>
+        <p:cNvGrpSpPr/>
+        <p:nvPr/>
+      </p:nvGrpSpPr>
+      <p:grpSpPr>
+        <a:xfrm>
+          <a:off x="0" y="0"/>
+          <a:ext cx="0" cy="0"/>
+          <a:chOff x="0" y="0"/>
+          <a:chExt cx="0" cy="0"/>
+        </a:xfrm>
+      </p:grpSpPr>
+      <p:sp>
+        <p:nvSpPr>
+          <p:cNvPr id="2" name="제목 1">
+            <a:extLst>
+              <a:ext uri="{FF2B5EF4-FFF2-40B4-BE49-F238E27FC236}">
+                <a16:creationId xmlns:a16="http://schemas.microsoft.com/office/drawing/2014/main" id="{D2C546E6-290E-FFD2-E3E0-619ACBE29A6F}"/>
+              </a:ext>
+            </a:extLst>
+          </p:cNvPr>
+          <p:cNvSpPr>
+            <a:spLocks noGrp="1"/>
+          </p:cNvSpPr>
+          <p:nvPr>
+            <p:ph type="title"/>
+          </p:nvPr>
+        </p:nvSpPr>
         <p:spPr>
           <a:xfrm>
-            <a:off x="848710" y="2528997"/>
-            <a:ext cx="6625109" cy="2075150"/>
+            <a:off x="838200" y="-289170"/>
+            <a:ext cx="10515600" cy="1325563"/>
+          </a:xfrm>
+        </p:spPr>
+        <p:txBody>
+          <a:bodyPr>
+            <a:normAutofit/>
+          </a:bodyPr>
+          <a:lstStyle/>
+          <a:p>
+            <a:r>
+              <a:rPr kumimoji="1" lang="en-US" altLang="ko-KR" sz="3500" dirty="0">
+                <a:latin typeface="BM JUA OTF" panose="02020603020101020101" pitchFamily="18" charset="-127"/>
+                <a:ea typeface="BM JUA OTF" panose="02020603020101020101" pitchFamily="18" charset="-127"/>
+              </a:rPr>
+              <a:t>Quiz2.</a:t>
+            </a:r>
+            <a:r>
+              <a:rPr kumimoji="1" lang="ko-KR" altLang="en-US" sz="3500" dirty="0">
+                <a:latin typeface="BM JUA OTF" panose="02020603020101020101" pitchFamily="18" charset="-127"/>
+                <a:ea typeface="BM JUA OTF" panose="02020603020101020101" pitchFamily="18" charset="-127"/>
+              </a:rPr>
+              <a:t> 클래스 </a:t>
+            </a:r>
+            <a:r>
+              <a:rPr kumimoji="1" lang="en-US" altLang="ko-KR" sz="3500" dirty="0">
+                <a:latin typeface="BM JUA OTF" panose="02020603020101020101" pitchFamily="18" charset="-127"/>
+                <a:ea typeface="BM JUA OTF" panose="02020603020101020101" pitchFamily="18" charset="-127"/>
+              </a:rPr>
+              <a:t>:</a:t>
+            </a:r>
+            <a:r>
+              <a:rPr kumimoji="1" lang="ko-KR" altLang="en-US" sz="3500" dirty="0">
+                <a:latin typeface="BM JUA OTF" panose="02020603020101020101" pitchFamily="18" charset="-127"/>
+                <a:ea typeface="BM JUA OTF" panose="02020603020101020101" pitchFamily="18" charset="-127"/>
+              </a:rPr>
+              <a:t> 게임 캐릭터 클래스 만들기</a:t>
+            </a:r>
+            <a:r>
+              <a:rPr kumimoji="1" lang="en-US" altLang="ko-KR" sz="3500" dirty="0">
+                <a:latin typeface="BM JUA OTF" panose="02020603020101020101" pitchFamily="18" charset="-127"/>
+                <a:ea typeface="BM JUA OTF" panose="02020603020101020101" pitchFamily="18" charset="-127"/>
+              </a:rPr>
+              <a:t>(</a:t>
+            </a:r>
+            <a:r>
+              <a:rPr kumimoji="1" lang="ko-KR" altLang="en-US" sz="3500" dirty="0">
+                <a:latin typeface="BM JUA OTF" panose="02020603020101020101" pitchFamily="18" charset="-127"/>
+                <a:ea typeface="BM JUA OTF" panose="02020603020101020101" pitchFamily="18" charset="-127"/>
+              </a:rPr>
+              <a:t>심화</a:t>
+            </a:r>
+            <a:r>
+              <a:rPr kumimoji="1" lang="en-US" altLang="ko-KR" sz="3500" dirty="0">
+                <a:latin typeface="BM JUA OTF" panose="02020603020101020101" pitchFamily="18" charset="-127"/>
+                <a:ea typeface="BM JUA OTF" panose="02020603020101020101" pitchFamily="18" charset="-127"/>
+              </a:rPr>
+              <a:t>)</a:t>
+            </a:r>
+            <a:endParaRPr kumimoji="1" lang="ko-Kore-KR" altLang="en-US" sz="3500" dirty="0">
+              <a:latin typeface="BM JUA OTF" panose="02020603020101020101" pitchFamily="18" charset="-127"/>
+              <a:ea typeface="BM JUA OTF" panose="02020603020101020101" pitchFamily="18" charset="-127"/>
+            </a:endParaRPr>
+          </a:p>
+        </p:txBody>
+      </p:sp>
+      <p:sp>
+        <p:nvSpPr>
+          <p:cNvPr id="3" name="내용 개체 틀 2">
+            <a:extLst>
+              <a:ext uri="{FF2B5EF4-FFF2-40B4-BE49-F238E27FC236}">
+                <a16:creationId xmlns:a16="http://schemas.microsoft.com/office/drawing/2014/main" id="{52A5812E-55E5-8F0A-A8D8-966630E4EE15}"/>
+              </a:ext>
+            </a:extLst>
+          </p:cNvPr>
+          <p:cNvSpPr>
+            <a:spLocks noGrp="1"/>
+          </p:cNvSpPr>
+          <p:nvPr>
+            <p:ph idx="1"/>
+          </p:nvPr>
+        </p:nvSpPr>
+        <p:spPr>
+          <a:xfrm>
+            <a:off x="838200" y="721397"/>
+            <a:ext cx="10515600" cy="6310023"/>
+          </a:xfrm>
+        </p:spPr>
+        <p:txBody>
+          <a:bodyPr>
+            <a:normAutofit/>
+          </a:bodyPr>
+          <a:lstStyle/>
+          <a:p>
+            <a:pPr marL="0" indent="0">
+              <a:buNone/>
+            </a:pPr>
+            <a:r>
+              <a:rPr lang="en-US" altLang="ko-KR" sz="2300" dirty="0">
+                <a:latin typeface="BM JUA OTF" panose="02020603020101020101" pitchFamily="18" charset="-127"/>
+                <a:ea typeface="BM JUA OTF" panose="02020603020101020101" pitchFamily="18" charset="-127"/>
+              </a:rPr>
+              <a:t>&lt;</a:t>
+            </a:r>
+            <a:r>
+              <a:rPr lang="ko-KR" altLang="en-US" sz="2300" dirty="0">
+                <a:latin typeface="BM JUA OTF" panose="02020603020101020101" pitchFamily="18" charset="-127"/>
+                <a:ea typeface="BM JUA OTF" panose="02020603020101020101" pitchFamily="18" charset="-127"/>
+              </a:rPr>
+              <a:t>문제</a:t>
+            </a:r>
+            <a:r>
+              <a:rPr lang="en-US" altLang="ko-KR" sz="2300" dirty="0">
+                <a:latin typeface="BM JUA OTF" panose="02020603020101020101" pitchFamily="18" charset="-127"/>
+                <a:ea typeface="BM JUA OTF" panose="02020603020101020101" pitchFamily="18" charset="-127"/>
+              </a:rPr>
+              <a:t>&gt;</a:t>
+            </a:r>
+            <a:r>
+              <a:rPr lang="ko-KR" altLang="en-US" sz="2300" dirty="0">
+                <a:latin typeface="BM JUA OTF" panose="02020603020101020101" pitchFamily="18" charset="-127"/>
+                <a:ea typeface="BM JUA OTF" panose="02020603020101020101" pitchFamily="18" charset="-127"/>
+              </a:rPr>
+              <a:t> 표준 입력으로 게임 캐릭터 능력치</a:t>
+            </a:r>
+            <a:r>
+              <a:rPr lang="en-US" altLang="ko-KR" sz="2300" dirty="0">
+                <a:latin typeface="BM JUA OTF" panose="02020603020101020101" pitchFamily="18" charset="-127"/>
+                <a:ea typeface="BM JUA OTF" panose="02020603020101020101" pitchFamily="18" charset="-127"/>
+              </a:rPr>
+              <a:t>(</a:t>
+            </a:r>
+            <a:r>
+              <a:rPr lang="ko-KR" altLang="en-US" sz="2300" dirty="0">
+                <a:latin typeface="BM JUA OTF" panose="02020603020101020101" pitchFamily="18" charset="-127"/>
+                <a:ea typeface="BM JUA OTF" panose="02020603020101020101" pitchFamily="18" charset="-127"/>
+              </a:rPr>
+              <a:t>체력</a:t>
+            </a:r>
+            <a:r>
+              <a:rPr lang="en-US" altLang="ko-KR" sz="2300" dirty="0">
+                <a:latin typeface="BM JUA OTF" panose="02020603020101020101" pitchFamily="18" charset="-127"/>
+                <a:ea typeface="BM JUA OTF" panose="02020603020101020101" pitchFamily="18" charset="-127"/>
+              </a:rPr>
+              <a:t>, </a:t>
+            </a:r>
+            <a:r>
+              <a:rPr lang="ko-KR" altLang="en-US" sz="2300" dirty="0">
+                <a:latin typeface="BM JUA OTF" panose="02020603020101020101" pitchFamily="18" charset="-127"/>
+                <a:ea typeface="BM JUA OTF" panose="02020603020101020101" pitchFamily="18" charset="-127"/>
+              </a:rPr>
+              <a:t>마나</a:t>
+            </a:r>
+            <a:r>
+              <a:rPr lang="en-US" altLang="ko-KR" sz="2300" dirty="0">
+                <a:latin typeface="BM JUA OTF" panose="02020603020101020101" pitchFamily="18" charset="-127"/>
+                <a:ea typeface="BM JUA OTF" panose="02020603020101020101" pitchFamily="18" charset="-127"/>
+              </a:rPr>
+              <a:t>, </a:t>
+            </a:r>
+            <a:r>
+              <a:rPr lang="en" altLang="ko-KR" sz="2300" dirty="0">
+                <a:latin typeface="BM JUA OTF" panose="02020603020101020101" pitchFamily="18" charset="-127"/>
+                <a:ea typeface="BM JUA OTF" panose="02020603020101020101" pitchFamily="18" charset="-127"/>
+              </a:rPr>
+              <a:t>AP)</a:t>
+            </a:r>
+            <a:r>
+              <a:rPr lang="ko-KR" altLang="en-US" sz="2300" dirty="0">
+                <a:latin typeface="BM JUA OTF" panose="02020603020101020101" pitchFamily="18" charset="-127"/>
+                <a:ea typeface="BM JUA OTF" panose="02020603020101020101" pitchFamily="18" charset="-127"/>
+              </a:rPr>
+              <a:t>가 입력됩니다</a:t>
+            </a:r>
+            <a:r>
+              <a:rPr lang="en-US" altLang="ko-KR" sz="2300" dirty="0">
+                <a:latin typeface="BM JUA OTF" panose="02020603020101020101" pitchFamily="18" charset="-127"/>
+                <a:ea typeface="BM JUA OTF" panose="02020603020101020101" pitchFamily="18" charset="-127"/>
+              </a:rPr>
+              <a:t>. </a:t>
+            </a:r>
+            <a:r>
+              <a:rPr lang="ko-KR" altLang="en-US" sz="2300" dirty="0">
+                <a:latin typeface="BM JUA OTF" panose="02020603020101020101" pitchFamily="18" charset="-127"/>
+                <a:ea typeface="BM JUA OTF" panose="02020603020101020101" pitchFamily="18" charset="-127"/>
+              </a:rPr>
+              <a:t>다음 소스 코드에서 애니</a:t>
+            </a:r>
+            <a:r>
+              <a:rPr lang="en-US" altLang="ko-KR" sz="2300" dirty="0">
+                <a:latin typeface="BM JUA OTF" panose="02020603020101020101" pitchFamily="18" charset="-127"/>
+                <a:ea typeface="BM JUA OTF" panose="02020603020101020101" pitchFamily="18" charset="-127"/>
+              </a:rPr>
+              <a:t>(</a:t>
+            </a:r>
+            <a:r>
+              <a:rPr lang="en" altLang="ko-KR" sz="2300" dirty="0">
+                <a:latin typeface="BM JUA OTF" panose="02020603020101020101" pitchFamily="18" charset="-127"/>
+                <a:ea typeface="BM JUA OTF" panose="02020603020101020101" pitchFamily="18" charset="-127"/>
+              </a:rPr>
+              <a:t>Annie) </a:t>
+            </a:r>
+            <a:r>
+              <a:rPr lang="ko-KR" altLang="en-US" sz="2300" dirty="0">
+                <a:latin typeface="BM JUA OTF" panose="02020603020101020101" pitchFamily="18" charset="-127"/>
+                <a:ea typeface="BM JUA OTF" panose="02020603020101020101" pitchFamily="18" charset="-127"/>
+              </a:rPr>
+              <a:t>클래스를 작성하여 </a:t>
+            </a:r>
+            <a:r>
+              <a:rPr lang="ko-KR" altLang="en-US" sz="2300" dirty="0" err="1">
+                <a:latin typeface="BM JUA OTF" panose="02020603020101020101" pitchFamily="18" charset="-127"/>
+                <a:ea typeface="BM JUA OTF" panose="02020603020101020101" pitchFamily="18" charset="-127"/>
+              </a:rPr>
+              <a:t>티버</a:t>
+            </a:r>
+            <a:r>
+              <a:rPr lang="en-US" altLang="ko-KR" sz="2300" dirty="0">
+                <a:latin typeface="BM JUA OTF" panose="02020603020101020101" pitchFamily="18" charset="-127"/>
+                <a:ea typeface="BM JUA OTF" panose="02020603020101020101" pitchFamily="18" charset="-127"/>
+              </a:rPr>
+              <a:t>(</a:t>
+            </a:r>
+            <a:r>
+              <a:rPr lang="en" altLang="ko-KR" sz="2300" dirty="0" err="1">
+                <a:latin typeface="BM JUA OTF" panose="02020603020101020101" pitchFamily="18" charset="-127"/>
+                <a:ea typeface="BM JUA OTF" panose="02020603020101020101" pitchFamily="18" charset="-127"/>
+              </a:rPr>
+              <a:t>tibbers</a:t>
+            </a:r>
+            <a:r>
+              <a:rPr lang="en" altLang="ko-KR" sz="2300" dirty="0">
+                <a:latin typeface="BM JUA OTF" panose="02020603020101020101" pitchFamily="18" charset="-127"/>
+                <a:ea typeface="BM JUA OTF" panose="02020603020101020101" pitchFamily="18" charset="-127"/>
+              </a:rPr>
+              <a:t>) </a:t>
+            </a:r>
+            <a:r>
+              <a:rPr lang="ko-KR" altLang="en-US" sz="2300" dirty="0">
+                <a:latin typeface="BM JUA OTF" panose="02020603020101020101" pitchFamily="18" charset="-127"/>
+                <a:ea typeface="BM JUA OTF" panose="02020603020101020101" pitchFamily="18" charset="-127"/>
+              </a:rPr>
+              <a:t>스킬의 </a:t>
+            </a:r>
+            <a:r>
+              <a:rPr lang="ko-KR" altLang="en-US" sz="2300" dirty="0" err="1">
+                <a:latin typeface="BM JUA OTF" panose="02020603020101020101" pitchFamily="18" charset="-127"/>
+                <a:ea typeface="BM JUA OTF" panose="02020603020101020101" pitchFamily="18" charset="-127"/>
+              </a:rPr>
+              <a:t>피해량이</a:t>
+            </a:r>
+            <a:r>
+              <a:rPr lang="ko-KR" altLang="en-US" sz="2300" dirty="0">
+                <a:latin typeface="BM JUA OTF" panose="02020603020101020101" pitchFamily="18" charset="-127"/>
+                <a:ea typeface="BM JUA OTF" panose="02020603020101020101" pitchFamily="18" charset="-127"/>
+              </a:rPr>
+              <a:t> 출력되게 만드세요</a:t>
+            </a:r>
+            <a:r>
+              <a:rPr lang="en-US" altLang="ko-KR" sz="2300" dirty="0">
+                <a:latin typeface="BM JUA OTF" panose="02020603020101020101" pitchFamily="18" charset="-127"/>
+                <a:ea typeface="BM JUA OTF" panose="02020603020101020101" pitchFamily="18" charset="-127"/>
+              </a:rPr>
+              <a:t>. </a:t>
+            </a:r>
+            <a:r>
+              <a:rPr lang="ko-KR" altLang="en-US" sz="2300" dirty="0" err="1">
+                <a:latin typeface="BM JUA OTF" panose="02020603020101020101" pitchFamily="18" charset="-127"/>
+                <a:ea typeface="BM JUA OTF" panose="02020603020101020101" pitchFamily="18" charset="-127"/>
+              </a:rPr>
+              <a:t>티버의</a:t>
+            </a:r>
+            <a:r>
+              <a:rPr lang="ko-KR" altLang="en-US" sz="2300" dirty="0">
+                <a:latin typeface="BM JUA OTF" panose="02020603020101020101" pitchFamily="18" charset="-127"/>
+                <a:ea typeface="BM JUA OTF" panose="02020603020101020101" pitchFamily="18" charset="-127"/>
+              </a:rPr>
+              <a:t> </a:t>
+            </a:r>
+            <a:r>
+              <a:rPr lang="ko-KR" altLang="en-US" sz="2300" dirty="0" err="1">
+                <a:latin typeface="BM JUA OTF" panose="02020603020101020101" pitchFamily="18" charset="-127"/>
+                <a:ea typeface="BM JUA OTF" panose="02020603020101020101" pitchFamily="18" charset="-127"/>
+              </a:rPr>
+              <a:t>피해량은</a:t>
+            </a:r>
+            <a:r>
+              <a:rPr lang="ko-KR" altLang="en-US" sz="2300" dirty="0">
+                <a:latin typeface="BM JUA OTF" panose="02020603020101020101" pitchFamily="18" charset="-127"/>
+                <a:ea typeface="BM JUA OTF" panose="02020603020101020101" pitchFamily="18" charset="-127"/>
+              </a:rPr>
+              <a:t> </a:t>
+            </a:r>
+            <a:r>
+              <a:rPr lang="en" altLang="ko-KR" sz="2300" dirty="0">
+                <a:latin typeface="BM JUA OTF" panose="02020603020101020101" pitchFamily="18" charset="-127"/>
+                <a:ea typeface="BM JUA OTF" panose="02020603020101020101" pitchFamily="18" charset="-127"/>
+              </a:rPr>
+              <a:t>AP * 0.65 + 400</a:t>
+            </a:r>
+            <a:r>
+              <a:rPr lang="ko-KR" altLang="en-US" sz="2300" dirty="0">
+                <a:latin typeface="BM JUA OTF" panose="02020603020101020101" pitchFamily="18" charset="-127"/>
+                <a:ea typeface="BM JUA OTF" panose="02020603020101020101" pitchFamily="18" charset="-127"/>
+              </a:rPr>
+              <a:t>이며 </a:t>
+            </a:r>
+            <a:r>
+              <a:rPr lang="en" altLang="ko-KR" sz="2300" dirty="0">
+                <a:latin typeface="BM JUA OTF" panose="02020603020101020101" pitchFamily="18" charset="-127"/>
+                <a:ea typeface="BM JUA OTF" panose="02020603020101020101" pitchFamily="18" charset="-127"/>
+              </a:rPr>
+              <a:t>AP(Ability Power, </a:t>
+            </a:r>
+            <a:r>
+              <a:rPr lang="ko-KR" altLang="en-US" sz="2300" dirty="0" err="1">
+                <a:latin typeface="BM JUA OTF" panose="02020603020101020101" pitchFamily="18" charset="-127"/>
+                <a:ea typeface="BM JUA OTF" panose="02020603020101020101" pitchFamily="18" charset="-127"/>
+              </a:rPr>
+              <a:t>주문력</a:t>
+            </a:r>
+            <a:r>
+              <a:rPr lang="en-US" altLang="ko-KR" sz="2300" dirty="0">
+                <a:latin typeface="BM JUA OTF" panose="02020603020101020101" pitchFamily="18" charset="-127"/>
+                <a:ea typeface="BM JUA OTF" panose="02020603020101020101" pitchFamily="18" charset="-127"/>
+              </a:rPr>
+              <a:t>)</a:t>
+            </a:r>
+            <a:r>
+              <a:rPr lang="ko-KR" altLang="en-US" sz="2300" dirty="0">
+                <a:latin typeface="BM JUA OTF" panose="02020603020101020101" pitchFamily="18" charset="-127"/>
+                <a:ea typeface="BM JUA OTF" panose="02020603020101020101" pitchFamily="18" charset="-127"/>
+              </a:rPr>
+              <a:t>는 마법 능력치를 뜻합니다</a:t>
+            </a:r>
+            <a:r>
+              <a:rPr lang="en-US" altLang="ko-KR" sz="2300" dirty="0">
+                <a:latin typeface="BM JUA OTF" panose="02020603020101020101" pitchFamily="18" charset="-127"/>
+                <a:ea typeface="BM JUA OTF" panose="02020603020101020101" pitchFamily="18" charset="-127"/>
+              </a:rPr>
+              <a:t>.</a:t>
+            </a:r>
+          </a:p>
+          <a:p>
+            <a:pPr marL="0" indent="0">
+              <a:buNone/>
+            </a:pPr>
+            <a:r>
+              <a:rPr lang="en-US" altLang="ko-KR" sz="2300" dirty="0">
+                <a:latin typeface="BM JUA OTF" panose="02020603020101020101" pitchFamily="18" charset="-127"/>
+                <a:ea typeface="BM JUA OTF" panose="02020603020101020101" pitchFamily="18" charset="-127"/>
+              </a:rPr>
+              <a:t>&lt;</a:t>
+            </a:r>
+            <a:r>
+              <a:rPr lang="ko-KR" altLang="en-US" sz="2300" dirty="0">
+                <a:latin typeface="BM JUA OTF" panose="02020603020101020101" pitchFamily="18" charset="-127"/>
+                <a:ea typeface="BM JUA OTF" panose="02020603020101020101" pitchFamily="18" charset="-127"/>
+              </a:rPr>
+              <a:t>입력</a:t>
+            </a:r>
+            <a:r>
+              <a:rPr lang="en-US" altLang="ko-KR" sz="2300" dirty="0">
+                <a:latin typeface="BM JUA OTF" panose="02020603020101020101" pitchFamily="18" charset="-127"/>
+                <a:ea typeface="BM JUA OTF" panose="02020603020101020101" pitchFamily="18" charset="-127"/>
+              </a:rPr>
+              <a:t>&gt;</a:t>
+            </a:r>
+            <a:r>
+              <a:rPr lang="ko-KR" altLang="en-US" sz="2300" dirty="0">
+                <a:latin typeface="BM JUA OTF" panose="02020603020101020101" pitchFamily="18" charset="-127"/>
+                <a:ea typeface="BM JUA OTF" panose="02020603020101020101" pitchFamily="18" charset="-127"/>
+              </a:rPr>
+              <a:t> </a:t>
+            </a:r>
+            <a:r>
+              <a:rPr lang="en-US" altLang="ko-KR" sz="2300" dirty="0">
+                <a:latin typeface="BM JUA OTF" panose="02020603020101020101" pitchFamily="18" charset="-127"/>
+                <a:ea typeface="BM JUA OTF" panose="02020603020101020101" pitchFamily="18" charset="-127"/>
+              </a:rPr>
+              <a:t>511.68 334.0 298</a:t>
+            </a:r>
+          </a:p>
+          <a:p>
+            <a:endParaRPr lang="en-US" altLang="ko-KR" sz="2300" dirty="0">
+              <a:latin typeface="BM JUA OTF" panose="02020603020101020101" pitchFamily="18" charset="-127"/>
+              <a:ea typeface="BM JUA OTF" panose="02020603020101020101" pitchFamily="18" charset="-127"/>
+            </a:endParaRPr>
+          </a:p>
+          <a:p>
+            <a:endParaRPr lang="en-US" altLang="ko-KR" sz="2300" dirty="0">
+              <a:latin typeface="BM JUA OTF" panose="02020603020101020101" pitchFamily="18" charset="-127"/>
+              <a:ea typeface="BM JUA OTF" panose="02020603020101020101" pitchFamily="18" charset="-127"/>
+            </a:endParaRPr>
+          </a:p>
+          <a:p>
+            <a:pPr marL="0" indent="0">
+              <a:buNone/>
+            </a:pPr>
+            <a:endParaRPr lang="en-US" altLang="ko-KR" sz="2300" dirty="0">
+              <a:latin typeface="BM JUA OTF" panose="02020603020101020101" pitchFamily="18" charset="-127"/>
+              <a:ea typeface="BM JUA OTF" panose="02020603020101020101" pitchFamily="18" charset="-127"/>
+            </a:endParaRPr>
+          </a:p>
+          <a:p>
+            <a:pPr marL="0" indent="0">
+              <a:buNone/>
+            </a:pPr>
+            <a:endParaRPr lang="en-US" altLang="ko-KR" sz="2300" dirty="0">
+              <a:latin typeface="BM JUA OTF" panose="02020603020101020101" pitchFamily="18" charset="-127"/>
+              <a:ea typeface="BM JUA OTF" panose="02020603020101020101" pitchFamily="18" charset="-127"/>
+            </a:endParaRPr>
+          </a:p>
+          <a:p>
+            <a:pPr marL="0" indent="0">
+              <a:buNone/>
+            </a:pPr>
+            <a:endParaRPr lang="en-US" altLang="ko-KR" sz="2300" dirty="0">
+              <a:latin typeface="BM JUA OTF" panose="02020603020101020101" pitchFamily="18" charset="-127"/>
+              <a:ea typeface="BM JUA OTF" panose="02020603020101020101" pitchFamily="18" charset="-127"/>
+            </a:endParaRPr>
+          </a:p>
+          <a:p>
+            <a:pPr marL="0" indent="0">
+              <a:buNone/>
+            </a:pPr>
+            <a:endParaRPr lang="en-US" altLang="ko-KR" sz="2300" dirty="0">
+              <a:latin typeface="BM JUA OTF" panose="02020603020101020101" pitchFamily="18" charset="-127"/>
+              <a:ea typeface="BM JUA OTF" panose="02020603020101020101" pitchFamily="18" charset="-127"/>
+            </a:endParaRPr>
+          </a:p>
+          <a:p>
+            <a:pPr marL="0" indent="0">
+              <a:buNone/>
+            </a:pPr>
+            <a:endParaRPr lang="en-US" altLang="ko-KR" sz="2300" dirty="0">
+              <a:latin typeface="BM JUA OTF" panose="02020603020101020101" pitchFamily="18" charset="-127"/>
+              <a:ea typeface="BM JUA OTF" panose="02020603020101020101" pitchFamily="18" charset="-127"/>
+            </a:endParaRPr>
+          </a:p>
+          <a:p>
+            <a:pPr marL="0" indent="0">
+              <a:buNone/>
+            </a:pPr>
+            <a:endParaRPr lang="en-US" altLang="ko-KR" sz="2300" dirty="0">
+              <a:latin typeface="BM JUA OTF" panose="02020603020101020101" pitchFamily="18" charset="-127"/>
+              <a:ea typeface="BM JUA OTF" panose="02020603020101020101" pitchFamily="18" charset="-127"/>
+            </a:endParaRPr>
+          </a:p>
+          <a:p>
+            <a:pPr marL="0" indent="0">
+              <a:buNone/>
+            </a:pPr>
+            <a:endParaRPr lang="en-US" altLang="ko-KR" sz="2300" dirty="0">
+              <a:latin typeface="BM JUA OTF" panose="02020603020101020101" pitchFamily="18" charset="-127"/>
+              <a:ea typeface="BM JUA OTF" panose="02020603020101020101" pitchFamily="18" charset="-127"/>
+            </a:endParaRPr>
+          </a:p>
+          <a:p>
+            <a:pPr marL="0" indent="0">
+              <a:buNone/>
+            </a:pPr>
+            <a:r>
+              <a:rPr lang="en-US" altLang="ko-KR" sz="2300" dirty="0">
+                <a:latin typeface="BM JUA OTF" panose="02020603020101020101" pitchFamily="18" charset="-127"/>
+                <a:ea typeface="BM JUA OTF" panose="02020603020101020101" pitchFamily="18" charset="-127"/>
+              </a:rPr>
+              <a:t>&lt;</a:t>
+            </a:r>
+            <a:r>
+              <a:rPr lang="ko-KR" altLang="en-US" sz="2300" dirty="0">
+                <a:latin typeface="BM JUA OTF" panose="02020603020101020101" pitchFamily="18" charset="-127"/>
+                <a:ea typeface="BM JUA OTF" panose="02020603020101020101" pitchFamily="18" charset="-127"/>
+              </a:rPr>
+              <a:t>실행 결과</a:t>
+            </a:r>
+            <a:r>
+              <a:rPr lang="en-US" altLang="ko-KR" sz="2300" dirty="0">
+                <a:latin typeface="BM JUA OTF" panose="02020603020101020101" pitchFamily="18" charset="-127"/>
+                <a:ea typeface="BM JUA OTF" panose="02020603020101020101" pitchFamily="18" charset="-127"/>
+              </a:rPr>
+              <a:t>&gt;</a:t>
+            </a:r>
+          </a:p>
+          <a:p>
+            <a:endParaRPr lang="en-US" altLang="ko-KR" sz="2300" dirty="0"/>
+          </a:p>
+          <a:p>
+            <a:pPr marL="0" indent="0">
+              <a:buNone/>
+            </a:pPr>
+            <a:endParaRPr kumimoji="1" lang="ko-Kore-KR" altLang="en-US" sz="2300" dirty="0"/>
+          </a:p>
+        </p:txBody>
+      </p:sp>
+      <p:grpSp>
+        <p:nvGrpSpPr>
+          <p:cNvPr id="14" name="그룹 13">
+            <a:extLst>
+              <a:ext uri="{FF2B5EF4-FFF2-40B4-BE49-F238E27FC236}">
+                <a16:creationId xmlns:a16="http://schemas.microsoft.com/office/drawing/2014/main" id="{5A389245-BFE7-734A-B5B1-13F4830572F2}"/>
+              </a:ext>
+            </a:extLst>
+          </p:cNvPr>
+          <p:cNvGrpSpPr/>
+          <p:nvPr/>
+        </p:nvGrpSpPr>
+        <p:grpSpPr>
+          <a:xfrm>
+            <a:off x="2599996" y="2242349"/>
+            <a:ext cx="7048501" cy="4358147"/>
+            <a:chOff x="838200" y="2210262"/>
+            <a:chExt cx="8153400" cy="4914900"/>
+          </a:xfrm>
+        </p:grpSpPr>
+        <p:pic>
+          <p:nvPicPr>
+            <p:cNvPr id="11" name="그림 10" descr="텍스트이(가) 표시된 사진&#10;&#10;자동 생성된 설명">
+              <a:extLst>
+                <a:ext uri="{FF2B5EF4-FFF2-40B4-BE49-F238E27FC236}">
+                  <a16:creationId xmlns:a16="http://schemas.microsoft.com/office/drawing/2014/main" id="{80355A26-BC72-D1B9-FE01-A0C9909412E8}"/>
+                </a:ext>
+              </a:extLst>
+            </p:cNvPr>
+            <p:cNvPicPr>
+              <a:picLocks noChangeAspect="1"/>
+            </p:cNvPicPr>
+            <p:nvPr/>
+          </p:nvPicPr>
+          <p:blipFill>
+            <a:blip r:embed="rId3"/>
+            <a:stretch>
+              <a:fillRect/>
+            </a:stretch>
+          </p:blipFill>
+          <p:spPr>
+            <a:xfrm>
+              <a:off x="838200" y="2210262"/>
+              <a:ext cx="8153400" cy="4914900"/>
+            </a:xfrm>
+            <a:prstGeom prst="rect">
+              <a:avLst/>
+            </a:prstGeom>
+          </p:spPr>
+        </p:pic>
+        <p:pic>
+          <p:nvPicPr>
+            <p:cNvPr id="13" name="그림 12">
+              <a:extLst>
+                <a:ext uri="{FF2B5EF4-FFF2-40B4-BE49-F238E27FC236}">
+                  <a16:creationId xmlns:a16="http://schemas.microsoft.com/office/drawing/2014/main" id="{EEC4F9F3-299D-E3CA-839F-46B5B7337B25}"/>
+                </a:ext>
+              </a:extLst>
+            </p:cNvPr>
+            <p:cNvPicPr>
+              <a:picLocks noChangeAspect="1"/>
+            </p:cNvPicPr>
+            <p:nvPr/>
+          </p:nvPicPr>
+          <p:blipFill>
+            <a:blip r:embed="rId4"/>
+            <a:stretch>
+              <a:fillRect/>
+            </a:stretch>
+          </p:blipFill>
+          <p:spPr>
+            <a:xfrm>
+              <a:off x="1566916" y="2520950"/>
+              <a:ext cx="6847279" cy="1927482"/>
+            </a:xfrm>
+            <a:prstGeom prst="rect">
+              <a:avLst/>
+            </a:prstGeom>
+          </p:spPr>
+        </p:pic>
+      </p:grpSp>
+    </p:spTree>
+    <p:extLst>
+      <p:ext uri="{BB962C8B-B14F-4D97-AF65-F5344CB8AC3E}">
+        <p14:creationId xmlns:p14="http://schemas.microsoft.com/office/powerpoint/2010/main" val="551929070"/>
+      </p:ext>
+    </p:extLst>
+  </p:cSld>
+  <p:clrMapOvr>
+    <a:masterClrMapping/>
+  </p:clrMapOvr>
+</p:sld>
+</file>
+
+<file path=ppt/slides/slide4.xml><?xml version="1.0" encoding="utf-8"?>
+<p:sld xmlns:a="http://schemas.openxmlformats.org/drawingml/2006/main" xmlns:r="http://schemas.openxmlformats.org/officeDocument/2006/relationships" xmlns:p="http://schemas.openxmlformats.org/presentationml/2006/main">
+  <p:cSld>
+    <p:spTree>
+      <p:nvGrpSpPr>
+        <p:cNvPr id="1" name=""/>
+        <p:cNvGrpSpPr/>
+        <p:nvPr/>
+      </p:nvGrpSpPr>
+      <p:grpSpPr>
+        <a:xfrm>
+          <a:off x="0" y="0"/>
+          <a:ext cx="0" cy="0"/>
+          <a:chOff x="0" y="0"/>
+          <a:chExt cx="0" cy="0"/>
+        </a:xfrm>
+      </p:grpSpPr>
+      <p:sp>
+        <p:nvSpPr>
+          <p:cNvPr id="6" name="직사각형 5">
+            <a:extLst>
+              <a:ext uri="{FF2B5EF4-FFF2-40B4-BE49-F238E27FC236}">
+                <a16:creationId xmlns:a16="http://schemas.microsoft.com/office/drawing/2014/main" id="{3E920C7E-3FE8-8C8F-AE61-383DABB5A549}"/>
+              </a:ext>
+            </a:extLst>
+          </p:cNvPr>
+          <p:cNvSpPr/>
+          <p:nvPr/>
+        </p:nvSpPr>
+        <p:spPr>
+          <a:xfrm>
+            <a:off x="1828799" y="2340949"/>
+            <a:ext cx="7840717" cy="2585323"/>
           </a:xfrm>
           <a:prstGeom prst="rect">
             <a:avLst/>
           </a:prstGeom>
         </p:spPr>
-      </p:pic>
+        <p:txBody>
+          <a:bodyPr wrap="square">
+            <a:spAutoFit/>
+          </a:bodyPr>
+          <a:lstStyle/>
+          <a:p>
+            <a:r>
+              <a:rPr lang="en" altLang="ko-Kore-KR" b="0" i="0" dirty="0">
+                <a:solidFill>
+                  <a:srgbClr val="656565"/>
+                </a:solidFill>
+                <a:effectLst/>
+                <a:latin typeface="N_Code"/>
+              </a:rPr>
+              <a:t>x = Knight(health=542.4, mana=210.3, armor=38)</a:t>
+            </a:r>
+            <a:r>
+              <a:rPr lang="ko-KR" altLang="en-US" b="0" i="0" dirty="0">
+                <a:solidFill>
+                  <a:srgbClr val="656565"/>
+                </a:solidFill>
+                <a:effectLst/>
+                <a:latin typeface="Arial" panose="020B0604020202020204" pitchFamily="34" charset="0"/>
+              </a:rPr>
+              <a:t>와 같이 클래스에 값을 넣어서 인스턴스를 생성하고</a:t>
+            </a:r>
+            <a:r>
+              <a:rPr lang="en-US" altLang="ko-KR" b="0" i="0" dirty="0">
+                <a:solidFill>
+                  <a:srgbClr val="656565"/>
+                </a:solidFill>
+                <a:effectLst/>
+                <a:latin typeface="Arial" panose="020B0604020202020204" pitchFamily="34" charset="0"/>
+              </a:rPr>
+              <a:t>, </a:t>
+            </a:r>
+            <a:r>
+              <a:rPr lang="en" altLang="ko-Kore-KR" b="0" i="0" dirty="0">
+                <a:solidFill>
+                  <a:srgbClr val="656565"/>
+                </a:solidFill>
+                <a:effectLst/>
+                <a:latin typeface="N_Code"/>
+              </a:rPr>
+              <a:t>print(</a:t>
+            </a:r>
+            <a:r>
+              <a:rPr lang="en" altLang="ko-Kore-KR" b="0" i="0" dirty="0" err="1">
+                <a:solidFill>
+                  <a:srgbClr val="656565"/>
+                </a:solidFill>
+                <a:effectLst/>
+                <a:latin typeface="N_Code"/>
+              </a:rPr>
+              <a:t>x.health</a:t>
+            </a:r>
+            <a:r>
+              <a:rPr lang="en" altLang="ko-Kore-KR" b="0" i="0" dirty="0">
+                <a:solidFill>
+                  <a:srgbClr val="656565"/>
+                </a:solidFill>
+                <a:effectLst/>
+                <a:latin typeface="N_Code"/>
+              </a:rPr>
+              <a:t>, </a:t>
+            </a:r>
+            <a:r>
+              <a:rPr lang="en" altLang="ko-Kore-KR" b="0" i="0" dirty="0" err="1">
+                <a:solidFill>
+                  <a:srgbClr val="656565"/>
+                </a:solidFill>
+                <a:effectLst/>
+                <a:latin typeface="N_Code"/>
+              </a:rPr>
+              <a:t>x.mana</a:t>
+            </a:r>
+            <a:r>
+              <a:rPr lang="en" altLang="ko-Kore-KR" b="0" i="0" dirty="0">
+                <a:solidFill>
+                  <a:srgbClr val="656565"/>
+                </a:solidFill>
+                <a:effectLst/>
+                <a:latin typeface="N_Code"/>
+              </a:rPr>
+              <a:t>, </a:t>
+            </a:r>
+            <a:r>
+              <a:rPr lang="en" altLang="ko-Kore-KR" b="0" i="0" dirty="0" err="1">
+                <a:solidFill>
+                  <a:srgbClr val="656565"/>
+                </a:solidFill>
+                <a:effectLst/>
+                <a:latin typeface="N_Code"/>
+              </a:rPr>
+              <a:t>x.armor</a:t>
+            </a:r>
+            <a:r>
+              <a:rPr lang="en" altLang="ko-Kore-KR" b="0" i="0" dirty="0">
+                <a:solidFill>
+                  <a:srgbClr val="656565"/>
+                </a:solidFill>
+                <a:effectLst/>
+                <a:latin typeface="N_Code"/>
+              </a:rPr>
+              <a:t>)</a:t>
+            </a:r>
+            <a:r>
+              <a:rPr lang="ko-KR" altLang="en-US" b="0" i="0" dirty="0">
+                <a:solidFill>
+                  <a:srgbClr val="656565"/>
+                </a:solidFill>
+                <a:effectLst/>
+                <a:latin typeface="Arial" panose="020B0604020202020204" pitchFamily="34" charset="0"/>
+              </a:rPr>
+              <a:t>와 같이 인스턴스 속성을 출력하고 있습니다</a:t>
+            </a:r>
+            <a:r>
+              <a:rPr lang="en-US" altLang="ko-KR" b="0" i="0" dirty="0">
+                <a:solidFill>
+                  <a:srgbClr val="656565"/>
+                </a:solidFill>
+                <a:effectLst/>
+                <a:latin typeface="Arial" panose="020B0604020202020204" pitchFamily="34" charset="0"/>
+              </a:rPr>
+              <a:t>. </a:t>
+            </a:r>
+            <a:r>
+              <a:rPr lang="ko-KR" altLang="en-US" b="0" i="0" dirty="0">
+                <a:solidFill>
+                  <a:srgbClr val="656565"/>
+                </a:solidFill>
+                <a:effectLst/>
+                <a:latin typeface="Arial" panose="020B0604020202020204" pitchFamily="34" charset="0"/>
+              </a:rPr>
+              <a:t>따라서 </a:t>
+            </a:r>
+            <a:r>
+              <a:rPr lang="en" altLang="ko-Kore-KR" b="0" i="0" dirty="0">
+                <a:solidFill>
+                  <a:srgbClr val="656565"/>
+                </a:solidFill>
+                <a:effectLst/>
+                <a:latin typeface="N_Code"/>
+              </a:rPr>
+              <a:t>class</a:t>
+            </a:r>
+            <a:r>
+              <a:rPr lang="ko-KR" altLang="en-US" b="0" i="0" dirty="0">
+                <a:solidFill>
+                  <a:srgbClr val="656565"/>
+                </a:solidFill>
+                <a:effectLst/>
+                <a:latin typeface="Arial" panose="020B0604020202020204" pitchFamily="34" charset="0"/>
+              </a:rPr>
+              <a:t>로 </a:t>
+            </a:r>
+            <a:r>
+              <a:rPr lang="en" altLang="ko-Kore-KR" b="0" i="0" dirty="0">
+                <a:solidFill>
+                  <a:srgbClr val="656565"/>
+                </a:solidFill>
+                <a:effectLst/>
+                <a:latin typeface="N_Code"/>
+              </a:rPr>
+              <a:t>Knight</a:t>
+            </a:r>
+            <a:r>
+              <a:rPr lang="en" altLang="ko-Kore-KR" b="0" i="0" dirty="0">
+                <a:solidFill>
+                  <a:srgbClr val="656565"/>
+                </a:solidFill>
+                <a:effectLst/>
+                <a:latin typeface="Arial" panose="020B0604020202020204" pitchFamily="34" charset="0"/>
+              </a:rPr>
+              <a:t> </a:t>
+            </a:r>
+            <a:r>
+              <a:rPr lang="ko-KR" altLang="en-US" b="0" i="0" dirty="0">
+                <a:solidFill>
+                  <a:srgbClr val="656565"/>
+                </a:solidFill>
+                <a:effectLst/>
+                <a:latin typeface="Arial" panose="020B0604020202020204" pitchFamily="34" charset="0"/>
+              </a:rPr>
+              <a:t>클래스를 만들고 </a:t>
+            </a:r>
+            <a:r>
+              <a:rPr lang="en-US" altLang="ko-KR" b="0" i="0" dirty="0">
+                <a:solidFill>
+                  <a:srgbClr val="656565"/>
+                </a:solidFill>
+                <a:effectLst/>
+                <a:latin typeface="N_Code"/>
+              </a:rPr>
+              <a:t>__</a:t>
+            </a:r>
+            <a:r>
+              <a:rPr lang="en" altLang="ko-Kore-KR" b="0" i="0" dirty="0" err="1">
+                <a:solidFill>
+                  <a:srgbClr val="656565"/>
+                </a:solidFill>
+                <a:effectLst/>
+                <a:latin typeface="N_Code"/>
+              </a:rPr>
+              <a:t>init</a:t>
+            </a:r>
+            <a:r>
+              <a:rPr lang="en" altLang="ko-Kore-KR" b="0" i="0" dirty="0">
+                <a:solidFill>
+                  <a:srgbClr val="656565"/>
+                </a:solidFill>
+                <a:effectLst/>
+                <a:latin typeface="N_Code"/>
+              </a:rPr>
+              <a:t>__</a:t>
+            </a:r>
+            <a:r>
+              <a:rPr lang="en" altLang="ko-Kore-KR" b="0" i="0" dirty="0">
+                <a:solidFill>
+                  <a:srgbClr val="656565"/>
+                </a:solidFill>
+                <a:effectLst/>
+                <a:latin typeface="Arial" panose="020B0604020202020204" pitchFamily="34" charset="0"/>
+              </a:rPr>
+              <a:t> </a:t>
+            </a:r>
+            <a:r>
+              <a:rPr lang="ko-KR" altLang="en-US" b="0" i="0" dirty="0">
+                <a:solidFill>
+                  <a:srgbClr val="656565"/>
+                </a:solidFill>
+                <a:effectLst/>
+                <a:latin typeface="Arial" panose="020B0604020202020204" pitchFamily="34" charset="0"/>
+              </a:rPr>
+              <a:t>메서드에 매개변수로 </a:t>
+            </a:r>
+            <a:r>
+              <a:rPr lang="en" altLang="ko-Kore-KR" b="0" i="0" dirty="0">
+                <a:solidFill>
+                  <a:srgbClr val="656565"/>
+                </a:solidFill>
+                <a:effectLst/>
+                <a:latin typeface="N_Code"/>
+              </a:rPr>
+              <a:t>self</a:t>
+            </a:r>
+            <a:r>
+              <a:rPr lang="en" altLang="ko-Kore-KR" b="0" i="0" dirty="0">
+                <a:solidFill>
+                  <a:srgbClr val="656565"/>
+                </a:solidFill>
+                <a:effectLst/>
+                <a:latin typeface="Arial" panose="020B0604020202020204" pitchFamily="34" charset="0"/>
+              </a:rPr>
+              <a:t>, </a:t>
+            </a:r>
+            <a:r>
+              <a:rPr lang="en" altLang="ko-Kore-KR" b="0" i="0" dirty="0">
+                <a:solidFill>
+                  <a:srgbClr val="656565"/>
+                </a:solidFill>
+                <a:effectLst/>
+                <a:latin typeface="N_Code"/>
+              </a:rPr>
+              <a:t>health</a:t>
+            </a:r>
+            <a:r>
+              <a:rPr lang="en" altLang="ko-Kore-KR" b="0" i="0" dirty="0">
+                <a:solidFill>
+                  <a:srgbClr val="656565"/>
+                </a:solidFill>
+                <a:effectLst/>
+                <a:latin typeface="Arial" panose="020B0604020202020204" pitchFamily="34" charset="0"/>
+              </a:rPr>
+              <a:t>, </a:t>
+            </a:r>
+            <a:r>
+              <a:rPr lang="en" altLang="ko-Kore-KR" b="0" i="0" dirty="0">
+                <a:solidFill>
+                  <a:srgbClr val="656565"/>
+                </a:solidFill>
+                <a:effectLst/>
+                <a:latin typeface="N_Code"/>
+              </a:rPr>
+              <a:t>mana</a:t>
+            </a:r>
+            <a:r>
+              <a:rPr lang="en" altLang="ko-Kore-KR" b="0" i="0" dirty="0">
+                <a:solidFill>
+                  <a:srgbClr val="656565"/>
+                </a:solidFill>
+                <a:effectLst/>
+                <a:latin typeface="Arial" panose="020B0604020202020204" pitchFamily="34" charset="0"/>
+              </a:rPr>
+              <a:t>, </a:t>
+            </a:r>
+            <a:r>
+              <a:rPr lang="en" altLang="ko-Kore-KR" b="0" i="0" dirty="0">
+                <a:solidFill>
+                  <a:srgbClr val="656565"/>
+                </a:solidFill>
+                <a:effectLst/>
+                <a:latin typeface="N_Code"/>
+              </a:rPr>
+              <a:t>armor</a:t>
+            </a:r>
+            <a:r>
+              <a:rPr lang="ko-KR" altLang="en-US" b="0" i="0" dirty="0" err="1">
+                <a:solidFill>
+                  <a:srgbClr val="656565"/>
+                </a:solidFill>
+                <a:effectLst/>
+                <a:latin typeface="Arial" panose="020B0604020202020204" pitchFamily="34" charset="0"/>
+              </a:rPr>
+              <a:t>를</a:t>
+            </a:r>
+            <a:r>
+              <a:rPr lang="ko-KR" altLang="en-US" b="0" i="0" dirty="0">
+                <a:solidFill>
+                  <a:srgbClr val="656565"/>
+                </a:solidFill>
+                <a:effectLst/>
+                <a:latin typeface="Arial" panose="020B0604020202020204" pitchFamily="34" charset="0"/>
+              </a:rPr>
+              <a:t> 지정합니다</a:t>
+            </a:r>
+            <a:r>
+              <a:rPr lang="en-US" altLang="ko-KR" b="0" i="0" dirty="0">
+                <a:solidFill>
+                  <a:srgbClr val="656565"/>
+                </a:solidFill>
+                <a:effectLst/>
+                <a:latin typeface="Arial" panose="020B0604020202020204" pitchFamily="34" charset="0"/>
+              </a:rPr>
+              <a:t>. </a:t>
+            </a:r>
+            <a:r>
+              <a:rPr lang="ko-KR" altLang="en-US" b="0" i="0" dirty="0">
+                <a:solidFill>
+                  <a:srgbClr val="656565"/>
+                </a:solidFill>
+                <a:effectLst/>
+                <a:latin typeface="Arial" panose="020B0604020202020204" pitchFamily="34" charset="0"/>
+              </a:rPr>
+              <a:t>이때 반드시 첫 번째 매개변수는 </a:t>
+            </a:r>
+            <a:r>
+              <a:rPr lang="en" altLang="ko-Kore-KR" b="0" i="0" dirty="0">
+                <a:solidFill>
+                  <a:srgbClr val="656565"/>
+                </a:solidFill>
+                <a:effectLst/>
+                <a:latin typeface="N_Code"/>
+              </a:rPr>
+              <a:t>self</a:t>
+            </a:r>
+            <a:r>
+              <a:rPr lang="ko-KR" altLang="en-US" b="0" i="0" dirty="0">
+                <a:solidFill>
+                  <a:srgbClr val="656565"/>
+                </a:solidFill>
+                <a:effectLst/>
+                <a:latin typeface="Arial" panose="020B0604020202020204" pitchFamily="34" charset="0"/>
+              </a:rPr>
+              <a:t>라야 합니다</a:t>
+            </a:r>
+            <a:r>
+              <a:rPr lang="en-US" altLang="ko-KR" b="0" i="0" dirty="0">
+                <a:solidFill>
+                  <a:srgbClr val="656565"/>
+                </a:solidFill>
+                <a:effectLst/>
+                <a:latin typeface="Arial" panose="020B0604020202020204" pitchFamily="34" charset="0"/>
+              </a:rPr>
+              <a:t>. </a:t>
+            </a:r>
+            <a:r>
+              <a:rPr lang="ko-KR" altLang="en-US" b="0" i="0" dirty="0">
+                <a:solidFill>
+                  <a:srgbClr val="656565"/>
+                </a:solidFill>
+                <a:effectLst/>
+                <a:latin typeface="Arial" panose="020B0604020202020204" pitchFamily="34" charset="0"/>
+              </a:rPr>
+              <a:t>함수 안에서는 </a:t>
+            </a:r>
+            <a:r>
+              <a:rPr lang="en" altLang="ko-Kore-KR" b="0" i="0" dirty="0" err="1">
+                <a:solidFill>
+                  <a:srgbClr val="656565"/>
+                </a:solidFill>
+                <a:effectLst/>
+                <a:latin typeface="N_Code"/>
+              </a:rPr>
+              <a:t>self.health</a:t>
+            </a:r>
+            <a:r>
+              <a:rPr lang="en" altLang="ko-Kore-KR" b="0" i="0" dirty="0">
+                <a:solidFill>
+                  <a:srgbClr val="656565"/>
+                </a:solidFill>
+                <a:effectLst/>
+                <a:latin typeface="N_Code"/>
+              </a:rPr>
+              <a:t> = health</a:t>
+            </a:r>
+            <a:r>
+              <a:rPr lang="ko-KR" altLang="en-US" b="0" i="0" dirty="0" err="1">
+                <a:solidFill>
+                  <a:srgbClr val="656565"/>
+                </a:solidFill>
+                <a:effectLst/>
+                <a:latin typeface="Arial" panose="020B0604020202020204" pitchFamily="34" charset="0"/>
+              </a:rPr>
+              <a:t>처럼</a:t>
+            </a:r>
+            <a:r>
+              <a:rPr lang="ko-KR" altLang="en-US" b="0" i="0" dirty="0">
+                <a:solidFill>
+                  <a:srgbClr val="656565"/>
+                </a:solidFill>
+                <a:effectLst/>
+                <a:latin typeface="Arial" panose="020B0604020202020204" pitchFamily="34" charset="0"/>
+              </a:rPr>
+              <a:t> 모든 매개변수를 그대로 속성으로 만들어줍니다</a:t>
+            </a:r>
+            <a:r>
+              <a:rPr lang="en-US" altLang="ko-KR" b="0" i="0" dirty="0">
+                <a:solidFill>
+                  <a:srgbClr val="656565"/>
+                </a:solidFill>
+                <a:effectLst/>
+                <a:latin typeface="Arial" panose="020B0604020202020204" pitchFamily="34" charset="0"/>
+              </a:rPr>
+              <a:t>.</a:t>
+            </a:r>
+          </a:p>
+          <a:p>
+            <a:r>
+              <a:rPr lang="ko-KR" altLang="en-US" b="0" i="0" dirty="0" err="1">
+                <a:solidFill>
+                  <a:srgbClr val="656565"/>
+                </a:solidFill>
+                <a:effectLst/>
+                <a:latin typeface="Arial" panose="020B0604020202020204" pitchFamily="34" charset="0"/>
+              </a:rPr>
+              <a:t>그다음에</a:t>
+            </a:r>
+            <a:r>
+              <a:rPr lang="ko-KR" altLang="en-US" b="0" i="0" dirty="0">
+                <a:solidFill>
+                  <a:srgbClr val="656565"/>
+                </a:solidFill>
+                <a:effectLst/>
+                <a:latin typeface="Arial" panose="020B0604020202020204" pitchFamily="34" charset="0"/>
+              </a:rPr>
+              <a:t> </a:t>
+            </a:r>
+            <a:r>
+              <a:rPr lang="en" altLang="ko-Kore-KR" b="0" i="0" dirty="0" err="1">
+                <a:solidFill>
+                  <a:srgbClr val="656565"/>
+                </a:solidFill>
+                <a:effectLst/>
+                <a:latin typeface="N_Code"/>
+              </a:rPr>
+              <a:t>x.slash</a:t>
+            </a:r>
+            <a:r>
+              <a:rPr lang="en" altLang="ko-Kore-KR" b="0" i="0" dirty="0">
+                <a:solidFill>
+                  <a:srgbClr val="656565"/>
+                </a:solidFill>
+                <a:effectLst/>
+                <a:latin typeface="N_Code"/>
+              </a:rPr>
+              <a:t>()</a:t>
+            </a:r>
+            <a:r>
+              <a:rPr lang="ko-KR" altLang="en-US" b="0" i="0" dirty="0">
+                <a:solidFill>
+                  <a:srgbClr val="656565"/>
+                </a:solidFill>
+                <a:effectLst/>
+                <a:latin typeface="Arial" panose="020B0604020202020204" pitchFamily="34" charset="0"/>
+              </a:rPr>
+              <a:t>와 같이 인스턴스로 메서드를 호출하고 있으므로 </a:t>
+            </a:r>
+            <a:r>
+              <a:rPr lang="en" altLang="ko-Kore-KR" b="0" i="0" dirty="0">
+                <a:solidFill>
+                  <a:srgbClr val="656565"/>
+                </a:solidFill>
+                <a:effectLst/>
+                <a:latin typeface="N_Code"/>
+              </a:rPr>
+              <a:t>Knight</a:t>
+            </a:r>
+            <a:r>
+              <a:rPr lang="en" altLang="ko-Kore-KR" b="0" i="0" dirty="0">
+                <a:solidFill>
+                  <a:srgbClr val="656565"/>
+                </a:solidFill>
+                <a:effectLst/>
+                <a:latin typeface="Arial" panose="020B0604020202020204" pitchFamily="34" charset="0"/>
+              </a:rPr>
+              <a:t> </a:t>
+            </a:r>
+            <a:r>
+              <a:rPr lang="ko-KR" altLang="en-US" b="0" i="0" dirty="0">
+                <a:solidFill>
+                  <a:srgbClr val="656565"/>
+                </a:solidFill>
+                <a:effectLst/>
+                <a:latin typeface="Arial" panose="020B0604020202020204" pitchFamily="34" charset="0"/>
+              </a:rPr>
+              <a:t>클래스 안에 </a:t>
+            </a:r>
+            <a:r>
+              <a:rPr lang="en" altLang="ko-Kore-KR" b="0" i="0" dirty="0">
+                <a:solidFill>
+                  <a:srgbClr val="656565"/>
+                </a:solidFill>
+                <a:effectLst/>
+                <a:latin typeface="N_Code"/>
+              </a:rPr>
+              <a:t>slash</a:t>
+            </a:r>
+            <a:r>
+              <a:rPr lang="en" altLang="ko-Kore-KR" b="0" i="0" dirty="0">
+                <a:solidFill>
+                  <a:srgbClr val="656565"/>
+                </a:solidFill>
+                <a:effectLst/>
+                <a:latin typeface="Arial" panose="020B0604020202020204" pitchFamily="34" charset="0"/>
+              </a:rPr>
+              <a:t> </a:t>
+            </a:r>
+            <a:r>
+              <a:rPr lang="ko-KR" altLang="en-US" b="0" i="0" dirty="0">
+                <a:solidFill>
+                  <a:srgbClr val="656565"/>
+                </a:solidFill>
+                <a:effectLst/>
+                <a:latin typeface="Arial" panose="020B0604020202020204" pitchFamily="34" charset="0"/>
+              </a:rPr>
+              <a:t>메서드를 만들고 </a:t>
+            </a:r>
+            <a:r>
+              <a:rPr lang="en" altLang="ko-Kore-KR" b="0" i="0" dirty="0">
+                <a:solidFill>
+                  <a:srgbClr val="656565"/>
+                </a:solidFill>
+                <a:effectLst/>
+                <a:latin typeface="N_Code"/>
+              </a:rPr>
+              <a:t>print</a:t>
+            </a:r>
+            <a:r>
+              <a:rPr lang="ko-KR" altLang="en-US" b="0" i="0" dirty="0">
+                <a:solidFill>
+                  <a:srgbClr val="656565"/>
+                </a:solidFill>
+                <a:effectLst/>
+                <a:latin typeface="Arial" panose="020B0604020202020204" pitchFamily="34" charset="0"/>
+              </a:rPr>
+              <a:t>로 </a:t>
+            </a:r>
+            <a:r>
+              <a:rPr lang="en-US" altLang="ko-KR" b="0" i="0" dirty="0">
+                <a:solidFill>
+                  <a:srgbClr val="656565"/>
+                </a:solidFill>
+                <a:effectLst/>
+                <a:latin typeface="N_Code"/>
+              </a:rPr>
+              <a:t>'</a:t>
+            </a:r>
+            <a:r>
+              <a:rPr lang="ko-KR" altLang="en-US" b="0" i="0" dirty="0">
+                <a:solidFill>
+                  <a:srgbClr val="656565"/>
+                </a:solidFill>
+                <a:effectLst/>
+                <a:latin typeface="N_Code"/>
+              </a:rPr>
+              <a:t>베기</a:t>
+            </a:r>
+            <a:r>
+              <a:rPr lang="en-US" altLang="ko-KR" b="0" i="0" dirty="0">
+                <a:solidFill>
+                  <a:srgbClr val="656565"/>
+                </a:solidFill>
+                <a:effectLst/>
+                <a:latin typeface="N_Code"/>
+              </a:rPr>
+              <a:t>'</a:t>
+            </a:r>
+            <a:r>
+              <a:rPr lang="ko-KR" altLang="en-US" b="0" i="0" dirty="0" err="1">
+                <a:solidFill>
+                  <a:srgbClr val="656565"/>
+                </a:solidFill>
+                <a:effectLst/>
+                <a:latin typeface="Arial" panose="020B0604020202020204" pitchFamily="34" charset="0"/>
+              </a:rPr>
+              <a:t>를</a:t>
+            </a:r>
+            <a:r>
+              <a:rPr lang="ko-KR" altLang="en-US" b="0" i="0" dirty="0">
+                <a:solidFill>
+                  <a:srgbClr val="656565"/>
+                </a:solidFill>
+                <a:effectLst/>
+                <a:latin typeface="Arial" panose="020B0604020202020204" pitchFamily="34" charset="0"/>
+              </a:rPr>
+              <a:t> 출력하도록 만들면 됩니다</a:t>
+            </a:r>
+            <a:r>
+              <a:rPr lang="en-US" altLang="ko-KR" b="0" i="0" dirty="0">
+                <a:solidFill>
+                  <a:srgbClr val="656565"/>
+                </a:solidFill>
+                <a:effectLst/>
+                <a:latin typeface="Arial" panose="020B0604020202020204" pitchFamily="34" charset="0"/>
+              </a:rPr>
+              <a:t>.</a:t>
+            </a:r>
+          </a:p>
+        </p:txBody>
+      </p:sp>
     </p:spTree>
     <p:extLst>
       <p:ext uri="{BB962C8B-B14F-4D97-AF65-F5344CB8AC3E}">
-        <p14:creationId xmlns:p14="http://schemas.microsoft.com/office/powerpoint/2010/main" val="7267143"/>
+        <p14:creationId xmlns:p14="http://schemas.microsoft.com/office/powerpoint/2010/main" val="3861670040"/>
+      </p:ext>
+    </p:extLst>
+  </p:cSld>
+  <p:clrMapOvr>
+    <a:masterClrMapping/>
+  </p:clrMapOvr>
+</p:sld>
+</file>
+
+<file path=ppt/slides/slide5.xml><?xml version="1.0" encoding="utf-8"?>
+<p:sld xmlns:a="http://schemas.openxmlformats.org/drawingml/2006/main" xmlns:r="http://schemas.openxmlformats.org/officeDocument/2006/relationships" xmlns:p="http://schemas.openxmlformats.org/presentationml/2006/main">
+  <p:cSld>
+    <p:spTree>
+      <p:nvGrpSpPr>
+        <p:cNvPr id="1" name=""/>
+        <p:cNvGrpSpPr/>
+        <p:nvPr/>
+      </p:nvGrpSpPr>
+      <p:grpSpPr>
+        <a:xfrm>
+          <a:off x="0" y="0"/>
+          <a:ext cx="0" cy="0"/>
+          <a:chOff x="0" y="0"/>
+          <a:chExt cx="0" cy="0"/>
+        </a:xfrm>
+      </p:grpSpPr>
+    </p:spTree>
+    <p:extLst>
+      <p:ext uri="{BB962C8B-B14F-4D97-AF65-F5344CB8AC3E}">
+        <p14:creationId xmlns:p14="http://schemas.microsoft.com/office/powerpoint/2010/main" val="3914828378"/>
       </p:ext>
     </p:extLst>
   </p:cSld>
@@ -4047,4 +5995,299 @@
     </a:ext>
   </a:extLst>
 </a:theme>
+</file>
+
+<file path=ppt/theme/theme2.xml><?xml version="1.0" encoding="utf-8"?>
+<a:theme xmlns:a="http://schemas.openxmlformats.org/drawingml/2006/main" name="Office 테마">
+  <a:themeElements>
+    <a:clrScheme name="Office">
+      <a:dk1>
+        <a:sysClr val="windowText" lastClr="000000"/>
+      </a:dk1>
+      <a:lt1>
+        <a:sysClr val="window" lastClr="FFFFFF"/>
+      </a:lt1>
+      <a:dk2>
+        <a:srgbClr val="44546A"/>
+      </a:dk2>
+      <a:lt2>
+        <a:srgbClr val="E7E6E6"/>
+      </a:lt2>
+      <a:accent1>
+        <a:srgbClr val="4472C4"/>
+      </a:accent1>
+      <a:accent2>
+        <a:srgbClr val="ED7D31"/>
+      </a:accent2>
+      <a:accent3>
+        <a:srgbClr val="A5A5A5"/>
+      </a:accent3>
+      <a:accent4>
+        <a:srgbClr val="FFC000"/>
+      </a:accent4>
+      <a:accent5>
+        <a:srgbClr val="5B9BD5"/>
+      </a:accent5>
+      <a:accent6>
+        <a:srgbClr val="70AD47"/>
+      </a:accent6>
+      <a:hlink>
+        <a:srgbClr val="0563C1"/>
+      </a:hlink>
+      <a:folHlink>
+        <a:srgbClr val="954F72"/>
+      </a:folHlink>
+    </a:clrScheme>
+    <a:fontScheme name="Office">
+      <a:majorFont>
+        <a:latin typeface="Calibri Light" panose="020F0302020204030204"/>
+        <a:ea typeface=""/>
+        <a:cs typeface=""/>
+        <a:font script="Jpan" typeface="游ゴシック Light"/>
+        <a:font script="Hang" typeface="맑은 고딕"/>
+        <a:font script="Hans" typeface="等线 Light"/>
+        <a:font script="Hant" typeface="新細明體"/>
+        <a:font script="Arab" typeface="Times New Roman"/>
+        <a:font script="Hebr" typeface="Times New Roman"/>
+        <a:font script="Thai" typeface="Angsana New"/>
+        <a:font script="Ethi" typeface="Nyala"/>
+        <a:font script="Beng" typeface="Vrinda"/>
+        <a:font script="Gujr" typeface="Shruti"/>
+        <a:font script="Khmr" typeface="MoolBoran"/>
+        <a:font script="Knda" typeface="Tunga"/>
+        <a:font script="Guru" typeface="Raavi"/>
+        <a:font script="Cans" typeface="Euphemia"/>
+        <a:font script="Cher" typeface="Plantagenet Cherokee"/>
+        <a:font script="Yiii" typeface="Microsoft Yi Baiti"/>
+        <a:font script="Tibt" typeface="Microsoft Himalaya"/>
+        <a:font script="Thaa" typeface="MV Boli"/>
+        <a:font script="Deva" typeface="Mangal"/>
+        <a:font script="Telu" typeface="Gautami"/>
+        <a:font script="Taml" typeface="Latha"/>
+        <a:font script="Syrc" typeface="Estrangelo Edessa"/>
+        <a:font script="Orya" typeface="Kalinga"/>
+        <a:font script="Mlym" typeface="Kartika"/>
+        <a:font script="Laoo" typeface="DokChampa"/>
+        <a:font script="Sinh" typeface="Iskoola Pota"/>
+        <a:font script="Mong" typeface="Mongolian Baiti"/>
+        <a:font script="Viet" typeface="Times New Roman"/>
+        <a:font script="Uigh" typeface="Microsoft Uighur"/>
+        <a:font script="Geor" typeface="Sylfaen"/>
+        <a:font script="Armn" typeface="Arial"/>
+        <a:font script="Bugi" typeface="Leelawadee UI"/>
+        <a:font script="Bopo" typeface="Microsoft JhengHei"/>
+        <a:font script="Java" typeface="Javanese Text"/>
+        <a:font script="Lisu" typeface="Segoe UI"/>
+        <a:font script="Mymr" typeface="Myanmar Text"/>
+        <a:font script="Nkoo" typeface="Ebrima"/>
+        <a:font script="Olck" typeface="Nirmala UI"/>
+        <a:font script="Osma" typeface="Ebrima"/>
+        <a:font script="Phag" typeface="Phagspa"/>
+        <a:font script="Syrn" typeface="Estrangelo Edessa"/>
+        <a:font script="Syrj" typeface="Estrangelo Edessa"/>
+        <a:font script="Syre" typeface="Estrangelo Edessa"/>
+        <a:font script="Sora" typeface="Nirmala UI"/>
+        <a:font script="Tale" typeface="Microsoft Tai Le"/>
+        <a:font script="Talu" typeface="Microsoft New Tai Lue"/>
+        <a:font script="Tfng" typeface="Ebrima"/>
+      </a:majorFont>
+      <a:minorFont>
+        <a:latin typeface="Calibri" panose="020F0502020204030204"/>
+        <a:ea typeface=""/>
+        <a:cs typeface=""/>
+        <a:font script="Jpan" typeface="游ゴシック"/>
+        <a:font script="Hang" typeface="맑은 고딕"/>
+        <a:font script="Hans" typeface="等线"/>
+        <a:font script="Hant" typeface="新細明體"/>
+        <a:font script="Arab" typeface="Arial"/>
+        <a:font script="Hebr" typeface="Arial"/>
+        <a:font script="Thai" typeface="Cordia New"/>
+        <a:font script="Ethi" typeface="Nyala"/>
+        <a:font script="Beng" typeface="Vrinda"/>
+        <a:font script="Gujr" typeface="Shruti"/>
+        <a:font script="Khmr" typeface="DaunPenh"/>
+        <a:font script="Knda" typeface="Tunga"/>
+        <a:font script="Guru" typeface="Raavi"/>
+        <a:font script="Cans" typeface="Euphemia"/>
+        <a:font script="Cher" typeface="Plantagenet Cherokee"/>
+        <a:font script="Yiii" typeface="Microsoft Yi Baiti"/>
+        <a:font script="Tibt" typeface="Microsoft Himalaya"/>
+        <a:font script="Thaa" typeface="MV Boli"/>
+        <a:font script="Deva" typeface="Mangal"/>
+        <a:font script="Telu" typeface="Gautami"/>
+        <a:font script="Taml" typeface="Latha"/>
+        <a:font script="Syrc" typeface="Estrangelo Edessa"/>
+        <a:font script="Orya" typeface="Kalinga"/>
+        <a:font script="Mlym" typeface="Kartika"/>
+        <a:font script="Laoo" typeface="DokChampa"/>
+        <a:font script="Sinh" typeface="Iskoola Pota"/>
+        <a:font script="Mong" typeface="Mongolian Baiti"/>
+        <a:font script="Viet" typeface="Arial"/>
+        <a:font script="Uigh" typeface="Microsoft Uighur"/>
+        <a:font script="Geor" typeface="Sylfaen"/>
+        <a:font script="Armn" typeface="Arial"/>
+        <a:font script="Bugi" typeface="Leelawadee UI"/>
+        <a:font script="Bopo" typeface="Microsoft JhengHei"/>
+        <a:font script="Java" typeface="Javanese Text"/>
+        <a:font script="Lisu" typeface="Segoe UI"/>
+        <a:font script="Mymr" typeface="Myanmar Text"/>
+        <a:font script="Nkoo" typeface="Ebrima"/>
+        <a:font script="Olck" typeface="Nirmala UI"/>
+        <a:font script="Osma" typeface="Ebrima"/>
+        <a:font script="Phag" typeface="Phagspa"/>
+        <a:font script="Syrn" typeface="Estrangelo Edessa"/>
+        <a:font script="Syrj" typeface="Estrangelo Edessa"/>
+        <a:font script="Syre" typeface="Estrangelo Edessa"/>
+        <a:font script="Sora" typeface="Nirmala UI"/>
+        <a:font script="Tale" typeface="Microsoft Tai Le"/>
+        <a:font script="Talu" typeface="Microsoft New Tai Lue"/>
+        <a:font script="Tfng" typeface="Ebrima"/>
+      </a:minorFont>
+    </a:fontScheme>
+    <a:fmtScheme name="Office">
+      <a:fillStyleLst>
+        <a:solidFill>
+          <a:schemeClr val="phClr"/>
+        </a:solidFill>
+        <a:gradFill rotWithShape="1">
+          <a:gsLst>
+            <a:gs pos="0">
+              <a:schemeClr val="phClr">
+                <a:lumMod val="110000"/>
+                <a:satMod val="105000"/>
+                <a:tint val="67000"/>
+              </a:schemeClr>
+            </a:gs>
+            <a:gs pos="50000">
+              <a:schemeClr val="phClr">
+                <a:lumMod val="105000"/>
+                <a:satMod val="103000"/>
+                <a:tint val="73000"/>
+              </a:schemeClr>
+            </a:gs>
+            <a:gs pos="100000">
+              <a:schemeClr val="phClr">
+                <a:lumMod val="105000"/>
+                <a:satMod val="109000"/>
+                <a:tint val="81000"/>
+              </a:schemeClr>
+            </a:gs>
+          </a:gsLst>
+          <a:lin ang="5400000" scaled="0"/>
+        </a:gradFill>
+        <a:gradFill rotWithShape="1">
+          <a:gsLst>
+            <a:gs pos="0">
+              <a:schemeClr val="phClr">
+                <a:satMod val="103000"/>
+                <a:lumMod val="102000"/>
+                <a:tint val="94000"/>
+              </a:schemeClr>
+            </a:gs>
+            <a:gs pos="50000">
+              <a:schemeClr val="phClr">
+                <a:satMod val="110000"/>
+                <a:lumMod val="100000"/>
+                <a:shade val="100000"/>
+              </a:schemeClr>
+            </a:gs>
+            <a:gs pos="100000">
+              <a:schemeClr val="phClr">
+                <a:lumMod val="99000"/>
+                <a:satMod val="120000"/>
+                <a:shade val="78000"/>
+              </a:schemeClr>
+            </a:gs>
+          </a:gsLst>
+          <a:lin ang="5400000" scaled="0"/>
+        </a:gradFill>
+      </a:fillStyleLst>
+      <a:lnStyleLst>
+        <a:ln w="6350" cap="flat" cmpd="sng" algn="ctr">
+          <a:solidFill>
+            <a:schemeClr val="phClr"/>
+          </a:solidFill>
+          <a:prstDash val="solid"/>
+          <a:miter lim="800000"/>
+        </a:ln>
+        <a:ln w="12700" cap="flat" cmpd="sng" algn="ctr">
+          <a:solidFill>
+            <a:schemeClr val="phClr"/>
+          </a:solidFill>
+          <a:prstDash val="solid"/>
+          <a:miter lim="800000"/>
+        </a:ln>
+        <a:ln w="19050" cap="flat" cmpd="sng" algn="ctr">
+          <a:solidFill>
+            <a:schemeClr val="phClr"/>
+          </a:solidFill>
+          <a:prstDash val="solid"/>
+          <a:miter lim="800000"/>
+        </a:ln>
+      </a:lnStyleLst>
+      <a:effectStyleLst>
+        <a:effectStyle>
+          <a:effectLst/>
+        </a:effectStyle>
+        <a:effectStyle>
+          <a:effectLst/>
+        </a:effectStyle>
+        <a:effectStyle>
+          <a:effectLst>
+            <a:outerShdw blurRad="57150" dist="19050" dir="5400000" algn="ctr" rotWithShape="0">
+              <a:srgbClr val="000000">
+                <a:alpha val="63000"/>
+              </a:srgbClr>
+            </a:outerShdw>
+          </a:effectLst>
+        </a:effectStyle>
+      </a:effectStyleLst>
+      <a:bgFillStyleLst>
+        <a:solidFill>
+          <a:schemeClr val="phClr"/>
+        </a:solidFill>
+        <a:solidFill>
+          <a:schemeClr val="phClr">
+            <a:tint val="95000"/>
+            <a:satMod val="170000"/>
+          </a:schemeClr>
+        </a:solidFill>
+        <a:gradFill rotWithShape="1">
+          <a:gsLst>
+            <a:gs pos="0">
+              <a:schemeClr val="phClr">
+                <a:tint val="93000"/>
+                <a:satMod val="150000"/>
+                <a:shade val="98000"/>
+                <a:lumMod val="102000"/>
+              </a:schemeClr>
+            </a:gs>
+            <a:gs pos="50000">
+              <a:schemeClr val="phClr">
+                <a:tint val="98000"/>
+                <a:satMod val="130000"/>
+                <a:shade val="90000"/>
+                <a:lumMod val="103000"/>
+              </a:schemeClr>
+            </a:gs>
+            <a:gs pos="100000">
+              <a:schemeClr val="phClr">
+                <a:shade val="63000"/>
+                <a:satMod val="120000"/>
+              </a:schemeClr>
+            </a:gs>
+          </a:gsLst>
+          <a:lin ang="5400000" scaled="0"/>
+        </a:gradFill>
+      </a:bgFillStyleLst>
+    </a:fmtScheme>
+  </a:themeElements>
+  <a:objectDefaults/>
+  <a:extraClrSchemeLst/>
+  <a:extLst>
+    <a:ext uri="{05A4C25C-085E-4340-85A3-A5531E510DB2}">
+      <thm15:themeFamily xmlns:thm15="http://schemas.microsoft.com/office/thememl/2012/main" name="Office Theme" id="{62F939B6-93AF-4DB8-9C6B-D6C7DFDC589F}" vid="{4A3C46E8-61CC-4603-A589-7422A47A8E4A}"/>
+    </a:ext>
+  </a:extLst>
+</a:theme>
 </file>
--- a/Quiz.pptx
+++ b/Quiz.pptx
@@ -4272,87 +4272,36 @@
           </a:p>
         </p:txBody>
       </p:sp>
-      <p:grpSp>
-        <p:nvGrpSpPr>
-          <p:cNvPr id="12" name="그룹 11">
-            <a:extLst>
-              <a:ext uri="{FF2B5EF4-FFF2-40B4-BE49-F238E27FC236}">
-                <a16:creationId xmlns:a16="http://schemas.microsoft.com/office/drawing/2014/main" id="{66E472AC-943D-828F-5936-4FC821BAECFB}"/>
-              </a:ext>
-            </a:extLst>
-          </p:cNvPr>
-          <p:cNvGrpSpPr/>
+      <p:pic>
+        <p:nvPicPr>
+          <p:cNvPr id="18" name="그림 17" descr="텍스트이(가) 표시된 사진&#10;&#10;자동 생성된 설명">
+            <a:extLst>
+              <a:ext uri="{FF2B5EF4-FFF2-40B4-BE49-F238E27FC236}">
+                <a16:creationId xmlns:a16="http://schemas.microsoft.com/office/drawing/2014/main" id="{B1A94422-A94C-BDE2-2583-73993A807EC9}"/>
+              </a:ext>
+            </a:extLst>
+          </p:cNvPr>
+          <p:cNvPicPr>
+            <a:picLocks noChangeAspect="1"/>
+          </p:cNvPicPr>
           <p:nvPr/>
-        </p:nvGrpSpPr>
-        <p:grpSpPr>
+        </p:nvPicPr>
+        <p:blipFill>
+          <a:blip r:embed="rId2"/>
+          <a:stretch>
+            <a:fillRect/>
+          </a:stretch>
+        </p:blipFill>
+        <p:spPr>
           <a:xfrm>
-            <a:off x="4084003" y="1654969"/>
-            <a:ext cx="5969000" cy="4876800"/>
-            <a:chOff x="4147065" y="2177311"/>
-            <a:chExt cx="5969000" cy="4876800"/>
+            <a:off x="2279119" y="2323071"/>
+            <a:ext cx="7633762" cy="4123500"/>
           </a:xfrm>
-        </p:grpSpPr>
-        <p:pic>
-          <p:nvPicPr>
-            <p:cNvPr id="9" name="그림 8" descr="텍스트이(가) 표시된 사진&#10;&#10;자동 생성된 설명">
-              <a:extLst>
-                <a:ext uri="{FF2B5EF4-FFF2-40B4-BE49-F238E27FC236}">
-                  <a16:creationId xmlns:a16="http://schemas.microsoft.com/office/drawing/2014/main" id="{1CA6FC5D-8B68-C507-638C-F21FAEC347D7}"/>
-                </a:ext>
-              </a:extLst>
-            </p:cNvPr>
-            <p:cNvPicPr>
-              <a:picLocks noChangeAspect="1"/>
-            </p:cNvPicPr>
-            <p:nvPr/>
-          </p:nvPicPr>
-          <p:blipFill>
-            <a:blip r:embed="rId2"/>
-            <a:stretch>
-              <a:fillRect/>
-            </a:stretch>
-          </p:blipFill>
-          <p:spPr>
-            <a:xfrm>
-              <a:off x="4147065" y="2177311"/>
-              <a:ext cx="5969000" cy="4876800"/>
-            </a:xfrm>
-            <a:prstGeom prst="rect">
-              <a:avLst/>
-            </a:prstGeom>
-          </p:spPr>
-        </p:pic>
-        <p:pic>
-          <p:nvPicPr>
-            <p:cNvPr id="11" name="그림 10">
-              <a:extLst>
-                <a:ext uri="{FF2B5EF4-FFF2-40B4-BE49-F238E27FC236}">
-                  <a16:creationId xmlns:a16="http://schemas.microsoft.com/office/drawing/2014/main" id="{CCD3C2B8-E647-6C31-993C-440BE6133FD2}"/>
-                </a:ext>
-              </a:extLst>
-            </p:cNvPr>
-            <p:cNvPicPr>
-              <a:picLocks noChangeAspect="1"/>
-            </p:cNvPicPr>
-            <p:nvPr/>
-          </p:nvPicPr>
-          <p:blipFill>
-            <a:blip r:embed="rId3"/>
-            <a:stretch>
-              <a:fillRect/>
-            </a:stretch>
-          </p:blipFill>
-          <p:spPr>
-            <a:xfrm>
-              <a:off x="5237745" y="2528997"/>
-              <a:ext cx="4412882" cy="2092430"/>
-            </a:xfrm>
-            <a:prstGeom prst="rect">
-              <a:avLst/>
-            </a:prstGeom>
-          </p:spPr>
-        </p:pic>
-      </p:grpSp>
+          <a:prstGeom prst="rect">
+            <a:avLst/>
+          </a:prstGeom>
+        </p:spPr>
+      </p:pic>
     </p:spTree>
     <p:extLst>
       <p:ext uri="{BB962C8B-B14F-4D97-AF65-F5344CB8AC3E}">

--- a/Quiz.pptx
+++ b/Quiz.pptx
@@ -5,14 +5,20 @@
     <p:sldMasterId id="2147483648" r:id="rId1"/>
   </p:sldMasterIdLst>
   <p:notesMasterIdLst>
-    <p:notesMasterId r:id="rId7"/>
+    <p:notesMasterId r:id="rId13"/>
   </p:notesMasterIdLst>
   <p:sldIdLst>
     <p:sldId id="256" r:id="rId2"/>
-    <p:sldId id="257" r:id="rId3"/>
-    <p:sldId id="260" r:id="rId4"/>
-    <p:sldId id="258" r:id="rId5"/>
-    <p:sldId id="259" r:id="rId6"/>
+    <p:sldId id="266" r:id="rId3"/>
+    <p:sldId id="262" r:id="rId4"/>
+    <p:sldId id="267" r:id="rId5"/>
+    <p:sldId id="263" r:id="rId6"/>
+    <p:sldId id="265" r:id="rId7"/>
+    <p:sldId id="257" r:id="rId8"/>
+    <p:sldId id="260" r:id="rId9"/>
+    <p:sldId id="261" r:id="rId10"/>
+    <p:sldId id="258" r:id="rId11"/>
+    <p:sldId id="259" r:id="rId12"/>
   </p:sldIdLst>
   <p:sldSz cx="12192000" cy="6858000"/>
   <p:notesSz cx="6858000" cy="9144000"/>
@@ -111,6 +117,11 @@
       </a:defRPr>
     </a:lvl9pPr>
   </p:defaultTextStyle>
+  <p:extLst>
+    <p:ext uri="{EFAFB233-063F-42B5-8137-9DF3F51BA10A}">
+      <p15:sldGuideLst xmlns:p15="http://schemas.microsoft.com/office/powerpoint/2012/main"/>
+    </p:ext>
+  </p:extLst>
 </p:presentation>
 </file>
 
@@ -529,7 +540,7 @@
           <a:p>
             <a:fld id="{1E1DF567-B506-DC49-93DF-6148BF5B5D6A}" type="slidenum">
               <a:rPr kumimoji="1" lang="ko-Kore-KR" altLang="en-US" smtClean="0"/>
-              <a:t>3</a:t>
+              <a:t>7</a:t>
             </a:fld>
             <a:endParaRPr kumimoji="1" lang="ko-Kore-KR" altLang="en-US"/>
           </a:p>
@@ -538,7 +549,7 @@
     </p:spTree>
     <p:extLst>
       <p:ext uri="{BB962C8B-B14F-4D97-AF65-F5344CB8AC3E}">
-        <p14:creationId xmlns:p14="http://schemas.microsoft.com/office/powerpoint/2010/main" val="31207420"/>
+        <p14:creationId xmlns:p14="http://schemas.microsoft.com/office/powerpoint/2010/main" val="3042214882"/>
       </p:ext>
     </p:extLst>
   </p:cSld>
@@ -613,7 +624,91 @@
           <a:p>
             <a:fld id="{1E1DF567-B506-DC49-93DF-6148BF5B5D6A}" type="slidenum">
               <a:rPr kumimoji="1" lang="ko-Kore-KR" altLang="en-US" smtClean="0"/>
-              <a:t>4</a:t>
+              <a:t>8</a:t>
+            </a:fld>
+            <a:endParaRPr kumimoji="1" lang="ko-Kore-KR" altLang="en-US"/>
+          </a:p>
+        </p:txBody>
+      </p:sp>
+    </p:spTree>
+    <p:extLst>
+      <p:ext uri="{BB962C8B-B14F-4D97-AF65-F5344CB8AC3E}">
+        <p14:creationId xmlns:p14="http://schemas.microsoft.com/office/powerpoint/2010/main" val="31207420"/>
+      </p:ext>
+    </p:extLst>
+  </p:cSld>
+  <p:clrMapOvr>
+    <a:masterClrMapping/>
+  </p:clrMapOvr>
+</p:notes>
+</file>
+
+<file path=ppt/notesSlides/notesSlide3.xml><?xml version="1.0" encoding="utf-8"?>
+<p:notes xmlns:a="http://schemas.openxmlformats.org/drawingml/2006/main" xmlns:r="http://schemas.openxmlformats.org/officeDocument/2006/relationships" xmlns:p="http://schemas.openxmlformats.org/presentationml/2006/main">
+  <p:cSld>
+    <p:spTree>
+      <p:nvGrpSpPr>
+        <p:cNvPr id="1" name=""/>
+        <p:cNvGrpSpPr/>
+        <p:nvPr/>
+      </p:nvGrpSpPr>
+      <p:grpSpPr>
+        <a:xfrm>
+          <a:off x="0" y="0"/>
+          <a:ext cx="0" cy="0"/>
+          <a:chOff x="0" y="0"/>
+          <a:chExt cx="0" cy="0"/>
+        </a:xfrm>
+      </p:grpSpPr>
+      <p:sp>
+        <p:nvSpPr>
+          <p:cNvPr id="2" name="슬라이드 이미지 개체 틀 1"/>
+          <p:cNvSpPr>
+            <a:spLocks noGrp="1" noRot="1" noChangeAspect="1"/>
+          </p:cNvSpPr>
+          <p:nvPr>
+            <p:ph type="sldImg"/>
+          </p:nvPr>
+        </p:nvSpPr>
+        <p:spPr/>
+      </p:sp>
+      <p:sp>
+        <p:nvSpPr>
+          <p:cNvPr id="3" name="슬라이드 노트 개체 틀 2"/>
+          <p:cNvSpPr>
+            <a:spLocks noGrp="1"/>
+          </p:cNvSpPr>
+          <p:nvPr>
+            <p:ph type="body" idx="1"/>
+          </p:nvPr>
+        </p:nvSpPr>
+        <p:spPr/>
+        <p:txBody>
+          <a:bodyPr/>
+          <a:lstStyle/>
+          <a:p>
+            <a:endParaRPr kumimoji="1" lang="ko-Kore-KR" altLang="en-US" dirty="0"/>
+          </a:p>
+        </p:txBody>
+      </p:sp>
+      <p:sp>
+        <p:nvSpPr>
+          <p:cNvPr id="4" name="슬라이드 번호 개체 틀 3"/>
+          <p:cNvSpPr>
+            <a:spLocks noGrp="1"/>
+          </p:cNvSpPr>
+          <p:nvPr>
+            <p:ph type="sldNum" sz="quarter" idx="5"/>
+          </p:nvPr>
+        </p:nvSpPr>
+        <p:spPr/>
+        <p:txBody>
+          <a:bodyPr/>
+          <a:lstStyle/>
+          <a:p>
+            <a:fld id="{1E1DF567-B506-DC49-93DF-6148BF5B5D6A}" type="slidenum">
+              <a:rPr kumimoji="1" lang="ko-Kore-KR" altLang="en-US" smtClean="0"/>
+              <a:t>10</a:t>
             </a:fld>
             <a:endParaRPr kumimoji="1" lang="ko-Kore-KR" altLang="en-US"/>
           </a:p>
@@ -3934,7 +4029,3095 @@
 </p:sld>
 </file>
 
+<file path=ppt/slides/slide10.xml><?xml version="1.0" encoding="utf-8"?>
+<p:sld xmlns:a="http://schemas.openxmlformats.org/drawingml/2006/main" xmlns:r="http://schemas.openxmlformats.org/officeDocument/2006/relationships" xmlns:p="http://schemas.openxmlformats.org/presentationml/2006/main">
+  <p:cSld>
+    <p:spTree>
+      <p:nvGrpSpPr>
+        <p:cNvPr id="1" name=""/>
+        <p:cNvGrpSpPr/>
+        <p:nvPr/>
+      </p:nvGrpSpPr>
+      <p:grpSpPr>
+        <a:xfrm>
+          <a:off x="0" y="0"/>
+          <a:ext cx="0" cy="0"/>
+          <a:chOff x="0" y="0"/>
+          <a:chExt cx="0" cy="0"/>
+        </a:xfrm>
+      </p:grpSpPr>
+      <p:sp>
+        <p:nvSpPr>
+          <p:cNvPr id="6" name="직사각형 5">
+            <a:extLst>
+              <a:ext uri="{FF2B5EF4-FFF2-40B4-BE49-F238E27FC236}">
+                <a16:creationId xmlns:a16="http://schemas.microsoft.com/office/drawing/2014/main" id="{3E920C7E-3FE8-8C8F-AE61-383DABB5A549}"/>
+              </a:ext>
+            </a:extLst>
+          </p:cNvPr>
+          <p:cNvSpPr/>
+          <p:nvPr/>
+        </p:nvSpPr>
+        <p:spPr>
+          <a:xfrm>
+            <a:off x="1828799" y="2340949"/>
+            <a:ext cx="7840717" cy="2585323"/>
+          </a:xfrm>
+          <a:prstGeom prst="rect">
+            <a:avLst/>
+          </a:prstGeom>
+        </p:spPr>
+        <p:txBody>
+          <a:bodyPr wrap="square">
+            <a:spAutoFit/>
+          </a:bodyPr>
+          <a:lstStyle/>
+          <a:p>
+            <a:r>
+              <a:rPr lang="en" altLang="ko-Kore-KR" b="0" i="0" dirty="0">
+                <a:solidFill>
+                  <a:srgbClr val="656565"/>
+                </a:solidFill>
+                <a:effectLst/>
+                <a:latin typeface="N_Code"/>
+              </a:rPr>
+              <a:t>x = Knight(health=542.4, mana=210.3, armor=38)</a:t>
+            </a:r>
+            <a:r>
+              <a:rPr lang="ko-KR" altLang="en-US" b="0" i="0" dirty="0">
+                <a:solidFill>
+                  <a:srgbClr val="656565"/>
+                </a:solidFill>
+                <a:effectLst/>
+                <a:latin typeface="Arial" panose="020B0604020202020204" pitchFamily="34" charset="0"/>
+              </a:rPr>
+              <a:t>와 같이 클래스에 값을 넣어서 인스턴스를 생성하고</a:t>
+            </a:r>
+            <a:r>
+              <a:rPr lang="en-US" altLang="ko-KR" b="0" i="0" dirty="0">
+                <a:solidFill>
+                  <a:srgbClr val="656565"/>
+                </a:solidFill>
+                <a:effectLst/>
+                <a:latin typeface="Arial" panose="020B0604020202020204" pitchFamily="34" charset="0"/>
+              </a:rPr>
+              <a:t>, </a:t>
+            </a:r>
+            <a:r>
+              <a:rPr lang="en" altLang="ko-Kore-KR" b="0" i="0" dirty="0">
+                <a:solidFill>
+                  <a:srgbClr val="656565"/>
+                </a:solidFill>
+                <a:effectLst/>
+                <a:latin typeface="N_Code"/>
+              </a:rPr>
+              <a:t>print(</a:t>
+            </a:r>
+            <a:r>
+              <a:rPr lang="en" altLang="ko-Kore-KR" b="0" i="0" dirty="0" err="1">
+                <a:solidFill>
+                  <a:srgbClr val="656565"/>
+                </a:solidFill>
+                <a:effectLst/>
+                <a:latin typeface="N_Code"/>
+              </a:rPr>
+              <a:t>x.health</a:t>
+            </a:r>
+            <a:r>
+              <a:rPr lang="en" altLang="ko-Kore-KR" b="0" i="0" dirty="0">
+                <a:solidFill>
+                  <a:srgbClr val="656565"/>
+                </a:solidFill>
+                <a:effectLst/>
+                <a:latin typeface="N_Code"/>
+              </a:rPr>
+              <a:t>, </a:t>
+            </a:r>
+            <a:r>
+              <a:rPr lang="en" altLang="ko-Kore-KR" b="0" i="0" dirty="0" err="1">
+                <a:solidFill>
+                  <a:srgbClr val="656565"/>
+                </a:solidFill>
+                <a:effectLst/>
+                <a:latin typeface="N_Code"/>
+              </a:rPr>
+              <a:t>x.mana</a:t>
+            </a:r>
+            <a:r>
+              <a:rPr lang="en" altLang="ko-Kore-KR" b="0" i="0" dirty="0">
+                <a:solidFill>
+                  <a:srgbClr val="656565"/>
+                </a:solidFill>
+                <a:effectLst/>
+                <a:latin typeface="N_Code"/>
+              </a:rPr>
+              <a:t>, </a:t>
+            </a:r>
+            <a:r>
+              <a:rPr lang="en" altLang="ko-Kore-KR" b="0" i="0" dirty="0" err="1">
+                <a:solidFill>
+                  <a:srgbClr val="656565"/>
+                </a:solidFill>
+                <a:effectLst/>
+                <a:latin typeface="N_Code"/>
+              </a:rPr>
+              <a:t>x.armor</a:t>
+            </a:r>
+            <a:r>
+              <a:rPr lang="en" altLang="ko-Kore-KR" b="0" i="0" dirty="0">
+                <a:solidFill>
+                  <a:srgbClr val="656565"/>
+                </a:solidFill>
+                <a:effectLst/>
+                <a:latin typeface="N_Code"/>
+              </a:rPr>
+              <a:t>)</a:t>
+            </a:r>
+            <a:r>
+              <a:rPr lang="ko-KR" altLang="en-US" b="0" i="0" dirty="0">
+                <a:solidFill>
+                  <a:srgbClr val="656565"/>
+                </a:solidFill>
+                <a:effectLst/>
+                <a:latin typeface="Arial" panose="020B0604020202020204" pitchFamily="34" charset="0"/>
+              </a:rPr>
+              <a:t>와 같이 인스턴스 속성을 출력하고 있습니다</a:t>
+            </a:r>
+            <a:r>
+              <a:rPr lang="en-US" altLang="ko-KR" b="0" i="0" dirty="0">
+                <a:solidFill>
+                  <a:srgbClr val="656565"/>
+                </a:solidFill>
+                <a:effectLst/>
+                <a:latin typeface="Arial" panose="020B0604020202020204" pitchFamily="34" charset="0"/>
+              </a:rPr>
+              <a:t>. </a:t>
+            </a:r>
+            <a:r>
+              <a:rPr lang="ko-KR" altLang="en-US" b="0" i="0" dirty="0">
+                <a:solidFill>
+                  <a:srgbClr val="656565"/>
+                </a:solidFill>
+                <a:effectLst/>
+                <a:latin typeface="Arial" panose="020B0604020202020204" pitchFamily="34" charset="0"/>
+              </a:rPr>
+              <a:t>따라서 </a:t>
+            </a:r>
+            <a:r>
+              <a:rPr lang="en" altLang="ko-Kore-KR" b="0" i="0" dirty="0">
+                <a:solidFill>
+                  <a:srgbClr val="656565"/>
+                </a:solidFill>
+                <a:effectLst/>
+                <a:latin typeface="N_Code"/>
+              </a:rPr>
+              <a:t>class</a:t>
+            </a:r>
+            <a:r>
+              <a:rPr lang="ko-KR" altLang="en-US" b="0" i="0" dirty="0">
+                <a:solidFill>
+                  <a:srgbClr val="656565"/>
+                </a:solidFill>
+                <a:effectLst/>
+                <a:latin typeface="Arial" panose="020B0604020202020204" pitchFamily="34" charset="0"/>
+              </a:rPr>
+              <a:t>로 </a:t>
+            </a:r>
+            <a:r>
+              <a:rPr lang="en" altLang="ko-Kore-KR" b="0" i="0" dirty="0">
+                <a:solidFill>
+                  <a:srgbClr val="656565"/>
+                </a:solidFill>
+                <a:effectLst/>
+                <a:latin typeface="N_Code"/>
+              </a:rPr>
+              <a:t>Knight</a:t>
+            </a:r>
+            <a:r>
+              <a:rPr lang="en" altLang="ko-Kore-KR" b="0" i="0" dirty="0">
+                <a:solidFill>
+                  <a:srgbClr val="656565"/>
+                </a:solidFill>
+                <a:effectLst/>
+                <a:latin typeface="Arial" panose="020B0604020202020204" pitchFamily="34" charset="0"/>
+              </a:rPr>
+              <a:t> </a:t>
+            </a:r>
+            <a:r>
+              <a:rPr lang="ko-KR" altLang="en-US" b="0" i="0" dirty="0">
+                <a:solidFill>
+                  <a:srgbClr val="656565"/>
+                </a:solidFill>
+                <a:effectLst/>
+                <a:latin typeface="Arial" panose="020B0604020202020204" pitchFamily="34" charset="0"/>
+              </a:rPr>
+              <a:t>클래스를 만들고 </a:t>
+            </a:r>
+            <a:r>
+              <a:rPr lang="en-US" altLang="ko-KR" b="0" i="0" dirty="0">
+                <a:solidFill>
+                  <a:srgbClr val="656565"/>
+                </a:solidFill>
+                <a:effectLst/>
+                <a:latin typeface="N_Code"/>
+              </a:rPr>
+              <a:t>__</a:t>
+            </a:r>
+            <a:r>
+              <a:rPr lang="en" altLang="ko-Kore-KR" b="0" i="0" dirty="0" err="1">
+                <a:solidFill>
+                  <a:srgbClr val="656565"/>
+                </a:solidFill>
+                <a:effectLst/>
+                <a:latin typeface="N_Code"/>
+              </a:rPr>
+              <a:t>init</a:t>
+            </a:r>
+            <a:r>
+              <a:rPr lang="en" altLang="ko-Kore-KR" b="0" i="0" dirty="0">
+                <a:solidFill>
+                  <a:srgbClr val="656565"/>
+                </a:solidFill>
+                <a:effectLst/>
+                <a:latin typeface="N_Code"/>
+              </a:rPr>
+              <a:t>__</a:t>
+            </a:r>
+            <a:r>
+              <a:rPr lang="en" altLang="ko-Kore-KR" b="0" i="0" dirty="0">
+                <a:solidFill>
+                  <a:srgbClr val="656565"/>
+                </a:solidFill>
+                <a:effectLst/>
+                <a:latin typeface="Arial" panose="020B0604020202020204" pitchFamily="34" charset="0"/>
+              </a:rPr>
+              <a:t> </a:t>
+            </a:r>
+            <a:r>
+              <a:rPr lang="ko-KR" altLang="en-US" b="0" i="0" dirty="0">
+                <a:solidFill>
+                  <a:srgbClr val="656565"/>
+                </a:solidFill>
+                <a:effectLst/>
+                <a:latin typeface="Arial" panose="020B0604020202020204" pitchFamily="34" charset="0"/>
+              </a:rPr>
+              <a:t>메서드에 매개변수로 </a:t>
+            </a:r>
+            <a:r>
+              <a:rPr lang="en" altLang="ko-Kore-KR" b="0" i="0" dirty="0">
+                <a:solidFill>
+                  <a:srgbClr val="656565"/>
+                </a:solidFill>
+                <a:effectLst/>
+                <a:latin typeface="N_Code"/>
+              </a:rPr>
+              <a:t>self</a:t>
+            </a:r>
+            <a:r>
+              <a:rPr lang="en" altLang="ko-Kore-KR" b="0" i="0" dirty="0">
+                <a:solidFill>
+                  <a:srgbClr val="656565"/>
+                </a:solidFill>
+                <a:effectLst/>
+                <a:latin typeface="Arial" panose="020B0604020202020204" pitchFamily="34" charset="0"/>
+              </a:rPr>
+              <a:t>, </a:t>
+            </a:r>
+            <a:r>
+              <a:rPr lang="en" altLang="ko-Kore-KR" b="0" i="0" dirty="0">
+                <a:solidFill>
+                  <a:srgbClr val="656565"/>
+                </a:solidFill>
+                <a:effectLst/>
+                <a:latin typeface="N_Code"/>
+              </a:rPr>
+              <a:t>health</a:t>
+            </a:r>
+            <a:r>
+              <a:rPr lang="en" altLang="ko-Kore-KR" b="0" i="0" dirty="0">
+                <a:solidFill>
+                  <a:srgbClr val="656565"/>
+                </a:solidFill>
+                <a:effectLst/>
+                <a:latin typeface="Arial" panose="020B0604020202020204" pitchFamily="34" charset="0"/>
+              </a:rPr>
+              <a:t>, </a:t>
+            </a:r>
+            <a:r>
+              <a:rPr lang="en" altLang="ko-Kore-KR" b="0" i="0" dirty="0">
+                <a:solidFill>
+                  <a:srgbClr val="656565"/>
+                </a:solidFill>
+                <a:effectLst/>
+                <a:latin typeface="N_Code"/>
+              </a:rPr>
+              <a:t>mana</a:t>
+            </a:r>
+            <a:r>
+              <a:rPr lang="en" altLang="ko-Kore-KR" b="0" i="0" dirty="0">
+                <a:solidFill>
+                  <a:srgbClr val="656565"/>
+                </a:solidFill>
+                <a:effectLst/>
+                <a:latin typeface="Arial" panose="020B0604020202020204" pitchFamily="34" charset="0"/>
+              </a:rPr>
+              <a:t>, </a:t>
+            </a:r>
+            <a:r>
+              <a:rPr lang="en" altLang="ko-Kore-KR" b="0" i="0" dirty="0">
+                <a:solidFill>
+                  <a:srgbClr val="656565"/>
+                </a:solidFill>
+                <a:effectLst/>
+                <a:latin typeface="N_Code"/>
+              </a:rPr>
+              <a:t>armor</a:t>
+            </a:r>
+            <a:r>
+              <a:rPr lang="ko-KR" altLang="en-US" b="0" i="0" dirty="0" err="1">
+                <a:solidFill>
+                  <a:srgbClr val="656565"/>
+                </a:solidFill>
+                <a:effectLst/>
+                <a:latin typeface="Arial" panose="020B0604020202020204" pitchFamily="34" charset="0"/>
+              </a:rPr>
+              <a:t>를</a:t>
+            </a:r>
+            <a:r>
+              <a:rPr lang="ko-KR" altLang="en-US" b="0" i="0" dirty="0">
+                <a:solidFill>
+                  <a:srgbClr val="656565"/>
+                </a:solidFill>
+                <a:effectLst/>
+                <a:latin typeface="Arial" panose="020B0604020202020204" pitchFamily="34" charset="0"/>
+              </a:rPr>
+              <a:t> 지정합니다</a:t>
+            </a:r>
+            <a:r>
+              <a:rPr lang="en-US" altLang="ko-KR" b="0" i="0" dirty="0">
+                <a:solidFill>
+                  <a:srgbClr val="656565"/>
+                </a:solidFill>
+                <a:effectLst/>
+                <a:latin typeface="Arial" panose="020B0604020202020204" pitchFamily="34" charset="0"/>
+              </a:rPr>
+              <a:t>. </a:t>
+            </a:r>
+            <a:r>
+              <a:rPr lang="ko-KR" altLang="en-US" b="0" i="0" dirty="0">
+                <a:solidFill>
+                  <a:srgbClr val="656565"/>
+                </a:solidFill>
+                <a:effectLst/>
+                <a:latin typeface="Arial" panose="020B0604020202020204" pitchFamily="34" charset="0"/>
+              </a:rPr>
+              <a:t>이때 반드시 첫 번째 매개변수는 </a:t>
+            </a:r>
+            <a:r>
+              <a:rPr lang="en" altLang="ko-Kore-KR" b="0" i="0" dirty="0">
+                <a:solidFill>
+                  <a:srgbClr val="656565"/>
+                </a:solidFill>
+                <a:effectLst/>
+                <a:latin typeface="N_Code"/>
+              </a:rPr>
+              <a:t>self</a:t>
+            </a:r>
+            <a:r>
+              <a:rPr lang="ko-KR" altLang="en-US" b="0" i="0" dirty="0">
+                <a:solidFill>
+                  <a:srgbClr val="656565"/>
+                </a:solidFill>
+                <a:effectLst/>
+                <a:latin typeface="Arial" panose="020B0604020202020204" pitchFamily="34" charset="0"/>
+              </a:rPr>
+              <a:t>라야 합니다</a:t>
+            </a:r>
+            <a:r>
+              <a:rPr lang="en-US" altLang="ko-KR" b="0" i="0" dirty="0">
+                <a:solidFill>
+                  <a:srgbClr val="656565"/>
+                </a:solidFill>
+                <a:effectLst/>
+                <a:latin typeface="Arial" panose="020B0604020202020204" pitchFamily="34" charset="0"/>
+              </a:rPr>
+              <a:t>. </a:t>
+            </a:r>
+            <a:r>
+              <a:rPr lang="ko-KR" altLang="en-US" b="0" i="0" dirty="0">
+                <a:solidFill>
+                  <a:srgbClr val="656565"/>
+                </a:solidFill>
+                <a:effectLst/>
+                <a:latin typeface="Arial" panose="020B0604020202020204" pitchFamily="34" charset="0"/>
+              </a:rPr>
+              <a:t>함수 안에서는 </a:t>
+            </a:r>
+            <a:r>
+              <a:rPr lang="en" altLang="ko-Kore-KR" b="0" i="0" dirty="0" err="1">
+                <a:solidFill>
+                  <a:srgbClr val="656565"/>
+                </a:solidFill>
+                <a:effectLst/>
+                <a:latin typeface="N_Code"/>
+              </a:rPr>
+              <a:t>self.health</a:t>
+            </a:r>
+            <a:r>
+              <a:rPr lang="en" altLang="ko-Kore-KR" b="0" i="0" dirty="0">
+                <a:solidFill>
+                  <a:srgbClr val="656565"/>
+                </a:solidFill>
+                <a:effectLst/>
+                <a:latin typeface="N_Code"/>
+              </a:rPr>
+              <a:t> = health</a:t>
+            </a:r>
+            <a:r>
+              <a:rPr lang="ko-KR" altLang="en-US" b="0" i="0" dirty="0" err="1">
+                <a:solidFill>
+                  <a:srgbClr val="656565"/>
+                </a:solidFill>
+                <a:effectLst/>
+                <a:latin typeface="Arial" panose="020B0604020202020204" pitchFamily="34" charset="0"/>
+              </a:rPr>
+              <a:t>처럼</a:t>
+            </a:r>
+            <a:r>
+              <a:rPr lang="ko-KR" altLang="en-US" b="0" i="0" dirty="0">
+                <a:solidFill>
+                  <a:srgbClr val="656565"/>
+                </a:solidFill>
+                <a:effectLst/>
+                <a:latin typeface="Arial" panose="020B0604020202020204" pitchFamily="34" charset="0"/>
+              </a:rPr>
+              <a:t> 모든 매개변수를 그대로 속성으로 만들어줍니다</a:t>
+            </a:r>
+            <a:r>
+              <a:rPr lang="en-US" altLang="ko-KR" b="0" i="0" dirty="0">
+                <a:solidFill>
+                  <a:srgbClr val="656565"/>
+                </a:solidFill>
+                <a:effectLst/>
+                <a:latin typeface="Arial" panose="020B0604020202020204" pitchFamily="34" charset="0"/>
+              </a:rPr>
+              <a:t>.</a:t>
+            </a:r>
+          </a:p>
+          <a:p>
+            <a:r>
+              <a:rPr lang="ko-KR" altLang="en-US" b="0" i="0" dirty="0" err="1">
+                <a:solidFill>
+                  <a:srgbClr val="656565"/>
+                </a:solidFill>
+                <a:effectLst/>
+                <a:latin typeface="Arial" panose="020B0604020202020204" pitchFamily="34" charset="0"/>
+              </a:rPr>
+              <a:t>그다음에</a:t>
+            </a:r>
+            <a:r>
+              <a:rPr lang="ko-KR" altLang="en-US" b="0" i="0" dirty="0">
+                <a:solidFill>
+                  <a:srgbClr val="656565"/>
+                </a:solidFill>
+                <a:effectLst/>
+                <a:latin typeface="Arial" panose="020B0604020202020204" pitchFamily="34" charset="0"/>
+              </a:rPr>
+              <a:t> </a:t>
+            </a:r>
+            <a:r>
+              <a:rPr lang="en" altLang="ko-Kore-KR" b="0" i="0" dirty="0" err="1">
+                <a:solidFill>
+                  <a:srgbClr val="656565"/>
+                </a:solidFill>
+                <a:effectLst/>
+                <a:latin typeface="N_Code"/>
+              </a:rPr>
+              <a:t>x.slash</a:t>
+            </a:r>
+            <a:r>
+              <a:rPr lang="en" altLang="ko-Kore-KR" b="0" i="0" dirty="0">
+                <a:solidFill>
+                  <a:srgbClr val="656565"/>
+                </a:solidFill>
+                <a:effectLst/>
+                <a:latin typeface="N_Code"/>
+              </a:rPr>
+              <a:t>()</a:t>
+            </a:r>
+            <a:r>
+              <a:rPr lang="ko-KR" altLang="en-US" b="0" i="0" dirty="0">
+                <a:solidFill>
+                  <a:srgbClr val="656565"/>
+                </a:solidFill>
+                <a:effectLst/>
+                <a:latin typeface="Arial" panose="020B0604020202020204" pitchFamily="34" charset="0"/>
+              </a:rPr>
+              <a:t>와 같이 인스턴스로 메서드를 호출하고 있으므로 </a:t>
+            </a:r>
+            <a:r>
+              <a:rPr lang="en" altLang="ko-Kore-KR" b="0" i="0" dirty="0">
+                <a:solidFill>
+                  <a:srgbClr val="656565"/>
+                </a:solidFill>
+                <a:effectLst/>
+                <a:latin typeface="N_Code"/>
+              </a:rPr>
+              <a:t>Knight</a:t>
+            </a:r>
+            <a:r>
+              <a:rPr lang="en" altLang="ko-Kore-KR" b="0" i="0" dirty="0">
+                <a:solidFill>
+                  <a:srgbClr val="656565"/>
+                </a:solidFill>
+                <a:effectLst/>
+                <a:latin typeface="Arial" panose="020B0604020202020204" pitchFamily="34" charset="0"/>
+              </a:rPr>
+              <a:t> </a:t>
+            </a:r>
+            <a:r>
+              <a:rPr lang="ko-KR" altLang="en-US" b="0" i="0" dirty="0">
+                <a:solidFill>
+                  <a:srgbClr val="656565"/>
+                </a:solidFill>
+                <a:effectLst/>
+                <a:latin typeface="Arial" panose="020B0604020202020204" pitchFamily="34" charset="0"/>
+              </a:rPr>
+              <a:t>클래스 안에 </a:t>
+            </a:r>
+            <a:r>
+              <a:rPr lang="en" altLang="ko-Kore-KR" b="0" i="0" dirty="0">
+                <a:solidFill>
+                  <a:srgbClr val="656565"/>
+                </a:solidFill>
+                <a:effectLst/>
+                <a:latin typeface="N_Code"/>
+              </a:rPr>
+              <a:t>slash</a:t>
+            </a:r>
+            <a:r>
+              <a:rPr lang="en" altLang="ko-Kore-KR" b="0" i="0" dirty="0">
+                <a:solidFill>
+                  <a:srgbClr val="656565"/>
+                </a:solidFill>
+                <a:effectLst/>
+                <a:latin typeface="Arial" panose="020B0604020202020204" pitchFamily="34" charset="0"/>
+              </a:rPr>
+              <a:t> </a:t>
+            </a:r>
+            <a:r>
+              <a:rPr lang="ko-KR" altLang="en-US" b="0" i="0" dirty="0">
+                <a:solidFill>
+                  <a:srgbClr val="656565"/>
+                </a:solidFill>
+                <a:effectLst/>
+                <a:latin typeface="Arial" panose="020B0604020202020204" pitchFamily="34" charset="0"/>
+              </a:rPr>
+              <a:t>메서드를 만들고 </a:t>
+            </a:r>
+            <a:r>
+              <a:rPr lang="en" altLang="ko-Kore-KR" b="0" i="0" dirty="0">
+                <a:solidFill>
+                  <a:srgbClr val="656565"/>
+                </a:solidFill>
+                <a:effectLst/>
+                <a:latin typeface="N_Code"/>
+              </a:rPr>
+              <a:t>print</a:t>
+            </a:r>
+            <a:r>
+              <a:rPr lang="ko-KR" altLang="en-US" b="0" i="0" dirty="0">
+                <a:solidFill>
+                  <a:srgbClr val="656565"/>
+                </a:solidFill>
+                <a:effectLst/>
+                <a:latin typeface="Arial" panose="020B0604020202020204" pitchFamily="34" charset="0"/>
+              </a:rPr>
+              <a:t>로 </a:t>
+            </a:r>
+            <a:r>
+              <a:rPr lang="en-US" altLang="ko-KR" b="0" i="0" dirty="0">
+                <a:solidFill>
+                  <a:srgbClr val="656565"/>
+                </a:solidFill>
+                <a:effectLst/>
+                <a:latin typeface="N_Code"/>
+              </a:rPr>
+              <a:t>'</a:t>
+            </a:r>
+            <a:r>
+              <a:rPr lang="ko-KR" altLang="en-US" b="0" i="0" dirty="0">
+                <a:solidFill>
+                  <a:srgbClr val="656565"/>
+                </a:solidFill>
+                <a:effectLst/>
+                <a:latin typeface="N_Code"/>
+              </a:rPr>
+              <a:t>베기</a:t>
+            </a:r>
+            <a:r>
+              <a:rPr lang="en-US" altLang="ko-KR" b="0" i="0" dirty="0">
+                <a:solidFill>
+                  <a:srgbClr val="656565"/>
+                </a:solidFill>
+                <a:effectLst/>
+                <a:latin typeface="N_Code"/>
+              </a:rPr>
+              <a:t>'</a:t>
+            </a:r>
+            <a:r>
+              <a:rPr lang="ko-KR" altLang="en-US" b="0" i="0" dirty="0" err="1">
+                <a:solidFill>
+                  <a:srgbClr val="656565"/>
+                </a:solidFill>
+                <a:effectLst/>
+                <a:latin typeface="Arial" panose="020B0604020202020204" pitchFamily="34" charset="0"/>
+              </a:rPr>
+              <a:t>를</a:t>
+            </a:r>
+            <a:r>
+              <a:rPr lang="ko-KR" altLang="en-US" b="0" i="0" dirty="0">
+                <a:solidFill>
+                  <a:srgbClr val="656565"/>
+                </a:solidFill>
+                <a:effectLst/>
+                <a:latin typeface="Arial" panose="020B0604020202020204" pitchFamily="34" charset="0"/>
+              </a:rPr>
+              <a:t> 출력하도록 만들면 됩니다</a:t>
+            </a:r>
+            <a:r>
+              <a:rPr lang="en-US" altLang="ko-KR" b="0" i="0" dirty="0">
+                <a:solidFill>
+                  <a:srgbClr val="656565"/>
+                </a:solidFill>
+                <a:effectLst/>
+                <a:latin typeface="Arial" panose="020B0604020202020204" pitchFamily="34" charset="0"/>
+              </a:rPr>
+              <a:t>.</a:t>
+            </a:r>
+          </a:p>
+        </p:txBody>
+      </p:sp>
+    </p:spTree>
+    <p:extLst>
+      <p:ext uri="{BB962C8B-B14F-4D97-AF65-F5344CB8AC3E}">
+        <p14:creationId xmlns:p14="http://schemas.microsoft.com/office/powerpoint/2010/main" val="3861670040"/>
+      </p:ext>
+    </p:extLst>
+  </p:cSld>
+  <p:clrMapOvr>
+    <a:masterClrMapping/>
+  </p:clrMapOvr>
+</p:sld>
+</file>
+
+<file path=ppt/slides/slide11.xml><?xml version="1.0" encoding="utf-8"?>
+<p:sld xmlns:a="http://schemas.openxmlformats.org/drawingml/2006/main" xmlns:r="http://schemas.openxmlformats.org/officeDocument/2006/relationships" xmlns:p="http://schemas.openxmlformats.org/presentationml/2006/main">
+  <p:cSld>
+    <p:spTree>
+      <p:nvGrpSpPr>
+        <p:cNvPr id="1" name=""/>
+        <p:cNvGrpSpPr/>
+        <p:nvPr/>
+      </p:nvGrpSpPr>
+      <p:grpSpPr>
+        <a:xfrm>
+          <a:off x="0" y="0"/>
+          <a:ext cx="0" cy="0"/>
+          <a:chOff x="0" y="0"/>
+          <a:chExt cx="0" cy="0"/>
+        </a:xfrm>
+      </p:grpSpPr>
+    </p:spTree>
+    <p:extLst>
+      <p:ext uri="{BB962C8B-B14F-4D97-AF65-F5344CB8AC3E}">
+        <p14:creationId xmlns:p14="http://schemas.microsoft.com/office/powerpoint/2010/main" val="3914828378"/>
+      </p:ext>
+    </p:extLst>
+  </p:cSld>
+  <p:clrMapOvr>
+    <a:masterClrMapping/>
+  </p:clrMapOvr>
+</p:sld>
+</file>
+
 <file path=ppt/slides/slide2.xml><?xml version="1.0" encoding="utf-8"?>
+<p:sld xmlns:a="http://schemas.openxmlformats.org/drawingml/2006/main" xmlns:r="http://schemas.openxmlformats.org/officeDocument/2006/relationships" xmlns:p="http://schemas.openxmlformats.org/presentationml/2006/main">
+  <p:cSld>
+    <p:spTree>
+      <p:nvGrpSpPr>
+        <p:cNvPr id="1" name=""/>
+        <p:cNvGrpSpPr/>
+        <p:nvPr/>
+      </p:nvGrpSpPr>
+      <p:grpSpPr>
+        <a:xfrm>
+          <a:off x="0" y="0"/>
+          <a:ext cx="0" cy="0"/>
+          <a:chOff x="0" y="0"/>
+          <a:chExt cx="0" cy="0"/>
+        </a:xfrm>
+      </p:grpSpPr>
+      <p:sp>
+        <p:nvSpPr>
+          <p:cNvPr id="3" name="내용 개체 틀 2">
+            <a:extLst>
+              <a:ext uri="{FF2B5EF4-FFF2-40B4-BE49-F238E27FC236}">
+                <a16:creationId xmlns:a16="http://schemas.microsoft.com/office/drawing/2014/main" id="{52A5812E-55E5-8F0A-A8D8-966630E4EE15}"/>
+              </a:ext>
+            </a:extLst>
+          </p:cNvPr>
+          <p:cNvSpPr>
+            <a:spLocks noGrp="1"/>
+          </p:cNvSpPr>
+          <p:nvPr>
+            <p:ph idx="1"/>
+          </p:nvPr>
+        </p:nvSpPr>
+        <p:spPr>
+          <a:xfrm>
+            <a:off x="838200" y="532852"/>
+            <a:ext cx="10515600" cy="1096252"/>
+          </a:xfrm>
+        </p:spPr>
+        <p:txBody>
+          <a:bodyPr>
+            <a:normAutofit/>
+          </a:bodyPr>
+          <a:lstStyle/>
+          <a:p>
+            <a:pPr marL="0" indent="0">
+              <a:buNone/>
+            </a:pPr>
+            <a:r>
+              <a:rPr kumimoji="1" lang="en-US" altLang="ko-KR" dirty="0">
+                <a:latin typeface="BM JUA OTF" panose="02020603020101020101" pitchFamily="18" charset="-127"/>
+                <a:ea typeface="BM JUA OTF" panose="02020603020101020101" pitchFamily="18" charset="-127"/>
+              </a:rPr>
+              <a:t>Quiz1.</a:t>
+            </a:r>
+            <a:r>
+              <a:rPr kumimoji="1" lang="ko-KR" altLang="en-US" dirty="0">
+                <a:latin typeface="BM JUA OTF" panose="02020603020101020101" pitchFamily="18" charset="-127"/>
+                <a:ea typeface="BM JUA OTF" panose="02020603020101020101" pitchFamily="18" charset="-127"/>
+              </a:rPr>
+              <a:t> 클래스 </a:t>
+            </a:r>
+            <a:r>
+              <a:rPr kumimoji="1" lang="en-US" altLang="ko-KR" dirty="0">
+                <a:latin typeface="BM JUA OTF" panose="02020603020101020101" pitchFamily="18" charset="-127"/>
+                <a:ea typeface="BM JUA OTF" panose="02020603020101020101" pitchFamily="18" charset="-127"/>
+              </a:rPr>
+              <a:t>:</a:t>
+            </a:r>
+            <a:r>
+              <a:rPr kumimoji="1" lang="ko-KR" altLang="en-US" dirty="0">
+                <a:latin typeface="BM JUA OTF" panose="02020603020101020101" pitchFamily="18" charset="-127"/>
+                <a:ea typeface="BM JUA OTF" panose="02020603020101020101" pitchFamily="18" charset="-127"/>
+              </a:rPr>
+              <a:t> 인스턴스 생성</a:t>
+            </a:r>
+            <a:endParaRPr lang="en-US" altLang="ko-KR" dirty="0">
+              <a:latin typeface="BM JUA OTF" panose="02020603020101020101" pitchFamily="18" charset="-127"/>
+              <a:ea typeface="BM JUA OTF" panose="02020603020101020101" pitchFamily="18" charset="-127"/>
+            </a:endParaRPr>
+          </a:p>
+          <a:p>
+            <a:pPr marL="0" indent="0">
+              <a:buNone/>
+            </a:pPr>
+            <a:r>
+              <a:rPr lang="en-US" altLang="ko-KR" sz="2300" dirty="0">
+                <a:latin typeface="BM JUA OTF" panose="02020603020101020101" pitchFamily="18" charset="-127"/>
+                <a:ea typeface="BM JUA OTF" panose="02020603020101020101" pitchFamily="18" charset="-127"/>
+              </a:rPr>
+              <a:t>&lt;</a:t>
+            </a:r>
+            <a:r>
+              <a:rPr lang="ko-KR" altLang="en-US" sz="2300" dirty="0">
+                <a:latin typeface="BM JUA OTF" panose="02020603020101020101" pitchFamily="18" charset="-127"/>
+                <a:ea typeface="BM JUA OTF" panose="02020603020101020101" pitchFamily="18" charset="-127"/>
+              </a:rPr>
+              <a:t>문제</a:t>
+            </a:r>
+            <a:r>
+              <a:rPr lang="en-US" altLang="ko-KR" sz="2300" dirty="0">
+                <a:latin typeface="BM JUA OTF" panose="02020603020101020101" pitchFamily="18" charset="-127"/>
+                <a:ea typeface="BM JUA OTF" panose="02020603020101020101" pitchFamily="18" charset="-127"/>
+              </a:rPr>
+              <a:t>&gt;</a:t>
+            </a:r>
+            <a:r>
+              <a:rPr lang="ko-KR" altLang="en-US" sz="2300" dirty="0">
+                <a:latin typeface="BM JUA OTF" panose="02020603020101020101" pitchFamily="18" charset="-127"/>
+                <a:ea typeface="BM JUA OTF" panose="02020603020101020101" pitchFamily="18" charset="-127"/>
+              </a:rPr>
+              <a:t> 사람</a:t>
+            </a:r>
+            <a:r>
+              <a:rPr lang="en-US" altLang="ko-KR" sz="2300" dirty="0">
+                <a:latin typeface="BM JUA OTF" panose="02020603020101020101" pitchFamily="18" charset="-127"/>
+                <a:ea typeface="BM JUA OTF" panose="02020603020101020101" pitchFamily="18" charset="-127"/>
+              </a:rPr>
+              <a:t>(Human) </a:t>
+            </a:r>
+            <a:r>
+              <a:rPr lang="ko-KR" altLang="en-US" sz="2300" dirty="0">
+                <a:latin typeface="BM JUA OTF" panose="02020603020101020101" pitchFamily="18" charset="-127"/>
+                <a:ea typeface="BM JUA OTF" panose="02020603020101020101" pitchFamily="18" charset="-127"/>
+              </a:rPr>
+              <a:t>클래스의 인스턴스를 </a:t>
+            </a:r>
+            <a:r>
+              <a:rPr lang="en-US" altLang="ko-KR" sz="2300" dirty="0">
+                <a:latin typeface="BM JUA OTF" panose="02020603020101020101" pitchFamily="18" charset="-127"/>
+                <a:ea typeface="BM JUA OTF" panose="02020603020101020101" pitchFamily="18" charset="-127"/>
+              </a:rPr>
+              <a:t>”</a:t>
+            </a:r>
+            <a:r>
+              <a:rPr lang="ko-KR" altLang="en-US" sz="2300" dirty="0">
+                <a:latin typeface="BM JUA OTF" panose="02020603020101020101" pitchFamily="18" charset="-127"/>
+                <a:ea typeface="BM JUA OTF" panose="02020603020101020101" pitchFamily="18" charset="-127"/>
+              </a:rPr>
+              <a:t>생성</a:t>
+            </a:r>
+            <a:r>
+              <a:rPr lang="en-US" altLang="ko-KR" sz="2300" dirty="0">
+                <a:latin typeface="BM JUA OTF" panose="02020603020101020101" pitchFamily="18" charset="-127"/>
+                <a:ea typeface="BM JUA OTF" panose="02020603020101020101" pitchFamily="18" charset="-127"/>
+              </a:rPr>
+              <a:t>”</a:t>
+            </a:r>
+            <a:r>
+              <a:rPr lang="ko-KR" altLang="en-US" sz="2300" dirty="0">
+                <a:latin typeface="BM JUA OTF" panose="02020603020101020101" pitchFamily="18" charset="-127"/>
+                <a:ea typeface="BM JUA OTF" panose="02020603020101020101" pitchFamily="18" charset="-127"/>
+              </a:rPr>
+              <a:t>하고 이를 </a:t>
+            </a:r>
+            <a:r>
+              <a:rPr lang="en-US" altLang="ko-KR" sz="2300" dirty="0" err="1">
+                <a:latin typeface="BM JUA OTF" panose="02020603020101020101" pitchFamily="18" charset="-127"/>
+                <a:ea typeface="BM JUA OTF" panose="02020603020101020101" pitchFamily="18" charset="-127"/>
+              </a:rPr>
+              <a:t>areum</a:t>
+            </a:r>
+            <a:r>
+              <a:rPr lang="ko-KR" altLang="en-US" sz="2300" dirty="0">
+                <a:latin typeface="BM JUA OTF" panose="02020603020101020101" pitchFamily="18" charset="-127"/>
+                <a:ea typeface="BM JUA OTF" panose="02020603020101020101" pitchFamily="18" charset="-127"/>
+              </a:rPr>
+              <a:t> 변수로 바인딩해보세요</a:t>
+            </a:r>
+            <a:r>
+              <a:rPr lang="en-US" altLang="ko-KR" sz="2300" dirty="0">
+                <a:latin typeface="BM JUA OTF" panose="02020603020101020101" pitchFamily="18" charset="-127"/>
+                <a:ea typeface="BM JUA OTF" panose="02020603020101020101" pitchFamily="18" charset="-127"/>
+              </a:rPr>
+              <a:t>.</a:t>
+            </a:r>
+          </a:p>
+          <a:p>
+            <a:endParaRPr lang="en-US" altLang="ko-KR" sz="2300" dirty="0">
+              <a:latin typeface="BM JUA OTF" panose="02020603020101020101" pitchFamily="18" charset="-127"/>
+              <a:ea typeface="BM JUA OTF" panose="02020603020101020101" pitchFamily="18" charset="-127"/>
+            </a:endParaRPr>
+          </a:p>
+          <a:p>
+            <a:endParaRPr lang="en-US" altLang="ko-KR" sz="2300" dirty="0">
+              <a:latin typeface="BM JUA OTF" panose="02020603020101020101" pitchFamily="18" charset="-127"/>
+              <a:ea typeface="BM JUA OTF" panose="02020603020101020101" pitchFamily="18" charset="-127"/>
+            </a:endParaRPr>
+          </a:p>
+          <a:p>
+            <a:endParaRPr lang="en-US" altLang="ko-KR" sz="2300" dirty="0">
+              <a:latin typeface="BM JUA OTF" panose="02020603020101020101" pitchFamily="18" charset="-127"/>
+              <a:ea typeface="BM JUA OTF" panose="02020603020101020101" pitchFamily="18" charset="-127"/>
+            </a:endParaRPr>
+          </a:p>
+        </p:txBody>
+      </p:sp>
+    </p:spTree>
+    <p:extLst>
+      <p:ext uri="{BB962C8B-B14F-4D97-AF65-F5344CB8AC3E}">
+        <p14:creationId xmlns:p14="http://schemas.microsoft.com/office/powerpoint/2010/main" val="4114228641"/>
+      </p:ext>
+    </p:extLst>
+  </p:cSld>
+  <p:clrMapOvr>
+    <a:masterClrMapping/>
+  </p:clrMapOvr>
+</p:sld>
+</file>
+
+<file path=ppt/slides/slide3.xml><?xml version="1.0" encoding="utf-8"?>
+<p:sld xmlns:a="http://schemas.openxmlformats.org/drawingml/2006/main" xmlns:r="http://schemas.openxmlformats.org/officeDocument/2006/relationships" xmlns:p="http://schemas.openxmlformats.org/presentationml/2006/main">
+  <p:cSld>
+    <p:spTree>
+      <p:nvGrpSpPr>
+        <p:cNvPr id="1" name=""/>
+        <p:cNvGrpSpPr/>
+        <p:nvPr/>
+      </p:nvGrpSpPr>
+      <p:grpSpPr>
+        <a:xfrm>
+          <a:off x="0" y="0"/>
+          <a:ext cx="0" cy="0"/>
+          <a:chOff x="0" y="0"/>
+          <a:chExt cx="0" cy="0"/>
+        </a:xfrm>
+      </p:grpSpPr>
+      <p:grpSp>
+        <p:nvGrpSpPr>
+          <p:cNvPr id="7" name="그룹 6">
+            <a:extLst>
+              <a:ext uri="{FF2B5EF4-FFF2-40B4-BE49-F238E27FC236}">
+                <a16:creationId xmlns:a16="http://schemas.microsoft.com/office/drawing/2014/main" id="{D784942D-07C0-A704-0A83-FD5673EA9D10}"/>
+              </a:ext>
+            </a:extLst>
+          </p:cNvPr>
+          <p:cNvGrpSpPr/>
+          <p:nvPr/>
+        </p:nvGrpSpPr>
+        <p:grpSpPr>
+          <a:xfrm>
+            <a:off x="838200" y="1629104"/>
+            <a:ext cx="10515600" cy="1799896"/>
+            <a:chOff x="838200" y="1629104"/>
+            <a:chExt cx="10515600" cy="1799896"/>
+          </a:xfrm>
+        </p:grpSpPr>
+        <p:sp>
+          <p:nvSpPr>
+            <p:cNvPr id="5" name="내용 개체 틀 2">
+              <a:extLst>
+                <a:ext uri="{FF2B5EF4-FFF2-40B4-BE49-F238E27FC236}">
+                  <a16:creationId xmlns:a16="http://schemas.microsoft.com/office/drawing/2014/main" id="{DFB7F3F7-D79D-2C17-6020-C7B0BD4E368E}"/>
+                </a:ext>
+              </a:extLst>
+            </p:cNvPr>
+            <p:cNvSpPr txBox="1">
+              <a:spLocks/>
+            </p:cNvSpPr>
+            <p:nvPr/>
+          </p:nvSpPr>
+          <p:spPr>
+            <a:xfrm>
+              <a:off x="838200" y="1629104"/>
+              <a:ext cx="10515600" cy="1799896"/>
+            </a:xfrm>
+            <a:prstGeom prst="rect">
+              <a:avLst/>
+            </a:prstGeom>
+          </p:spPr>
+          <p:txBody>
+            <a:bodyPr vert="horz" lIns="91440" tIns="45720" rIns="91440" bIns="45720" rtlCol="0">
+              <a:normAutofit/>
+            </a:bodyPr>
+            <a:lstStyle>
+              <a:lvl1pPr marL="228600" indent="-228600" algn="l" defTabSz="914400" rtl="0" eaLnBrk="1" latinLnBrk="0" hangingPunct="1">
+                <a:lnSpc>
+                  <a:spcPct val="90000"/>
+                </a:lnSpc>
+                <a:spcBef>
+                  <a:spcPts val="1000"/>
+                </a:spcBef>
+                <a:buFont typeface="Arial" panose="020B0604020202020204" pitchFamily="34" charset="0"/>
+                <a:buChar char="•"/>
+                <a:defRPr sz="2800" kern="1200">
+                  <a:solidFill>
+                    <a:schemeClr val="tx1"/>
+                  </a:solidFill>
+                  <a:latin typeface="+mn-lt"/>
+                  <a:ea typeface="+mn-ea"/>
+                  <a:cs typeface="+mn-cs"/>
+                </a:defRPr>
+              </a:lvl1pPr>
+              <a:lvl2pPr marL="685800" indent="-228600" algn="l" defTabSz="914400" rtl="0" eaLnBrk="1" latinLnBrk="0" hangingPunct="1">
+                <a:lnSpc>
+                  <a:spcPct val="90000"/>
+                </a:lnSpc>
+                <a:spcBef>
+                  <a:spcPts val="500"/>
+                </a:spcBef>
+                <a:buFont typeface="Arial" panose="020B0604020202020204" pitchFamily="34" charset="0"/>
+                <a:buChar char="•"/>
+                <a:defRPr sz="2400" kern="1200">
+                  <a:solidFill>
+                    <a:schemeClr val="tx1"/>
+                  </a:solidFill>
+                  <a:latin typeface="+mn-lt"/>
+                  <a:ea typeface="+mn-ea"/>
+                  <a:cs typeface="+mn-cs"/>
+                </a:defRPr>
+              </a:lvl2pPr>
+              <a:lvl3pPr marL="1143000" indent="-228600" algn="l" defTabSz="914400" rtl="0" eaLnBrk="1" latinLnBrk="0" hangingPunct="1">
+                <a:lnSpc>
+                  <a:spcPct val="90000"/>
+                </a:lnSpc>
+                <a:spcBef>
+                  <a:spcPts val="500"/>
+                </a:spcBef>
+                <a:buFont typeface="Arial" panose="020B0604020202020204" pitchFamily="34" charset="0"/>
+                <a:buChar char="•"/>
+                <a:defRPr sz="2000" kern="1200">
+                  <a:solidFill>
+                    <a:schemeClr val="tx1"/>
+                  </a:solidFill>
+                  <a:latin typeface="+mn-lt"/>
+                  <a:ea typeface="+mn-ea"/>
+                  <a:cs typeface="+mn-cs"/>
+                </a:defRPr>
+              </a:lvl3pPr>
+              <a:lvl4pPr marL="1600200" indent="-228600" algn="l" defTabSz="914400" rtl="0" eaLnBrk="1" latinLnBrk="0" hangingPunct="1">
+                <a:lnSpc>
+                  <a:spcPct val="90000"/>
+                </a:lnSpc>
+                <a:spcBef>
+                  <a:spcPts val="500"/>
+                </a:spcBef>
+                <a:buFont typeface="Arial" panose="020B0604020202020204" pitchFamily="34" charset="0"/>
+                <a:buChar char="•"/>
+                <a:defRPr sz="1800" kern="1200">
+                  <a:solidFill>
+                    <a:schemeClr val="tx1"/>
+                  </a:solidFill>
+                  <a:latin typeface="+mn-lt"/>
+                  <a:ea typeface="+mn-ea"/>
+                  <a:cs typeface="+mn-cs"/>
+                </a:defRPr>
+              </a:lvl4pPr>
+              <a:lvl5pPr marL="2057400" indent="-228600" algn="l" defTabSz="914400" rtl="0" eaLnBrk="1" latinLnBrk="0" hangingPunct="1">
+                <a:lnSpc>
+                  <a:spcPct val="90000"/>
+                </a:lnSpc>
+                <a:spcBef>
+                  <a:spcPts val="500"/>
+                </a:spcBef>
+                <a:buFont typeface="Arial" panose="020B0604020202020204" pitchFamily="34" charset="0"/>
+                <a:buChar char="•"/>
+                <a:defRPr sz="1800" kern="1200">
+                  <a:solidFill>
+                    <a:schemeClr val="tx1"/>
+                  </a:solidFill>
+                  <a:latin typeface="+mn-lt"/>
+                  <a:ea typeface="+mn-ea"/>
+                  <a:cs typeface="+mn-cs"/>
+                </a:defRPr>
+              </a:lvl5pPr>
+              <a:lvl6pPr marL="2514600" indent="-228600" algn="l" defTabSz="914400" rtl="0" eaLnBrk="1" latinLnBrk="0" hangingPunct="1">
+                <a:lnSpc>
+                  <a:spcPct val="90000"/>
+                </a:lnSpc>
+                <a:spcBef>
+                  <a:spcPts val="500"/>
+                </a:spcBef>
+                <a:buFont typeface="Arial" panose="020B0604020202020204" pitchFamily="34" charset="0"/>
+                <a:buChar char="•"/>
+                <a:defRPr sz="1800" kern="1200">
+                  <a:solidFill>
+                    <a:schemeClr val="tx1"/>
+                  </a:solidFill>
+                  <a:latin typeface="+mn-lt"/>
+                  <a:ea typeface="+mn-ea"/>
+                  <a:cs typeface="+mn-cs"/>
+                </a:defRPr>
+              </a:lvl6pPr>
+              <a:lvl7pPr marL="2971800" indent="-228600" algn="l" defTabSz="914400" rtl="0" eaLnBrk="1" latinLnBrk="0" hangingPunct="1">
+                <a:lnSpc>
+                  <a:spcPct val="90000"/>
+                </a:lnSpc>
+                <a:spcBef>
+                  <a:spcPts val="500"/>
+                </a:spcBef>
+                <a:buFont typeface="Arial" panose="020B0604020202020204" pitchFamily="34" charset="0"/>
+                <a:buChar char="•"/>
+                <a:defRPr sz="1800" kern="1200">
+                  <a:solidFill>
+                    <a:schemeClr val="tx1"/>
+                  </a:solidFill>
+                  <a:latin typeface="+mn-lt"/>
+                  <a:ea typeface="+mn-ea"/>
+                  <a:cs typeface="+mn-cs"/>
+                </a:defRPr>
+              </a:lvl7pPr>
+              <a:lvl8pPr marL="3429000" indent="-228600" algn="l" defTabSz="914400" rtl="0" eaLnBrk="1" latinLnBrk="0" hangingPunct="1">
+                <a:lnSpc>
+                  <a:spcPct val="90000"/>
+                </a:lnSpc>
+                <a:spcBef>
+                  <a:spcPts val="500"/>
+                </a:spcBef>
+                <a:buFont typeface="Arial" panose="020B0604020202020204" pitchFamily="34" charset="0"/>
+                <a:buChar char="•"/>
+                <a:defRPr sz="1800" kern="1200">
+                  <a:solidFill>
+                    <a:schemeClr val="tx1"/>
+                  </a:solidFill>
+                  <a:latin typeface="+mn-lt"/>
+                  <a:ea typeface="+mn-ea"/>
+                  <a:cs typeface="+mn-cs"/>
+                </a:defRPr>
+              </a:lvl8pPr>
+              <a:lvl9pPr marL="3886200" indent="-228600" algn="l" defTabSz="914400" rtl="0" eaLnBrk="1" latinLnBrk="0" hangingPunct="1">
+                <a:lnSpc>
+                  <a:spcPct val="90000"/>
+                </a:lnSpc>
+                <a:spcBef>
+                  <a:spcPts val="500"/>
+                </a:spcBef>
+                <a:buFont typeface="Arial" panose="020B0604020202020204" pitchFamily="34" charset="0"/>
+                <a:buChar char="•"/>
+                <a:defRPr sz="1800" kern="1200">
+                  <a:solidFill>
+                    <a:schemeClr val="tx1"/>
+                  </a:solidFill>
+                  <a:latin typeface="+mn-lt"/>
+                  <a:ea typeface="+mn-ea"/>
+                  <a:cs typeface="+mn-cs"/>
+                </a:defRPr>
+              </a:lvl9pPr>
+            </a:lstStyle>
+            <a:p>
+              <a:pPr marL="0" indent="0">
+                <a:buFont typeface="Arial" panose="020B0604020202020204" pitchFamily="34" charset="0"/>
+                <a:buNone/>
+              </a:pPr>
+              <a:r>
+                <a:rPr kumimoji="1" lang="en-US" altLang="ko-KR" dirty="0">
+                  <a:latin typeface="BM JUA OTF" panose="02020603020101020101" pitchFamily="18" charset="-127"/>
+                  <a:ea typeface="BM JUA OTF" panose="02020603020101020101" pitchFamily="18" charset="-127"/>
+                </a:rPr>
+                <a:t>Quiz2.</a:t>
+              </a:r>
+              <a:r>
+                <a:rPr kumimoji="1" lang="ko-KR" altLang="en-US" dirty="0">
+                  <a:latin typeface="BM JUA OTF" panose="02020603020101020101" pitchFamily="18" charset="-127"/>
+                  <a:ea typeface="BM JUA OTF" panose="02020603020101020101" pitchFamily="18" charset="-127"/>
+                </a:rPr>
+                <a:t> 클래스 </a:t>
+              </a:r>
+              <a:r>
+                <a:rPr kumimoji="1" lang="en-US" altLang="ko-KR" dirty="0">
+                  <a:latin typeface="BM JUA OTF" panose="02020603020101020101" pitchFamily="18" charset="-127"/>
+                  <a:ea typeface="BM JUA OTF" panose="02020603020101020101" pitchFamily="18" charset="-127"/>
+                </a:rPr>
+                <a:t>:</a:t>
+              </a:r>
+              <a:r>
+                <a:rPr kumimoji="1" lang="ko-KR" altLang="en-US" dirty="0">
+                  <a:latin typeface="BM JUA OTF" panose="02020603020101020101" pitchFamily="18" charset="-127"/>
+                  <a:ea typeface="BM JUA OTF" panose="02020603020101020101" pitchFamily="18" charset="-127"/>
+                </a:rPr>
+                <a:t> 생성자</a:t>
+              </a:r>
+              <a:endParaRPr kumimoji="1" lang="en-US" altLang="ko-KR" dirty="0">
+                <a:latin typeface="BM JUA OTF" panose="02020603020101020101" pitchFamily="18" charset="-127"/>
+                <a:ea typeface="BM JUA OTF" panose="02020603020101020101" pitchFamily="18" charset="-127"/>
+              </a:endParaRPr>
+            </a:p>
+            <a:p>
+              <a:pPr marL="0" indent="0">
+                <a:buFont typeface="Arial" panose="020B0604020202020204" pitchFamily="34" charset="0"/>
+                <a:buNone/>
+              </a:pPr>
+              <a:r>
+                <a:rPr lang="en-US" altLang="ko-KR" sz="2300" dirty="0">
+                  <a:latin typeface="BM JUA OTF" panose="02020603020101020101" pitchFamily="18" charset="-127"/>
+                  <a:ea typeface="BM JUA OTF" panose="02020603020101020101" pitchFamily="18" charset="-127"/>
+                </a:rPr>
+                <a:t>&lt;</a:t>
+              </a:r>
+              <a:r>
+                <a:rPr lang="ko-KR" altLang="en-US" sz="2300" dirty="0">
+                  <a:latin typeface="BM JUA OTF" panose="02020603020101020101" pitchFamily="18" charset="-127"/>
+                  <a:ea typeface="BM JUA OTF" panose="02020603020101020101" pitchFamily="18" charset="-127"/>
+                </a:rPr>
+                <a:t>문제</a:t>
+              </a:r>
+              <a:r>
+                <a:rPr lang="en-US" altLang="ko-KR" sz="2300" dirty="0">
+                  <a:latin typeface="BM JUA OTF" panose="02020603020101020101" pitchFamily="18" charset="-127"/>
+                  <a:ea typeface="BM JUA OTF" panose="02020603020101020101" pitchFamily="18" charset="-127"/>
+                </a:rPr>
+                <a:t>&gt;</a:t>
+              </a:r>
+              <a:r>
+                <a:rPr lang="ko-KR" altLang="en-US" sz="2300" dirty="0">
+                  <a:latin typeface="BM JUA OTF" panose="02020603020101020101" pitchFamily="18" charset="-127"/>
+                  <a:ea typeface="BM JUA OTF" panose="02020603020101020101" pitchFamily="18" charset="-127"/>
+                </a:rPr>
+                <a:t> 사람</a:t>
+              </a:r>
+              <a:r>
+                <a:rPr lang="en-US" altLang="ko-KR" sz="2300" dirty="0">
+                  <a:latin typeface="BM JUA OTF" panose="02020603020101020101" pitchFamily="18" charset="-127"/>
+                  <a:ea typeface="BM JUA OTF" panose="02020603020101020101" pitchFamily="18" charset="-127"/>
+                </a:rPr>
+                <a:t>(Human) </a:t>
+              </a:r>
+              <a:r>
+                <a:rPr lang="ko-KR" altLang="en-US" sz="2300" dirty="0">
+                  <a:latin typeface="BM JUA OTF" panose="02020603020101020101" pitchFamily="18" charset="-127"/>
+                  <a:ea typeface="BM JUA OTF" panose="02020603020101020101" pitchFamily="18" charset="-127"/>
+                </a:rPr>
+                <a:t>클래스에 </a:t>
+              </a:r>
+              <a:r>
+                <a:rPr lang="en-US" altLang="ko-KR" sz="2300" dirty="0">
+                  <a:latin typeface="BM JUA OTF" panose="02020603020101020101" pitchFamily="18" charset="-127"/>
+                  <a:ea typeface="BM JUA OTF" panose="02020603020101020101" pitchFamily="18" charset="-127"/>
+                </a:rPr>
+                <a:t>(</a:t>
+              </a:r>
+              <a:r>
+                <a:rPr lang="ko-KR" altLang="en-US" sz="2300" dirty="0">
+                  <a:latin typeface="BM JUA OTF" panose="02020603020101020101" pitchFamily="18" charset="-127"/>
+                  <a:ea typeface="BM JUA OTF" panose="02020603020101020101" pitchFamily="18" charset="-127"/>
+                </a:rPr>
+                <a:t>이름</a:t>
+              </a:r>
+              <a:r>
+                <a:rPr lang="en-US" altLang="ko-KR" sz="2300" dirty="0">
+                  <a:latin typeface="BM JUA OTF" panose="02020603020101020101" pitchFamily="18" charset="-127"/>
+                  <a:ea typeface="BM JUA OTF" panose="02020603020101020101" pitchFamily="18" charset="-127"/>
+                </a:rPr>
+                <a:t>,</a:t>
+              </a:r>
+              <a:r>
+                <a:rPr lang="ko-KR" altLang="en-US" sz="2300" dirty="0">
+                  <a:latin typeface="BM JUA OTF" panose="02020603020101020101" pitchFamily="18" charset="-127"/>
+                  <a:ea typeface="BM JUA OTF" panose="02020603020101020101" pitchFamily="18" charset="-127"/>
+                </a:rPr>
+                <a:t> 나이</a:t>
+              </a:r>
+              <a:r>
+                <a:rPr lang="en-US" altLang="ko-KR" sz="2300" dirty="0">
+                  <a:latin typeface="BM JUA OTF" panose="02020603020101020101" pitchFamily="18" charset="-127"/>
+                  <a:ea typeface="BM JUA OTF" panose="02020603020101020101" pitchFamily="18" charset="-127"/>
+                </a:rPr>
+                <a:t>,</a:t>
+              </a:r>
+              <a:r>
+                <a:rPr lang="ko-KR" altLang="en-US" sz="2300" dirty="0">
+                  <a:latin typeface="BM JUA OTF" panose="02020603020101020101" pitchFamily="18" charset="-127"/>
+                  <a:ea typeface="BM JUA OTF" panose="02020603020101020101" pitchFamily="18" charset="-127"/>
+                </a:rPr>
+                <a:t> 성별</a:t>
+              </a:r>
+              <a:r>
+                <a:rPr lang="en-US" altLang="ko-KR" sz="2300" dirty="0">
+                  <a:latin typeface="BM JUA OTF" panose="02020603020101020101" pitchFamily="18" charset="-127"/>
+                  <a:ea typeface="BM JUA OTF" panose="02020603020101020101" pitchFamily="18" charset="-127"/>
+                </a:rPr>
+                <a:t>)</a:t>
+              </a:r>
+              <a:r>
+                <a:rPr lang="ko-KR" altLang="en-US" sz="2300" dirty="0">
+                  <a:latin typeface="BM JUA OTF" panose="02020603020101020101" pitchFamily="18" charset="-127"/>
+                  <a:ea typeface="BM JUA OTF" panose="02020603020101020101" pitchFamily="18" charset="-127"/>
+                </a:rPr>
+                <a:t>을 받는 생성자를 추가하세요</a:t>
+              </a:r>
+              <a:endParaRPr lang="en-US" altLang="ko-KR" sz="2300" dirty="0">
+                <a:latin typeface="BM JUA OTF" panose="02020603020101020101" pitchFamily="18" charset="-127"/>
+                <a:ea typeface="BM JUA OTF" panose="02020603020101020101" pitchFamily="18" charset="-127"/>
+              </a:endParaRPr>
+            </a:p>
+            <a:p>
+              <a:pPr marL="0" indent="0">
+                <a:buFont typeface="Arial" panose="020B0604020202020204" pitchFamily="34" charset="0"/>
+                <a:buNone/>
+              </a:pPr>
+              <a:endParaRPr lang="en-US" altLang="ko-KR" sz="2300" dirty="0">
+                <a:latin typeface="BM JUA OTF" panose="02020603020101020101" pitchFamily="18" charset="-127"/>
+                <a:ea typeface="BM JUA OTF" panose="02020603020101020101" pitchFamily="18" charset="-127"/>
+              </a:endParaRPr>
+            </a:p>
+            <a:p>
+              <a:endParaRPr lang="en-US" altLang="ko-KR" sz="2300" dirty="0">
+                <a:latin typeface="BM JUA OTF" panose="02020603020101020101" pitchFamily="18" charset="-127"/>
+                <a:ea typeface="BM JUA OTF" panose="02020603020101020101" pitchFamily="18" charset="-127"/>
+              </a:endParaRPr>
+            </a:p>
+            <a:p>
+              <a:endParaRPr lang="en-US" altLang="ko-KR" sz="2300" dirty="0">
+                <a:latin typeface="BM JUA OTF" panose="02020603020101020101" pitchFamily="18" charset="-127"/>
+                <a:ea typeface="BM JUA OTF" panose="02020603020101020101" pitchFamily="18" charset="-127"/>
+              </a:endParaRPr>
+            </a:p>
+            <a:p>
+              <a:endParaRPr lang="en-US" altLang="ko-KR" sz="2300" dirty="0">
+                <a:latin typeface="BM JUA OTF" panose="02020603020101020101" pitchFamily="18" charset="-127"/>
+                <a:ea typeface="BM JUA OTF" panose="02020603020101020101" pitchFamily="18" charset="-127"/>
+              </a:endParaRPr>
+            </a:p>
+          </p:txBody>
+        </p:sp>
+        <p:pic>
+          <p:nvPicPr>
+            <p:cNvPr id="6" name="그림 5" descr="텍스트이(가) 표시된 사진&#10;&#10;자동 생성된 설명">
+              <a:extLst>
+                <a:ext uri="{FF2B5EF4-FFF2-40B4-BE49-F238E27FC236}">
+                  <a16:creationId xmlns:a16="http://schemas.microsoft.com/office/drawing/2014/main" id="{7FC05B4D-E18D-A735-023E-D351FBB7577E}"/>
+                </a:ext>
+              </a:extLst>
+            </p:cNvPr>
+            <p:cNvPicPr>
+              <a:picLocks noChangeAspect="1"/>
+            </p:cNvPicPr>
+            <p:nvPr/>
+          </p:nvPicPr>
+          <p:blipFill>
+            <a:blip r:embed="rId2"/>
+            <a:stretch>
+              <a:fillRect/>
+            </a:stretch>
+          </p:blipFill>
+          <p:spPr>
+            <a:xfrm>
+              <a:off x="4356100" y="2711669"/>
+              <a:ext cx="3479800" cy="520700"/>
+            </a:xfrm>
+            <a:prstGeom prst="rect">
+              <a:avLst/>
+            </a:prstGeom>
+          </p:spPr>
+        </p:pic>
+      </p:grpSp>
+    </p:spTree>
+    <p:extLst>
+      <p:ext uri="{BB962C8B-B14F-4D97-AF65-F5344CB8AC3E}">
+        <p14:creationId xmlns:p14="http://schemas.microsoft.com/office/powerpoint/2010/main" val="2376145871"/>
+      </p:ext>
+    </p:extLst>
+  </p:cSld>
+  <p:clrMapOvr>
+    <a:masterClrMapping/>
+  </p:clrMapOvr>
+</p:sld>
+</file>
+
+<file path=ppt/slides/slide4.xml><?xml version="1.0" encoding="utf-8"?>
+<p:sld xmlns:a="http://schemas.openxmlformats.org/drawingml/2006/main" xmlns:r="http://schemas.openxmlformats.org/officeDocument/2006/relationships" xmlns:p="http://schemas.openxmlformats.org/presentationml/2006/main">
+  <p:cSld>
+    <p:spTree>
+      <p:nvGrpSpPr>
+        <p:cNvPr id="1" name=""/>
+        <p:cNvGrpSpPr/>
+        <p:nvPr/>
+      </p:nvGrpSpPr>
+      <p:grpSpPr>
+        <a:xfrm>
+          <a:off x="0" y="0"/>
+          <a:ext cx="0" cy="0"/>
+          <a:chOff x="0" y="0"/>
+          <a:chExt cx="0" cy="0"/>
+        </a:xfrm>
+      </p:grpSpPr>
+      <p:grpSp>
+        <p:nvGrpSpPr>
+          <p:cNvPr id="8" name="그룹 7">
+            <a:extLst>
+              <a:ext uri="{FF2B5EF4-FFF2-40B4-BE49-F238E27FC236}">
+                <a16:creationId xmlns:a16="http://schemas.microsoft.com/office/drawing/2014/main" id="{5AAC4874-5ED7-913E-A842-8B5BFECD0F51}"/>
+              </a:ext>
+            </a:extLst>
+          </p:cNvPr>
+          <p:cNvGrpSpPr/>
+          <p:nvPr/>
+        </p:nvGrpSpPr>
+        <p:grpSpPr>
+          <a:xfrm>
+            <a:off x="838200" y="3611617"/>
+            <a:ext cx="10515600" cy="2144329"/>
+            <a:chOff x="838200" y="3611617"/>
+            <a:chExt cx="10515600" cy="2144329"/>
+          </a:xfrm>
+        </p:grpSpPr>
+        <p:sp>
+          <p:nvSpPr>
+            <p:cNvPr id="10" name="내용 개체 틀 2">
+              <a:extLst>
+                <a:ext uri="{FF2B5EF4-FFF2-40B4-BE49-F238E27FC236}">
+                  <a16:creationId xmlns:a16="http://schemas.microsoft.com/office/drawing/2014/main" id="{E4886903-D827-CBE6-5C93-6F6293DF54ED}"/>
+                </a:ext>
+              </a:extLst>
+            </p:cNvPr>
+            <p:cNvSpPr txBox="1">
+              <a:spLocks/>
+            </p:cNvSpPr>
+            <p:nvPr/>
+          </p:nvSpPr>
+          <p:spPr>
+            <a:xfrm>
+              <a:off x="838200" y="3611617"/>
+              <a:ext cx="10515600" cy="1799896"/>
+            </a:xfrm>
+            <a:prstGeom prst="rect">
+              <a:avLst/>
+            </a:prstGeom>
+          </p:spPr>
+          <p:txBody>
+            <a:bodyPr vert="horz" lIns="91440" tIns="45720" rIns="91440" bIns="45720" rtlCol="0">
+              <a:normAutofit/>
+            </a:bodyPr>
+            <a:lstStyle>
+              <a:lvl1pPr marL="228600" indent="-228600" algn="l" defTabSz="914400" rtl="0" eaLnBrk="1" latinLnBrk="0" hangingPunct="1">
+                <a:lnSpc>
+                  <a:spcPct val="90000"/>
+                </a:lnSpc>
+                <a:spcBef>
+                  <a:spcPts val="1000"/>
+                </a:spcBef>
+                <a:buFont typeface="Arial" panose="020B0604020202020204" pitchFamily="34" charset="0"/>
+                <a:buChar char="•"/>
+                <a:defRPr sz="2800" kern="1200">
+                  <a:solidFill>
+                    <a:schemeClr val="tx1"/>
+                  </a:solidFill>
+                  <a:latin typeface="+mn-lt"/>
+                  <a:ea typeface="+mn-ea"/>
+                  <a:cs typeface="+mn-cs"/>
+                </a:defRPr>
+              </a:lvl1pPr>
+              <a:lvl2pPr marL="685800" indent="-228600" algn="l" defTabSz="914400" rtl="0" eaLnBrk="1" latinLnBrk="0" hangingPunct="1">
+                <a:lnSpc>
+                  <a:spcPct val="90000"/>
+                </a:lnSpc>
+                <a:spcBef>
+                  <a:spcPts val="500"/>
+                </a:spcBef>
+                <a:buFont typeface="Arial" panose="020B0604020202020204" pitchFamily="34" charset="0"/>
+                <a:buChar char="•"/>
+                <a:defRPr sz="2400" kern="1200">
+                  <a:solidFill>
+                    <a:schemeClr val="tx1"/>
+                  </a:solidFill>
+                  <a:latin typeface="+mn-lt"/>
+                  <a:ea typeface="+mn-ea"/>
+                  <a:cs typeface="+mn-cs"/>
+                </a:defRPr>
+              </a:lvl2pPr>
+              <a:lvl3pPr marL="1143000" indent="-228600" algn="l" defTabSz="914400" rtl="0" eaLnBrk="1" latinLnBrk="0" hangingPunct="1">
+                <a:lnSpc>
+                  <a:spcPct val="90000"/>
+                </a:lnSpc>
+                <a:spcBef>
+                  <a:spcPts val="500"/>
+                </a:spcBef>
+                <a:buFont typeface="Arial" panose="020B0604020202020204" pitchFamily="34" charset="0"/>
+                <a:buChar char="•"/>
+                <a:defRPr sz="2000" kern="1200">
+                  <a:solidFill>
+                    <a:schemeClr val="tx1"/>
+                  </a:solidFill>
+                  <a:latin typeface="+mn-lt"/>
+                  <a:ea typeface="+mn-ea"/>
+                  <a:cs typeface="+mn-cs"/>
+                </a:defRPr>
+              </a:lvl3pPr>
+              <a:lvl4pPr marL="1600200" indent="-228600" algn="l" defTabSz="914400" rtl="0" eaLnBrk="1" latinLnBrk="0" hangingPunct="1">
+                <a:lnSpc>
+                  <a:spcPct val="90000"/>
+                </a:lnSpc>
+                <a:spcBef>
+                  <a:spcPts val="500"/>
+                </a:spcBef>
+                <a:buFont typeface="Arial" panose="020B0604020202020204" pitchFamily="34" charset="0"/>
+                <a:buChar char="•"/>
+                <a:defRPr sz="1800" kern="1200">
+                  <a:solidFill>
+                    <a:schemeClr val="tx1"/>
+                  </a:solidFill>
+                  <a:latin typeface="+mn-lt"/>
+                  <a:ea typeface="+mn-ea"/>
+                  <a:cs typeface="+mn-cs"/>
+                </a:defRPr>
+              </a:lvl4pPr>
+              <a:lvl5pPr marL="2057400" indent="-228600" algn="l" defTabSz="914400" rtl="0" eaLnBrk="1" latinLnBrk="0" hangingPunct="1">
+                <a:lnSpc>
+                  <a:spcPct val="90000"/>
+                </a:lnSpc>
+                <a:spcBef>
+                  <a:spcPts val="500"/>
+                </a:spcBef>
+                <a:buFont typeface="Arial" panose="020B0604020202020204" pitchFamily="34" charset="0"/>
+                <a:buChar char="•"/>
+                <a:defRPr sz="1800" kern="1200">
+                  <a:solidFill>
+                    <a:schemeClr val="tx1"/>
+                  </a:solidFill>
+                  <a:latin typeface="+mn-lt"/>
+                  <a:ea typeface="+mn-ea"/>
+                  <a:cs typeface="+mn-cs"/>
+                </a:defRPr>
+              </a:lvl5pPr>
+              <a:lvl6pPr marL="2514600" indent="-228600" algn="l" defTabSz="914400" rtl="0" eaLnBrk="1" latinLnBrk="0" hangingPunct="1">
+                <a:lnSpc>
+                  <a:spcPct val="90000"/>
+                </a:lnSpc>
+                <a:spcBef>
+                  <a:spcPts val="500"/>
+                </a:spcBef>
+                <a:buFont typeface="Arial" panose="020B0604020202020204" pitchFamily="34" charset="0"/>
+                <a:buChar char="•"/>
+                <a:defRPr sz="1800" kern="1200">
+                  <a:solidFill>
+                    <a:schemeClr val="tx1"/>
+                  </a:solidFill>
+                  <a:latin typeface="+mn-lt"/>
+                  <a:ea typeface="+mn-ea"/>
+                  <a:cs typeface="+mn-cs"/>
+                </a:defRPr>
+              </a:lvl6pPr>
+              <a:lvl7pPr marL="2971800" indent="-228600" algn="l" defTabSz="914400" rtl="0" eaLnBrk="1" latinLnBrk="0" hangingPunct="1">
+                <a:lnSpc>
+                  <a:spcPct val="90000"/>
+                </a:lnSpc>
+                <a:spcBef>
+                  <a:spcPts val="500"/>
+                </a:spcBef>
+                <a:buFont typeface="Arial" panose="020B0604020202020204" pitchFamily="34" charset="0"/>
+                <a:buChar char="•"/>
+                <a:defRPr sz="1800" kern="1200">
+                  <a:solidFill>
+                    <a:schemeClr val="tx1"/>
+                  </a:solidFill>
+                  <a:latin typeface="+mn-lt"/>
+                  <a:ea typeface="+mn-ea"/>
+                  <a:cs typeface="+mn-cs"/>
+                </a:defRPr>
+              </a:lvl7pPr>
+              <a:lvl8pPr marL="3429000" indent="-228600" algn="l" defTabSz="914400" rtl="0" eaLnBrk="1" latinLnBrk="0" hangingPunct="1">
+                <a:lnSpc>
+                  <a:spcPct val="90000"/>
+                </a:lnSpc>
+                <a:spcBef>
+                  <a:spcPts val="500"/>
+                </a:spcBef>
+                <a:buFont typeface="Arial" panose="020B0604020202020204" pitchFamily="34" charset="0"/>
+                <a:buChar char="•"/>
+                <a:defRPr sz="1800" kern="1200">
+                  <a:solidFill>
+                    <a:schemeClr val="tx1"/>
+                  </a:solidFill>
+                  <a:latin typeface="+mn-lt"/>
+                  <a:ea typeface="+mn-ea"/>
+                  <a:cs typeface="+mn-cs"/>
+                </a:defRPr>
+              </a:lvl8pPr>
+              <a:lvl9pPr marL="3886200" indent="-228600" algn="l" defTabSz="914400" rtl="0" eaLnBrk="1" latinLnBrk="0" hangingPunct="1">
+                <a:lnSpc>
+                  <a:spcPct val="90000"/>
+                </a:lnSpc>
+                <a:spcBef>
+                  <a:spcPts val="500"/>
+                </a:spcBef>
+                <a:buFont typeface="Arial" panose="020B0604020202020204" pitchFamily="34" charset="0"/>
+                <a:buChar char="•"/>
+                <a:defRPr sz="1800" kern="1200">
+                  <a:solidFill>
+                    <a:schemeClr val="tx1"/>
+                  </a:solidFill>
+                  <a:latin typeface="+mn-lt"/>
+                  <a:ea typeface="+mn-ea"/>
+                  <a:cs typeface="+mn-cs"/>
+                </a:defRPr>
+              </a:lvl9pPr>
+            </a:lstStyle>
+            <a:p>
+              <a:pPr marL="0" indent="0">
+                <a:buFont typeface="Arial" panose="020B0604020202020204" pitchFamily="34" charset="0"/>
+                <a:buNone/>
+              </a:pPr>
+              <a:r>
+                <a:rPr kumimoji="1" lang="en-US" altLang="ko-KR" dirty="0">
+                  <a:latin typeface="BM JUA OTF" panose="02020603020101020101" pitchFamily="18" charset="-127"/>
+                  <a:ea typeface="BM JUA OTF" panose="02020603020101020101" pitchFamily="18" charset="-127"/>
+                </a:rPr>
+                <a:t>Quiz3.</a:t>
+              </a:r>
+              <a:r>
+                <a:rPr kumimoji="1" lang="ko-KR" altLang="en-US" dirty="0">
+                  <a:latin typeface="BM JUA OTF" panose="02020603020101020101" pitchFamily="18" charset="-127"/>
+                  <a:ea typeface="BM JUA OTF" panose="02020603020101020101" pitchFamily="18" charset="-127"/>
+                </a:rPr>
+                <a:t> 클래스 </a:t>
+              </a:r>
+              <a:r>
+                <a:rPr kumimoji="1" lang="en-US" altLang="ko-KR" dirty="0">
+                  <a:latin typeface="BM JUA OTF" panose="02020603020101020101" pitchFamily="18" charset="-127"/>
+                  <a:ea typeface="BM JUA OTF" panose="02020603020101020101" pitchFamily="18" charset="-127"/>
+                </a:rPr>
+                <a:t>:</a:t>
+              </a:r>
+              <a:r>
+                <a:rPr kumimoji="1" lang="ko-KR" altLang="en-US" dirty="0">
+                  <a:latin typeface="BM JUA OTF" panose="02020603020101020101" pitchFamily="18" charset="-127"/>
+                  <a:ea typeface="BM JUA OTF" panose="02020603020101020101" pitchFamily="18" charset="-127"/>
+                </a:rPr>
+                <a:t> 인스턴스 속성에 접근</a:t>
+              </a:r>
+              <a:endParaRPr kumimoji="1" lang="en-US" altLang="ko-KR" dirty="0">
+                <a:latin typeface="BM JUA OTF" panose="02020603020101020101" pitchFamily="18" charset="-127"/>
+                <a:ea typeface="BM JUA OTF" panose="02020603020101020101" pitchFamily="18" charset="-127"/>
+              </a:endParaRPr>
+            </a:p>
+            <a:p>
+              <a:pPr marL="0" indent="0">
+                <a:buFont typeface="Arial" panose="020B0604020202020204" pitchFamily="34" charset="0"/>
+                <a:buNone/>
+              </a:pPr>
+              <a:r>
+                <a:rPr lang="en-US" altLang="ko-KR" sz="2300" dirty="0">
+                  <a:latin typeface="BM JUA OTF" panose="02020603020101020101" pitchFamily="18" charset="-127"/>
+                  <a:ea typeface="BM JUA OTF" panose="02020603020101020101" pitchFamily="18" charset="-127"/>
+                </a:rPr>
+                <a:t>&lt;</a:t>
+              </a:r>
+              <a:r>
+                <a:rPr lang="ko-KR" altLang="en-US" sz="2300" dirty="0">
+                  <a:latin typeface="BM JUA OTF" panose="02020603020101020101" pitchFamily="18" charset="-127"/>
+                  <a:ea typeface="BM JUA OTF" panose="02020603020101020101" pitchFamily="18" charset="-127"/>
+                </a:rPr>
+                <a:t>문제</a:t>
+              </a:r>
+              <a:r>
+                <a:rPr lang="en-US" altLang="ko-KR" sz="2300" dirty="0">
+                  <a:latin typeface="BM JUA OTF" panose="02020603020101020101" pitchFamily="18" charset="-127"/>
+                  <a:ea typeface="BM JUA OTF" panose="02020603020101020101" pitchFamily="18" charset="-127"/>
+                </a:rPr>
+                <a:t>&gt;</a:t>
+              </a:r>
+              <a:r>
+                <a:rPr lang="ko-KR" altLang="en-US" sz="2300" dirty="0">
+                  <a:latin typeface="BM JUA OTF" panose="02020603020101020101" pitchFamily="18" charset="-127"/>
+                  <a:ea typeface="BM JUA OTF" panose="02020603020101020101" pitchFamily="18" charset="-127"/>
+                </a:rPr>
+                <a:t> </a:t>
+              </a:r>
+              <a:r>
+                <a:rPr lang="en-US" altLang="ko-KR" sz="2300" dirty="0">
+                  <a:latin typeface="BM JUA OTF" panose="02020603020101020101" pitchFamily="18" charset="-127"/>
+                  <a:ea typeface="BM JUA OTF" panose="02020603020101020101" pitchFamily="18" charset="-127"/>
+                </a:rPr>
+                <a:t>Quiz2</a:t>
+              </a:r>
+              <a:r>
+                <a:rPr lang="ko-KR" altLang="en-US" sz="2300" dirty="0">
+                  <a:latin typeface="BM JUA OTF" panose="02020603020101020101" pitchFamily="18" charset="-127"/>
+                  <a:ea typeface="BM JUA OTF" panose="02020603020101020101" pitchFamily="18" charset="-127"/>
+                </a:rPr>
+                <a:t>에서 생성한 인스턴스의 이름</a:t>
+              </a:r>
+              <a:r>
+                <a:rPr lang="en-US" altLang="ko-KR" sz="2300" dirty="0">
+                  <a:latin typeface="BM JUA OTF" panose="02020603020101020101" pitchFamily="18" charset="-127"/>
+                  <a:ea typeface="BM JUA OTF" panose="02020603020101020101" pitchFamily="18" charset="-127"/>
+                </a:rPr>
+                <a:t>,</a:t>
+              </a:r>
+              <a:r>
+                <a:rPr lang="ko-KR" altLang="en-US" sz="2300" dirty="0">
+                  <a:latin typeface="BM JUA OTF" panose="02020603020101020101" pitchFamily="18" charset="-127"/>
+                  <a:ea typeface="BM JUA OTF" panose="02020603020101020101" pitchFamily="18" charset="-127"/>
+                </a:rPr>
+                <a:t> 나이 </a:t>
+              </a:r>
+              <a:r>
+                <a:rPr lang="en-US" altLang="ko-KR" sz="2300" dirty="0">
+                  <a:latin typeface="BM JUA OTF" panose="02020603020101020101" pitchFamily="18" charset="-127"/>
+                  <a:ea typeface="BM JUA OTF" panose="02020603020101020101" pitchFamily="18" charset="-127"/>
+                </a:rPr>
+                <a:t>,</a:t>
+              </a:r>
+              <a:r>
+                <a:rPr lang="ko-KR" altLang="en-US" sz="2300" dirty="0">
+                  <a:latin typeface="BM JUA OTF" panose="02020603020101020101" pitchFamily="18" charset="-127"/>
+                  <a:ea typeface="BM JUA OTF" panose="02020603020101020101" pitchFamily="18" charset="-127"/>
+                </a:rPr>
+                <a:t> 성별을 출력하세요</a:t>
+              </a:r>
+              <a:r>
+                <a:rPr lang="en-US" altLang="ko-KR" sz="2300" dirty="0">
+                  <a:latin typeface="BM JUA OTF" panose="02020603020101020101" pitchFamily="18" charset="-127"/>
+                  <a:ea typeface="BM JUA OTF" panose="02020603020101020101" pitchFamily="18" charset="-127"/>
+                </a:rPr>
+                <a:t>.</a:t>
+              </a:r>
+              <a:r>
+                <a:rPr lang="ko-KR" altLang="en-US" sz="2300" dirty="0">
+                  <a:latin typeface="BM JUA OTF" panose="02020603020101020101" pitchFamily="18" charset="-127"/>
+                  <a:ea typeface="BM JUA OTF" panose="02020603020101020101" pitchFamily="18" charset="-127"/>
+                </a:rPr>
+                <a:t> 인스턴스 변수에 접근하여 값을 출력하면 됩니다</a:t>
+              </a:r>
+              <a:r>
+                <a:rPr lang="en-US" altLang="ko-KR" sz="2300" dirty="0">
+                  <a:latin typeface="BM JUA OTF" panose="02020603020101020101" pitchFamily="18" charset="-127"/>
+                  <a:ea typeface="BM JUA OTF" panose="02020603020101020101" pitchFamily="18" charset="-127"/>
+                </a:rPr>
+                <a:t>.</a:t>
+              </a:r>
+            </a:p>
+            <a:p>
+              <a:pPr marL="0" indent="0">
+                <a:buFont typeface="Arial" panose="020B0604020202020204" pitchFamily="34" charset="0"/>
+                <a:buNone/>
+              </a:pPr>
+              <a:endParaRPr lang="en-US" altLang="ko-KR" sz="2300" dirty="0">
+                <a:latin typeface="BM JUA OTF" panose="02020603020101020101" pitchFamily="18" charset="-127"/>
+                <a:ea typeface="BM JUA OTF" panose="02020603020101020101" pitchFamily="18" charset="-127"/>
+              </a:endParaRPr>
+            </a:p>
+            <a:p>
+              <a:pPr marL="0" indent="0">
+                <a:buFont typeface="Arial" panose="020B0604020202020204" pitchFamily="34" charset="0"/>
+                <a:buNone/>
+              </a:pPr>
+              <a:endParaRPr lang="en-US" altLang="ko-KR" sz="2300" dirty="0">
+                <a:latin typeface="BM JUA OTF" panose="02020603020101020101" pitchFamily="18" charset="-127"/>
+                <a:ea typeface="BM JUA OTF" panose="02020603020101020101" pitchFamily="18" charset="-127"/>
+              </a:endParaRPr>
+            </a:p>
+            <a:p>
+              <a:pPr marL="0" indent="0">
+                <a:buFont typeface="Arial" panose="020B0604020202020204" pitchFamily="34" charset="0"/>
+                <a:buNone/>
+              </a:pPr>
+              <a:endParaRPr lang="en-US" altLang="ko-KR" sz="2300" dirty="0">
+                <a:latin typeface="BM JUA OTF" panose="02020603020101020101" pitchFamily="18" charset="-127"/>
+                <a:ea typeface="BM JUA OTF" panose="02020603020101020101" pitchFamily="18" charset="-127"/>
+              </a:endParaRPr>
+            </a:p>
+            <a:p>
+              <a:pPr marL="0" indent="0">
+                <a:buFont typeface="Arial" panose="020B0604020202020204" pitchFamily="34" charset="0"/>
+                <a:buNone/>
+              </a:pPr>
+              <a:endParaRPr lang="en-US" altLang="ko-KR" sz="2300" dirty="0">
+                <a:latin typeface="BM JUA OTF" panose="02020603020101020101" pitchFamily="18" charset="-127"/>
+                <a:ea typeface="BM JUA OTF" panose="02020603020101020101" pitchFamily="18" charset="-127"/>
+              </a:endParaRPr>
+            </a:p>
+            <a:p>
+              <a:endParaRPr lang="en-US" altLang="ko-KR" sz="2300" dirty="0">
+                <a:latin typeface="BM JUA OTF" panose="02020603020101020101" pitchFamily="18" charset="-127"/>
+                <a:ea typeface="BM JUA OTF" panose="02020603020101020101" pitchFamily="18" charset="-127"/>
+              </a:endParaRPr>
+            </a:p>
+            <a:p>
+              <a:endParaRPr lang="en-US" altLang="ko-KR" sz="2300" dirty="0">
+                <a:latin typeface="BM JUA OTF" panose="02020603020101020101" pitchFamily="18" charset="-127"/>
+                <a:ea typeface="BM JUA OTF" panose="02020603020101020101" pitchFamily="18" charset="-127"/>
+              </a:endParaRPr>
+            </a:p>
+            <a:p>
+              <a:endParaRPr lang="en-US" altLang="ko-KR" sz="2300" dirty="0">
+                <a:latin typeface="BM JUA OTF" panose="02020603020101020101" pitchFamily="18" charset="-127"/>
+                <a:ea typeface="BM JUA OTF" panose="02020603020101020101" pitchFamily="18" charset="-127"/>
+              </a:endParaRPr>
+            </a:p>
+          </p:txBody>
+        </p:sp>
+        <p:pic>
+          <p:nvPicPr>
+            <p:cNvPr id="14" name="그림 13">
+              <a:extLst>
+                <a:ext uri="{FF2B5EF4-FFF2-40B4-BE49-F238E27FC236}">
+                  <a16:creationId xmlns:a16="http://schemas.microsoft.com/office/drawing/2014/main" id="{E5408C3D-880C-3A09-C1CE-CFB4C9C3EBF4}"/>
+                </a:ext>
+              </a:extLst>
+            </p:cNvPr>
+            <p:cNvPicPr>
+              <a:picLocks noChangeAspect="1"/>
+            </p:cNvPicPr>
+            <p:nvPr/>
+          </p:nvPicPr>
+          <p:blipFill>
+            <a:blip r:embed="rId2"/>
+            <a:stretch>
+              <a:fillRect/>
+            </a:stretch>
+          </p:blipFill>
+          <p:spPr>
+            <a:xfrm>
+              <a:off x="5105400" y="4701846"/>
+              <a:ext cx="1981200" cy="1054100"/>
+            </a:xfrm>
+            <a:prstGeom prst="rect">
+              <a:avLst/>
+            </a:prstGeom>
+          </p:spPr>
+        </p:pic>
+      </p:grpSp>
+    </p:spTree>
+    <p:extLst>
+      <p:ext uri="{BB962C8B-B14F-4D97-AF65-F5344CB8AC3E}">
+        <p14:creationId xmlns:p14="http://schemas.microsoft.com/office/powerpoint/2010/main" val="3312503616"/>
+      </p:ext>
+    </p:extLst>
+  </p:cSld>
+  <p:clrMapOvr>
+    <a:masterClrMapping/>
+  </p:clrMapOvr>
+</p:sld>
+</file>
+
+<file path=ppt/slides/slide5.xml><?xml version="1.0" encoding="utf-8"?>
+<p:sld xmlns:a="http://schemas.openxmlformats.org/drawingml/2006/main" xmlns:r="http://schemas.openxmlformats.org/officeDocument/2006/relationships" xmlns:p="http://schemas.openxmlformats.org/presentationml/2006/main">
+  <p:cSld>
+    <p:spTree>
+      <p:nvGrpSpPr>
+        <p:cNvPr id="1" name=""/>
+        <p:cNvGrpSpPr/>
+        <p:nvPr/>
+      </p:nvGrpSpPr>
+      <p:grpSpPr>
+        <a:xfrm>
+          <a:off x="0" y="0"/>
+          <a:ext cx="0" cy="0"/>
+          <a:chOff x="0" y="0"/>
+          <a:chExt cx="0" cy="0"/>
+        </a:xfrm>
+      </p:grpSpPr>
+      <p:grpSp>
+        <p:nvGrpSpPr>
+          <p:cNvPr id="12" name="그룹 11">
+            <a:extLst>
+              <a:ext uri="{FF2B5EF4-FFF2-40B4-BE49-F238E27FC236}">
+                <a16:creationId xmlns:a16="http://schemas.microsoft.com/office/drawing/2014/main" id="{CE0B2A75-9348-A5DC-76FB-6FC7D9C67AC5}"/>
+              </a:ext>
+            </a:extLst>
+          </p:cNvPr>
+          <p:cNvGrpSpPr/>
+          <p:nvPr/>
+        </p:nvGrpSpPr>
+        <p:grpSpPr>
+          <a:xfrm>
+            <a:off x="838200" y="606994"/>
+            <a:ext cx="10515600" cy="5310330"/>
+            <a:chOff x="838200" y="606994"/>
+            <a:chExt cx="10515600" cy="5310330"/>
+          </a:xfrm>
+        </p:grpSpPr>
+        <p:sp>
+          <p:nvSpPr>
+            <p:cNvPr id="5" name="내용 개체 틀 2">
+              <a:extLst>
+                <a:ext uri="{FF2B5EF4-FFF2-40B4-BE49-F238E27FC236}">
+                  <a16:creationId xmlns:a16="http://schemas.microsoft.com/office/drawing/2014/main" id="{CF3CD4AE-1A8E-3F87-0895-336ACC5DB004}"/>
+                </a:ext>
+              </a:extLst>
+            </p:cNvPr>
+            <p:cNvSpPr txBox="1">
+              <a:spLocks/>
+            </p:cNvSpPr>
+            <p:nvPr/>
+          </p:nvSpPr>
+          <p:spPr>
+            <a:xfrm>
+              <a:off x="838200" y="606994"/>
+              <a:ext cx="10515600" cy="5310330"/>
+            </a:xfrm>
+            <a:prstGeom prst="rect">
+              <a:avLst/>
+            </a:prstGeom>
+          </p:spPr>
+          <p:txBody>
+            <a:bodyPr>
+              <a:normAutofit/>
+            </a:bodyPr>
+            <a:lstStyle>
+              <a:lvl1pPr marL="228600" indent="-228600" algn="l" defTabSz="914400" rtl="0" eaLnBrk="1" latinLnBrk="0" hangingPunct="1">
+                <a:lnSpc>
+                  <a:spcPct val="90000"/>
+                </a:lnSpc>
+                <a:spcBef>
+                  <a:spcPts val="1000"/>
+                </a:spcBef>
+                <a:buFont typeface="Arial" panose="020B0604020202020204" pitchFamily="34" charset="0"/>
+                <a:buChar char="•"/>
+                <a:defRPr sz="2800" kern="1200">
+                  <a:solidFill>
+                    <a:schemeClr val="tx1"/>
+                  </a:solidFill>
+                  <a:latin typeface="+mn-lt"/>
+                  <a:ea typeface="+mn-ea"/>
+                  <a:cs typeface="+mn-cs"/>
+                </a:defRPr>
+              </a:lvl1pPr>
+              <a:lvl2pPr marL="685800" indent="-228600" algn="l" defTabSz="914400" rtl="0" eaLnBrk="1" latinLnBrk="0" hangingPunct="1">
+                <a:lnSpc>
+                  <a:spcPct val="90000"/>
+                </a:lnSpc>
+                <a:spcBef>
+                  <a:spcPts val="500"/>
+                </a:spcBef>
+                <a:buFont typeface="Arial" panose="020B0604020202020204" pitchFamily="34" charset="0"/>
+                <a:buChar char="•"/>
+                <a:defRPr sz="2400" kern="1200">
+                  <a:solidFill>
+                    <a:schemeClr val="tx1"/>
+                  </a:solidFill>
+                  <a:latin typeface="+mn-lt"/>
+                  <a:ea typeface="+mn-ea"/>
+                  <a:cs typeface="+mn-cs"/>
+                </a:defRPr>
+              </a:lvl2pPr>
+              <a:lvl3pPr marL="1143000" indent="-228600" algn="l" defTabSz="914400" rtl="0" eaLnBrk="1" latinLnBrk="0" hangingPunct="1">
+                <a:lnSpc>
+                  <a:spcPct val="90000"/>
+                </a:lnSpc>
+                <a:spcBef>
+                  <a:spcPts val="500"/>
+                </a:spcBef>
+                <a:buFont typeface="Arial" panose="020B0604020202020204" pitchFamily="34" charset="0"/>
+                <a:buChar char="•"/>
+                <a:defRPr sz="2000" kern="1200">
+                  <a:solidFill>
+                    <a:schemeClr val="tx1"/>
+                  </a:solidFill>
+                  <a:latin typeface="+mn-lt"/>
+                  <a:ea typeface="+mn-ea"/>
+                  <a:cs typeface="+mn-cs"/>
+                </a:defRPr>
+              </a:lvl3pPr>
+              <a:lvl4pPr marL="1600200" indent="-228600" algn="l" defTabSz="914400" rtl="0" eaLnBrk="1" latinLnBrk="0" hangingPunct="1">
+                <a:lnSpc>
+                  <a:spcPct val="90000"/>
+                </a:lnSpc>
+                <a:spcBef>
+                  <a:spcPts val="500"/>
+                </a:spcBef>
+                <a:buFont typeface="Arial" panose="020B0604020202020204" pitchFamily="34" charset="0"/>
+                <a:buChar char="•"/>
+                <a:defRPr sz="1800" kern="1200">
+                  <a:solidFill>
+                    <a:schemeClr val="tx1"/>
+                  </a:solidFill>
+                  <a:latin typeface="+mn-lt"/>
+                  <a:ea typeface="+mn-ea"/>
+                  <a:cs typeface="+mn-cs"/>
+                </a:defRPr>
+              </a:lvl4pPr>
+              <a:lvl5pPr marL="2057400" indent="-228600" algn="l" defTabSz="914400" rtl="0" eaLnBrk="1" latinLnBrk="0" hangingPunct="1">
+                <a:lnSpc>
+                  <a:spcPct val="90000"/>
+                </a:lnSpc>
+                <a:spcBef>
+                  <a:spcPts val="500"/>
+                </a:spcBef>
+                <a:buFont typeface="Arial" panose="020B0604020202020204" pitchFamily="34" charset="0"/>
+                <a:buChar char="•"/>
+                <a:defRPr sz="1800" kern="1200">
+                  <a:solidFill>
+                    <a:schemeClr val="tx1"/>
+                  </a:solidFill>
+                  <a:latin typeface="+mn-lt"/>
+                  <a:ea typeface="+mn-ea"/>
+                  <a:cs typeface="+mn-cs"/>
+                </a:defRPr>
+              </a:lvl5pPr>
+              <a:lvl6pPr marL="2514600" indent="-228600" algn="l" defTabSz="914400" rtl="0" eaLnBrk="1" latinLnBrk="0" hangingPunct="1">
+                <a:lnSpc>
+                  <a:spcPct val="90000"/>
+                </a:lnSpc>
+                <a:spcBef>
+                  <a:spcPts val="500"/>
+                </a:spcBef>
+                <a:buFont typeface="Arial" panose="020B0604020202020204" pitchFamily="34" charset="0"/>
+                <a:buChar char="•"/>
+                <a:defRPr sz="1800" kern="1200">
+                  <a:solidFill>
+                    <a:schemeClr val="tx1"/>
+                  </a:solidFill>
+                  <a:latin typeface="+mn-lt"/>
+                  <a:ea typeface="+mn-ea"/>
+                  <a:cs typeface="+mn-cs"/>
+                </a:defRPr>
+              </a:lvl6pPr>
+              <a:lvl7pPr marL="2971800" indent="-228600" algn="l" defTabSz="914400" rtl="0" eaLnBrk="1" latinLnBrk="0" hangingPunct="1">
+                <a:lnSpc>
+                  <a:spcPct val="90000"/>
+                </a:lnSpc>
+                <a:spcBef>
+                  <a:spcPts val="500"/>
+                </a:spcBef>
+                <a:buFont typeface="Arial" panose="020B0604020202020204" pitchFamily="34" charset="0"/>
+                <a:buChar char="•"/>
+                <a:defRPr sz="1800" kern="1200">
+                  <a:solidFill>
+                    <a:schemeClr val="tx1"/>
+                  </a:solidFill>
+                  <a:latin typeface="+mn-lt"/>
+                  <a:ea typeface="+mn-ea"/>
+                  <a:cs typeface="+mn-cs"/>
+                </a:defRPr>
+              </a:lvl7pPr>
+              <a:lvl8pPr marL="3429000" indent="-228600" algn="l" defTabSz="914400" rtl="0" eaLnBrk="1" latinLnBrk="0" hangingPunct="1">
+                <a:lnSpc>
+                  <a:spcPct val="90000"/>
+                </a:lnSpc>
+                <a:spcBef>
+                  <a:spcPts val="500"/>
+                </a:spcBef>
+                <a:buFont typeface="Arial" panose="020B0604020202020204" pitchFamily="34" charset="0"/>
+                <a:buChar char="•"/>
+                <a:defRPr sz="1800" kern="1200">
+                  <a:solidFill>
+                    <a:schemeClr val="tx1"/>
+                  </a:solidFill>
+                  <a:latin typeface="+mn-lt"/>
+                  <a:ea typeface="+mn-ea"/>
+                  <a:cs typeface="+mn-cs"/>
+                </a:defRPr>
+              </a:lvl8pPr>
+              <a:lvl9pPr marL="3886200" indent="-228600" algn="l" defTabSz="914400" rtl="0" eaLnBrk="1" latinLnBrk="0" hangingPunct="1">
+                <a:lnSpc>
+                  <a:spcPct val="90000"/>
+                </a:lnSpc>
+                <a:spcBef>
+                  <a:spcPts val="500"/>
+                </a:spcBef>
+                <a:buFont typeface="Arial" panose="020B0604020202020204" pitchFamily="34" charset="0"/>
+                <a:buChar char="•"/>
+                <a:defRPr sz="1800" kern="1200">
+                  <a:solidFill>
+                    <a:schemeClr val="tx1"/>
+                  </a:solidFill>
+                  <a:latin typeface="+mn-lt"/>
+                  <a:ea typeface="+mn-ea"/>
+                  <a:cs typeface="+mn-cs"/>
+                </a:defRPr>
+              </a:lvl9pPr>
+            </a:lstStyle>
+            <a:p>
+              <a:pPr marL="0" indent="0">
+                <a:buFont typeface="Arial" panose="020B0604020202020204" pitchFamily="34" charset="0"/>
+                <a:buNone/>
+              </a:pPr>
+              <a:r>
+                <a:rPr kumimoji="1" lang="en-US" altLang="ko-KR" dirty="0">
+                  <a:latin typeface="BM JUA OTF" panose="02020603020101020101" pitchFamily="18" charset="-127"/>
+                  <a:ea typeface="BM JUA OTF" panose="02020603020101020101" pitchFamily="18" charset="-127"/>
+                </a:rPr>
+                <a:t>Quiz4.</a:t>
+              </a:r>
+              <a:r>
+                <a:rPr kumimoji="1" lang="ko-KR" altLang="en-US" dirty="0">
+                  <a:latin typeface="BM JUA OTF" panose="02020603020101020101" pitchFamily="18" charset="-127"/>
+                  <a:ea typeface="BM JUA OTF" panose="02020603020101020101" pitchFamily="18" charset="-127"/>
+                </a:rPr>
+                <a:t> 클래스 메소드</a:t>
+              </a:r>
+              <a:endParaRPr lang="en-US" altLang="ko-KR" dirty="0">
+                <a:latin typeface="BM JUA OTF" panose="02020603020101020101" pitchFamily="18" charset="-127"/>
+                <a:ea typeface="BM JUA OTF" panose="02020603020101020101" pitchFamily="18" charset="-127"/>
+              </a:endParaRPr>
+            </a:p>
+            <a:p>
+              <a:pPr marL="0" indent="0">
+                <a:buFont typeface="Arial" panose="020B0604020202020204" pitchFamily="34" charset="0"/>
+                <a:buNone/>
+              </a:pPr>
+              <a:r>
+                <a:rPr lang="en-US" altLang="ko-KR" sz="2300" dirty="0">
+                  <a:latin typeface="BM JUA OTF" panose="02020603020101020101" pitchFamily="18" charset="-127"/>
+                  <a:ea typeface="BM JUA OTF" panose="02020603020101020101" pitchFamily="18" charset="-127"/>
+                </a:rPr>
+                <a:t>&lt;</a:t>
+              </a:r>
+              <a:r>
+                <a:rPr lang="ko-KR" altLang="en-US" sz="2300" dirty="0">
+                  <a:latin typeface="BM JUA OTF" panose="02020603020101020101" pitchFamily="18" charset="-127"/>
+                  <a:ea typeface="BM JUA OTF" panose="02020603020101020101" pitchFamily="18" charset="-127"/>
+                </a:rPr>
+                <a:t>문제</a:t>
+              </a:r>
+              <a:r>
+                <a:rPr lang="en-US" altLang="ko-KR" sz="2300" dirty="0">
+                  <a:latin typeface="BM JUA OTF" panose="02020603020101020101" pitchFamily="18" charset="-127"/>
+                  <a:ea typeface="BM JUA OTF" panose="02020603020101020101" pitchFamily="18" charset="-127"/>
+                </a:rPr>
+                <a:t>&gt;</a:t>
+              </a:r>
+              <a:r>
+                <a:rPr lang="ko-KR" altLang="en-US" sz="2300" dirty="0">
+                  <a:latin typeface="BM JUA OTF" panose="02020603020101020101" pitchFamily="18" charset="-127"/>
+                  <a:ea typeface="BM JUA OTF" panose="02020603020101020101" pitchFamily="18" charset="-127"/>
+                </a:rPr>
+                <a:t> 사람</a:t>
+              </a:r>
+              <a:r>
+                <a:rPr lang="en-US" altLang="ko-KR" sz="2300" dirty="0">
+                  <a:latin typeface="BM JUA OTF" panose="02020603020101020101" pitchFamily="18" charset="-127"/>
+                  <a:ea typeface="BM JUA OTF" panose="02020603020101020101" pitchFamily="18" charset="-127"/>
+                </a:rPr>
+                <a:t>(Human) </a:t>
+              </a:r>
+              <a:r>
+                <a:rPr lang="ko-KR" altLang="en-US" sz="2300" dirty="0">
+                  <a:latin typeface="BM JUA OTF" panose="02020603020101020101" pitchFamily="18" charset="-127"/>
+                  <a:ea typeface="BM JUA OTF" panose="02020603020101020101" pitchFamily="18" charset="-127"/>
+                </a:rPr>
+                <a:t>클래스에서 이름</a:t>
+              </a:r>
+              <a:r>
+                <a:rPr lang="en-US" altLang="ko-KR" sz="2300" dirty="0">
+                  <a:latin typeface="BM JUA OTF" panose="02020603020101020101" pitchFamily="18" charset="-127"/>
+                  <a:ea typeface="BM JUA OTF" panose="02020603020101020101" pitchFamily="18" charset="-127"/>
+                </a:rPr>
+                <a:t>,</a:t>
+              </a:r>
+              <a:r>
+                <a:rPr lang="ko-KR" altLang="en-US" sz="2300" dirty="0">
+                  <a:latin typeface="BM JUA OTF" panose="02020603020101020101" pitchFamily="18" charset="-127"/>
+                  <a:ea typeface="BM JUA OTF" panose="02020603020101020101" pitchFamily="18" charset="-127"/>
+                </a:rPr>
+                <a:t> 나이</a:t>
+              </a:r>
+              <a:r>
+                <a:rPr lang="en-US" altLang="ko-KR" sz="2300" dirty="0">
+                  <a:latin typeface="BM JUA OTF" panose="02020603020101020101" pitchFamily="18" charset="-127"/>
+                  <a:ea typeface="BM JUA OTF" panose="02020603020101020101" pitchFamily="18" charset="-127"/>
+                </a:rPr>
+                <a:t>,</a:t>
+              </a:r>
+              <a:r>
+                <a:rPr lang="ko-KR" altLang="en-US" sz="2300" dirty="0">
+                  <a:latin typeface="BM JUA OTF" panose="02020603020101020101" pitchFamily="18" charset="-127"/>
+                  <a:ea typeface="BM JUA OTF" panose="02020603020101020101" pitchFamily="18" charset="-127"/>
+                </a:rPr>
+                <a:t> 성별을 출력하는 </a:t>
+              </a:r>
+              <a:r>
+                <a:rPr lang="en-US" altLang="ko-KR" sz="2300" dirty="0">
+                  <a:latin typeface="BM JUA OTF" panose="02020603020101020101" pitchFamily="18" charset="-127"/>
+                  <a:ea typeface="BM JUA OTF" panose="02020603020101020101" pitchFamily="18" charset="-127"/>
+                </a:rPr>
+                <a:t>who() </a:t>
+              </a:r>
+              <a:r>
+                <a:rPr lang="ko-KR" altLang="en-US" sz="2300" dirty="0">
+                  <a:latin typeface="BM JUA OTF" panose="02020603020101020101" pitchFamily="18" charset="-127"/>
+                  <a:ea typeface="BM JUA OTF" panose="02020603020101020101" pitchFamily="18" charset="-127"/>
+                </a:rPr>
+                <a:t>메소드를 추가하세요</a:t>
+              </a:r>
+              <a:r>
+                <a:rPr lang="en-US" altLang="ko-KR" sz="2300" dirty="0">
+                  <a:latin typeface="BM JUA OTF" panose="02020603020101020101" pitchFamily="18" charset="-127"/>
+                  <a:ea typeface="BM JUA OTF" panose="02020603020101020101" pitchFamily="18" charset="-127"/>
+                </a:rPr>
+                <a:t>.</a:t>
+              </a:r>
+            </a:p>
+            <a:p>
+              <a:pPr marL="0" indent="0">
+                <a:buFont typeface="Arial" panose="020B0604020202020204" pitchFamily="34" charset="0"/>
+                <a:buNone/>
+              </a:pPr>
+              <a:endParaRPr lang="en-US" altLang="ko-KR" sz="2300" dirty="0">
+                <a:latin typeface="BM JUA OTF" panose="02020603020101020101" pitchFamily="18" charset="-127"/>
+                <a:ea typeface="BM JUA OTF" panose="02020603020101020101" pitchFamily="18" charset="-127"/>
+              </a:endParaRPr>
+            </a:p>
+            <a:p>
+              <a:pPr marL="0" indent="0">
+                <a:buFont typeface="Arial" panose="020B0604020202020204" pitchFamily="34" charset="0"/>
+                <a:buNone/>
+              </a:pPr>
+              <a:endParaRPr lang="en-US" altLang="ko-KR" sz="2300" dirty="0">
+                <a:latin typeface="BM JUA OTF" panose="02020603020101020101" pitchFamily="18" charset="-127"/>
+                <a:ea typeface="BM JUA OTF" panose="02020603020101020101" pitchFamily="18" charset="-127"/>
+              </a:endParaRPr>
+            </a:p>
+            <a:p>
+              <a:pPr marL="0" indent="0">
+                <a:buFont typeface="Arial" panose="020B0604020202020204" pitchFamily="34" charset="0"/>
+                <a:buNone/>
+              </a:pPr>
+              <a:endParaRPr lang="en-US" altLang="ko-KR" sz="2300" dirty="0">
+                <a:latin typeface="BM JUA OTF" panose="02020603020101020101" pitchFamily="18" charset="-127"/>
+                <a:ea typeface="BM JUA OTF" panose="02020603020101020101" pitchFamily="18" charset="-127"/>
+              </a:endParaRPr>
+            </a:p>
+            <a:p>
+              <a:pPr marL="0" indent="0">
+                <a:buFont typeface="Arial" panose="020B0604020202020204" pitchFamily="34" charset="0"/>
+                <a:buNone/>
+              </a:pPr>
+              <a:endParaRPr lang="en-US" altLang="ko-KR" sz="2300" dirty="0">
+                <a:latin typeface="BM JUA OTF" panose="02020603020101020101" pitchFamily="18" charset="-127"/>
+                <a:ea typeface="BM JUA OTF" panose="02020603020101020101" pitchFamily="18" charset="-127"/>
+              </a:endParaRPr>
+            </a:p>
+            <a:p>
+              <a:pPr marL="0" indent="0">
+                <a:buFont typeface="Arial" panose="020B0604020202020204" pitchFamily="34" charset="0"/>
+                <a:buNone/>
+              </a:pPr>
+              <a:endParaRPr lang="en-US" altLang="ko-KR" sz="2300" dirty="0">
+                <a:latin typeface="BM JUA OTF" panose="02020603020101020101" pitchFamily="18" charset="-127"/>
+                <a:ea typeface="BM JUA OTF" panose="02020603020101020101" pitchFamily="18" charset="-127"/>
+              </a:endParaRPr>
+            </a:p>
+            <a:p>
+              <a:pPr marL="0" indent="0">
+                <a:buFont typeface="Arial" panose="020B0604020202020204" pitchFamily="34" charset="0"/>
+                <a:buNone/>
+              </a:pPr>
+              <a:endParaRPr lang="en-US" altLang="ko-KR" sz="2300" dirty="0">
+                <a:latin typeface="BM JUA OTF" panose="02020603020101020101" pitchFamily="18" charset="-127"/>
+                <a:ea typeface="BM JUA OTF" panose="02020603020101020101" pitchFamily="18" charset="-127"/>
+              </a:endParaRPr>
+            </a:p>
+            <a:p>
+              <a:pPr marL="0" indent="0">
+                <a:buFont typeface="Arial" panose="020B0604020202020204" pitchFamily="34" charset="0"/>
+                <a:buNone/>
+              </a:pPr>
+              <a:endParaRPr lang="en-US" altLang="ko-KR" sz="2300" dirty="0">
+                <a:latin typeface="BM JUA OTF" panose="02020603020101020101" pitchFamily="18" charset="-127"/>
+                <a:ea typeface="BM JUA OTF" panose="02020603020101020101" pitchFamily="18" charset="-127"/>
+              </a:endParaRPr>
+            </a:p>
+            <a:p>
+              <a:pPr marL="0" indent="0">
+                <a:buFont typeface="Arial" panose="020B0604020202020204" pitchFamily="34" charset="0"/>
+                <a:buNone/>
+              </a:pPr>
+              <a:r>
+                <a:rPr lang="en-US" altLang="ko-KR" sz="2300" dirty="0">
+                  <a:latin typeface="BM JUA OTF" panose="02020603020101020101" pitchFamily="18" charset="-127"/>
+                  <a:ea typeface="BM JUA OTF" panose="02020603020101020101" pitchFamily="18" charset="-127"/>
+                </a:rPr>
+                <a:t>&lt;</a:t>
+              </a:r>
+              <a:r>
+                <a:rPr lang="ko-KR" altLang="en-US" sz="2300" dirty="0">
+                  <a:latin typeface="BM JUA OTF" panose="02020603020101020101" pitchFamily="18" charset="-127"/>
+                  <a:ea typeface="BM JUA OTF" panose="02020603020101020101" pitchFamily="18" charset="-127"/>
+                </a:rPr>
+                <a:t>출력</a:t>
+              </a:r>
+              <a:r>
+                <a:rPr lang="en-US" altLang="ko-KR" sz="2300" dirty="0">
+                  <a:latin typeface="BM JUA OTF" panose="02020603020101020101" pitchFamily="18" charset="-127"/>
+                  <a:ea typeface="BM JUA OTF" panose="02020603020101020101" pitchFamily="18" charset="-127"/>
+                </a:rPr>
+                <a:t>&gt;</a:t>
+              </a:r>
+              <a:r>
+                <a:rPr lang="ko-KR" altLang="en-US" sz="2300" dirty="0">
+                  <a:latin typeface="BM JUA OTF" panose="02020603020101020101" pitchFamily="18" charset="-127"/>
+                  <a:ea typeface="BM JUA OTF" panose="02020603020101020101" pitchFamily="18" charset="-127"/>
+                </a:rPr>
+                <a:t> </a:t>
+              </a:r>
+              <a:endParaRPr lang="en-US" altLang="ko-KR" sz="2300" dirty="0">
+                <a:latin typeface="BM JUA OTF" panose="02020603020101020101" pitchFamily="18" charset="-127"/>
+                <a:ea typeface="BM JUA OTF" panose="02020603020101020101" pitchFamily="18" charset="-127"/>
+              </a:endParaRPr>
+            </a:p>
+            <a:p>
+              <a:endParaRPr lang="en-US" altLang="ko-KR" sz="2300" dirty="0">
+                <a:latin typeface="BM JUA OTF" panose="02020603020101020101" pitchFamily="18" charset="-127"/>
+                <a:ea typeface="BM JUA OTF" panose="02020603020101020101" pitchFamily="18" charset="-127"/>
+              </a:endParaRPr>
+            </a:p>
+            <a:p>
+              <a:endParaRPr lang="en-US" altLang="ko-KR" sz="2300" dirty="0">
+                <a:latin typeface="BM JUA OTF" panose="02020603020101020101" pitchFamily="18" charset="-127"/>
+                <a:ea typeface="BM JUA OTF" panose="02020603020101020101" pitchFamily="18" charset="-127"/>
+              </a:endParaRPr>
+            </a:p>
+          </p:txBody>
+        </p:sp>
+        <p:grpSp>
+          <p:nvGrpSpPr>
+            <p:cNvPr id="7" name="그룹 6">
+              <a:extLst>
+                <a:ext uri="{FF2B5EF4-FFF2-40B4-BE49-F238E27FC236}">
+                  <a16:creationId xmlns:a16="http://schemas.microsoft.com/office/drawing/2014/main" id="{BCDA05CE-64E7-E2D2-67EC-CB161DCC82B6}"/>
+                </a:ext>
+              </a:extLst>
+            </p:cNvPr>
+            <p:cNvGrpSpPr/>
+            <p:nvPr/>
+          </p:nvGrpSpPr>
+          <p:grpSpPr>
+            <a:xfrm>
+              <a:off x="1757636" y="1536700"/>
+              <a:ext cx="8143109" cy="3497755"/>
+              <a:chOff x="958850" y="2871514"/>
+              <a:chExt cx="9025978" cy="3784600"/>
+            </a:xfrm>
+          </p:grpSpPr>
+          <p:pic>
+            <p:nvPicPr>
+              <p:cNvPr id="3" name="그림 2" descr="텍스트, 모니터, 화면, 스크린샷이(가) 표시된 사진&#10;&#10;자동 생성된 설명">
+                <a:extLst>
+                  <a:ext uri="{FF2B5EF4-FFF2-40B4-BE49-F238E27FC236}">
+                    <a16:creationId xmlns:a16="http://schemas.microsoft.com/office/drawing/2014/main" id="{2589FA78-DCC1-B23E-087E-E85DFE3BFAFC}"/>
+                  </a:ext>
+                </a:extLst>
+              </p:cNvPr>
+              <p:cNvPicPr>
+                <a:picLocks noChangeAspect="1"/>
+              </p:cNvPicPr>
+              <p:nvPr/>
+            </p:nvPicPr>
+            <p:blipFill rotWithShape="1">
+              <a:blip r:embed="rId2"/>
+              <a:srcRect r="12150"/>
+              <a:stretch/>
+            </p:blipFill>
+            <p:spPr>
+              <a:xfrm>
+                <a:off x="958850" y="2871514"/>
+                <a:ext cx="9025978" cy="3784600"/>
+              </a:xfrm>
+              <a:prstGeom prst="rect">
+                <a:avLst/>
+              </a:prstGeom>
+            </p:spPr>
+          </p:pic>
+          <p:pic>
+            <p:nvPicPr>
+              <p:cNvPr id="6" name="그림 5">
+                <a:extLst>
+                  <a:ext uri="{FF2B5EF4-FFF2-40B4-BE49-F238E27FC236}">
+                    <a16:creationId xmlns:a16="http://schemas.microsoft.com/office/drawing/2014/main" id="{C623BC82-BA18-C94C-99CF-4DAD237A91DB}"/>
+                  </a:ext>
+                </a:extLst>
+              </p:cNvPr>
+              <p:cNvPicPr>
+                <a:picLocks noChangeAspect="1"/>
+              </p:cNvPicPr>
+              <p:nvPr/>
+            </p:nvPicPr>
+            <p:blipFill rotWithShape="1">
+              <a:blip r:embed="rId3"/>
+              <a:srcRect r="13073"/>
+              <a:stretch/>
+            </p:blipFill>
+            <p:spPr>
+              <a:xfrm>
+                <a:off x="1630749" y="3199542"/>
+                <a:ext cx="8217444" cy="1892300"/>
+              </a:xfrm>
+              <a:prstGeom prst="rect">
+                <a:avLst/>
+              </a:prstGeom>
+            </p:spPr>
+          </p:pic>
+        </p:grpSp>
+      </p:grpSp>
+    </p:spTree>
+    <p:extLst>
+      <p:ext uri="{BB962C8B-B14F-4D97-AF65-F5344CB8AC3E}">
+        <p14:creationId xmlns:p14="http://schemas.microsoft.com/office/powerpoint/2010/main" val="2710214904"/>
+      </p:ext>
+    </p:extLst>
+  </p:cSld>
+  <p:clrMapOvr>
+    <a:masterClrMapping/>
+  </p:clrMapOvr>
+</p:sld>
+</file>
+
+<file path=ppt/slides/slide6.xml><?xml version="1.0" encoding="utf-8"?>
+<p:sld xmlns:a="http://schemas.openxmlformats.org/drawingml/2006/main" xmlns:r="http://schemas.openxmlformats.org/officeDocument/2006/relationships" xmlns:p="http://schemas.openxmlformats.org/presentationml/2006/main">
+  <p:cSld>
+    <p:spTree>
+      <p:nvGrpSpPr>
+        <p:cNvPr id="1" name=""/>
+        <p:cNvGrpSpPr/>
+        <p:nvPr/>
+      </p:nvGrpSpPr>
+      <p:grpSpPr>
+        <a:xfrm>
+          <a:off x="0" y="0"/>
+          <a:ext cx="0" cy="0"/>
+          <a:chOff x="0" y="0"/>
+          <a:chExt cx="0" cy="0"/>
+        </a:xfrm>
+      </p:grpSpPr>
+      <p:grpSp>
+        <p:nvGrpSpPr>
+          <p:cNvPr id="14" name="그룹 13">
+            <a:extLst>
+              <a:ext uri="{FF2B5EF4-FFF2-40B4-BE49-F238E27FC236}">
+                <a16:creationId xmlns:a16="http://schemas.microsoft.com/office/drawing/2014/main" id="{549BD444-81A4-2422-3355-A8F5F946C082}"/>
+              </a:ext>
+            </a:extLst>
+          </p:cNvPr>
+          <p:cNvGrpSpPr/>
+          <p:nvPr/>
+        </p:nvGrpSpPr>
+        <p:grpSpPr>
+          <a:xfrm>
+            <a:off x="1025217" y="606993"/>
+            <a:ext cx="10515600" cy="5751765"/>
+            <a:chOff x="1025217" y="606993"/>
+            <a:chExt cx="10515600" cy="5751765"/>
+          </a:xfrm>
+        </p:grpSpPr>
+        <p:sp>
+          <p:nvSpPr>
+            <p:cNvPr id="10" name="내용 개체 틀 2">
+              <a:extLst>
+                <a:ext uri="{FF2B5EF4-FFF2-40B4-BE49-F238E27FC236}">
+                  <a16:creationId xmlns:a16="http://schemas.microsoft.com/office/drawing/2014/main" id="{977B3EE7-7BBE-AF7C-1920-F38004465A00}"/>
+                </a:ext>
+              </a:extLst>
+            </p:cNvPr>
+            <p:cNvSpPr txBox="1">
+              <a:spLocks/>
+            </p:cNvSpPr>
+            <p:nvPr/>
+          </p:nvSpPr>
+          <p:spPr>
+            <a:xfrm>
+              <a:off x="1025217" y="606993"/>
+              <a:ext cx="10515600" cy="5751765"/>
+            </a:xfrm>
+            <a:prstGeom prst="rect">
+              <a:avLst/>
+            </a:prstGeom>
+          </p:spPr>
+          <p:txBody>
+            <a:bodyPr>
+              <a:normAutofit/>
+            </a:bodyPr>
+            <a:lstStyle>
+              <a:lvl1pPr marL="228600" indent="-228600" algn="l" defTabSz="914400" rtl="0" eaLnBrk="1" latinLnBrk="0" hangingPunct="1">
+                <a:lnSpc>
+                  <a:spcPct val="90000"/>
+                </a:lnSpc>
+                <a:spcBef>
+                  <a:spcPts val="1000"/>
+                </a:spcBef>
+                <a:buFont typeface="Arial" panose="020B0604020202020204" pitchFamily="34" charset="0"/>
+                <a:buChar char="•"/>
+                <a:defRPr sz="2800" kern="1200">
+                  <a:solidFill>
+                    <a:schemeClr val="tx1"/>
+                  </a:solidFill>
+                  <a:latin typeface="+mn-lt"/>
+                  <a:ea typeface="+mn-ea"/>
+                  <a:cs typeface="+mn-cs"/>
+                </a:defRPr>
+              </a:lvl1pPr>
+              <a:lvl2pPr marL="685800" indent="-228600" algn="l" defTabSz="914400" rtl="0" eaLnBrk="1" latinLnBrk="0" hangingPunct="1">
+                <a:lnSpc>
+                  <a:spcPct val="90000"/>
+                </a:lnSpc>
+                <a:spcBef>
+                  <a:spcPts val="500"/>
+                </a:spcBef>
+                <a:buFont typeface="Arial" panose="020B0604020202020204" pitchFamily="34" charset="0"/>
+                <a:buChar char="•"/>
+                <a:defRPr sz="2400" kern="1200">
+                  <a:solidFill>
+                    <a:schemeClr val="tx1"/>
+                  </a:solidFill>
+                  <a:latin typeface="+mn-lt"/>
+                  <a:ea typeface="+mn-ea"/>
+                  <a:cs typeface="+mn-cs"/>
+                </a:defRPr>
+              </a:lvl2pPr>
+              <a:lvl3pPr marL="1143000" indent="-228600" algn="l" defTabSz="914400" rtl="0" eaLnBrk="1" latinLnBrk="0" hangingPunct="1">
+                <a:lnSpc>
+                  <a:spcPct val="90000"/>
+                </a:lnSpc>
+                <a:spcBef>
+                  <a:spcPts val="500"/>
+                </a:spcBef>
+                <a:buFont typeface="Arial" panose="020B0604020202020204" pitchFamily="34" charset="0"/>
+                <a:buChar char="•"/>
+                <a:defRPr sz="2000" kern="1200">
+                  <a:solidFill>
+                    <a:schemeClr val="tx1"/>
+                  </a:solidFill>
+                  <a:latin typeface="+mn-lt"/>
+                  <a:ea typeface="+mn-ea"/>
+                  <a:cs typeface="+mn-cs"/>
+                </a:defRPr>
+              </a:lvl3pPr>
+              <a:lvl4pPr marL="1600200" indent="-228600" algn="l" defTabSz="914400" rtl="0" eaLnBrk="1" latinLnBrk="0" hangingPunct="1">
+                <a:lnSpc>
+                  <a:spcPct val="90000"/>
+                </a:lnSpc>
+                <a:spcBef>
+                  <a:spcPts val="500"/>
+                </a:spcBef>
+                <a:buFont typeface="Arial" panose="020B0604020202020204" pitchFamily="34" charset="0"/>
+                <a:buChar char="•"/>
+                <a:defRPr sz="1800" kern="1200">
+                  <a:solidFill>
+                    <a:schemeClr val="tx1"/>
+                  </a:solidFill>
+                  <a:latin typeface="+mn-lt"/>
+                  <a:ea typeface="+mn-ea"/>
+                  <a:cs typeface="+mn-cs"/>
+                </a:defRPr>
+              </a:lvl4pPr>
+              <a:lvl5pPr marL="2057400" indent="-228600" algn="l" defTabSz="914400" rtl="0" eaLnBrk="1" latinLnBrk="0" hangingPunct="1">
+                <a:lnSpc>
+                  <a:spcPct val="90000"/>
+                </a:lnSpc>
+                <a:spcBef>
+                  <a:spcPts val="500"/>
+                </a:spcBef>
+                <a:buFont typeface="Arial" panose="020B0604020202020204" pitchFamily="34" charset="0"/>
+                <a:buChar char="•"/>
+                <a:defRPr sz="1800" kern="1200">
+                  <a:solidFill>
+                    <a:schemeClr val="tx1"/>
+                  </a:solidFill>
+                  <a:latin typeface="+mn-lt"/>
+                  <a:ea typeface="+mn-ea"/>
+                  <a:cs typeface="+mn-cs"/>
+                </a:defRPr>
+              </a:lvl5pPr>
+              <a:lvl6pPr marL="2514600" indent="-228600" algn="l" defTabSz="914400" rtl="0" eaLnBrk="1" latinLnBrk="0" hangingPunct="1">
+                <a:lnSpc>
+                  <a:spcPct val="90000"/>
+                </a:lnSpc>
+                <a:spcBef>
+                  <a:spcPts val="500"/>
+                </a:spcBef>
+                <a:buFont typeface="Arial" panose="020B0604020202020204" pitchFamily="34" charset="0"/>
+                <a:buChar char="•"/>
+                <a:defRPr sz="1800" kern="1200">
+                  <a:solidFill>
+                    <a:schemeClr val="tx1"/>
+                  </a:solidFill>
+                  <a:latin typeface="+mn-lt"/>
+                  <a:ea typeface="+mn-ea"/>
+                  <a:cs typeface="+mn-cs"/>
+                </a:defRPr>
+              </a:lvl6pPr>
+              <a:lvl7pPr marL="2971800" indent="-228600" algn="l" defTabSz="914400" rtl="0" eaLnBrk="1" latinLnBrk="0" hangingPunct="1">
+                <a:lnSpc>
+                  <a:spcPct val="90000"/>
+                </a:lnSpc>
+                <a:spcBef>
+                  <a:spcPts val="500"/>
+                </a:spcBef>
+                <a:buFont typeface="Arial" panose="020B0604020202020204" pitchFamily="34" charset="0"/>
+                <a:buChar char="•"/>
+                <a:defRPr sz="1800" kern="1200">
+                  <a:solidFill>
+                    <a:schemeClr val="tx1"/>
+                  </a:solidFill>
+                  <a:latin typeface="+mn-lt"/>
+                  <a:ea typeface="+mn-ea"/>
+                  <a:cs typeface="+mn-cs"/>
+                </a:defRPr>
+              </a:lvl7pPr>
+              <a:lvl8pPr marL="3429000" indent="-228600" algn="l" defTabSz="914400" rtl="0" eaLnBrk="1" latinLnBrk="0" hangingPunct="1">
+                <a:lnSpc>
+                  <a:spcPct val="90000"/>
+                </a:lnSpc>
+                <a:spcBef>
+                  <a:spcPts val="500"/>
+                </a:spcBef>
+                <a:buFont typeface="Arial" panose="020B0604020202020204" pitchFamily="34" charset="0"/>
+                <a:buChar char="•"/>
+                <a:defRPr sz="1800" kern="1200">
+                  <a:solidFill>
+                    <a:schemeClr val="tx1"/>
+                  </a:solidFill>
+                  <a:latin typeface="+mn-lt"/>
+                  <a:ea typeface="+mn-ea"/>
+                  <a:cs typeface="+mn-cs"/>
+                </a:defRPr>
+              </a:lvl8pPr>
+              <a:lvl9pPr marL="3886200" indent="-228600" algn="l" defTabSz="914400" rtl="0" eaLnBrk="1" latinLnBrk="0" hangingPunct="1">
+                <a:lnSpc>
+                  <a:spcPct val="90000"/>
+                </a:lnSpc>
+                <a:spcBef>
+                  <a:spcPts val="500"/>
+                </a:spcBef>
+                <a:buFont typeface="Arial" panose="020B0604020202020204" pitchFamily="34" charset="0"/>
+                <a:buChar char="•"/>
+                <a:defRPr sz="1800" kern="1200">
+                  <a:solidFill>
+                    <a:schemeClr val="tx1"/>
+                  </a:solidFill>
+                  <a:latin typeface="+mn-lt"/>
+                  <a:ea typeface="+mn-ea"/>
+                  <a:cs typeface="+mn-cs"/>
+                </a:defRPr>
+              </a:lvl9pPr>
+            </a:lstStyle>
+            <a:p>
+              <a:pPr marL="0" indent="0">
+                <a:buFont typeface="Arial" panose="020B0604020202020204" pitchFamily="34" charset="0"/>
+                <a:buNone/>
+              </a:pPr>
+              <a:r>
+                <a:rPr kumimoji="1" lang="en-US" altLang="ko-KR" dirty="0">
+                  <a:latin typeface="BM JUA OTF" panose="02020603020101020101" pitchFamily="18" charset="-127"/>
+                  <a:ea typeface="BM JUA OTF" panose="02020603020101020101" pitchFamily="18" charset="-127"/>
+                </a:rPr>
+                <a:t>Quiz5.</a:t>
+              </a:r>
+              <a:r>
+                <a:rPr kumimoji="1" lang="ko-KR" altLang="en-US" dirty="0">
+                  <a:latin typeface="BM JUA OTF" panose="02020603020101020101" pitchFamily="18" charset="-127"/>
+                  <a:ea typeface="BM JUA OTF" panose="02020603020101020101" pitchFamily="18" charset="-127"/>
+                </a:rPr>
+                <a:t> </a:t>
+              </a:r>
+              <a:r>
+                <a:rPr kumimoji="1" lang="en-US" altLang="ko-KR" dirty="0">
+                  <a:latin typeface="BM JUA OTF" panose="02020603020101020101" pitchFamily="18" charset="-127"/>
+                  <a:ea typeface="BM JUA OTF" panose="02020603020101020101" pitchFamily="18" charset="-127"/>
+                </a:rPr>
+                <a:t>Account </a:t>
+              </a:r>
+              <a:r>
+                <a:rPr kumimoji="1" lang="ko-KR" altLang="en-US" dirty="0">
+                  <a:latin typeface="BM JUA OTF" panose="02020603020101020101" pitchFamily="18" charset="-127"/>
+                  <a:ea typeface="BM JUA OTF" panose="02020603020101020101" pitchFamily="18" charset="-127"/>
+                </a:rPr>
+                <a:t>클래스 만들기</a:t>
+              </a:r>
+              <a:endParaRPr lang="en-US" altLang="ko-KR" dirty="0">
+                <a:latin typeface="BM JUA OTF" panose="02020603020101020101" pitchFamily="18" charset="-127"/>
+                <a:ea typeface="BM JUA OTF" panose="02020603020101020101" pitchFamily="18" charset="-127"/>
+              </a:endParaRPr>
+            </a:p>
+            <a:p>
+              <a:pPr marL="0" indent="0">
+                <a:buFont typeface="Arial" panose="020B0604020202020204" pitchFamily="34" charset="0"/>
+                <a:buNone/>
+              </a:pPr>
+              <a:r>
+                <a:rPr lang="en-US" altLang="ko-KR" sz="2300" dirty="0">
+                  <a:latin typeface="BM JUA OTF" panose="02020603020101020101" pitchFamily="18" charset="-127"/>
+                  <a:ea typeface="BM JUA OTF" panose="02020603020101020101" pitchFamily="18" charset="-127"/>
+                </a:rPr>
+                <a:t>&lt;</a:t>
+              </a:r>
+              <a:r>
+                <a:rPr lang="ko-KR" altLang="en-US" sz="2300" dirty="0">
+                  <a:latin typeface="BM JUA OTF" panose="02020603020101020101" pitchFamily="18" charset="-127"/>
+                  <a:ea typeface="BM JUA OTF" panose="02020603020101020101" pitchFamily="18" charset="-127"/>
+                </a:rPr>
+                <a:t>문제</a:t>
+              </a:r>
+              <a:r>
+                <a:rPr lang="en-US" altLang="ko-KR" sz="2300" dirty="0">
+                  <a:latin typeface="BM JUA OTF" panose="02020603020101020101" pitchFamily="18" charset="-127"/>
+                  <a:ea typeface="BM JUA OTF" panose="02020603020101020101" pitchFamily="18" charset="-127"/>
+                </a:rPr>
+                <a:t>&gt;</a:t>
+              </a:r>
+              <a:r>
+                <a:rPr lang="ko-KR" altLang="en-US" sz="2300" dirty="0">
+                  <a:latin typeface="BM JUA OTF" panose="02020603020101020101" pitchFamily="18" charset="-127"/>
+                  <a:ea typeface="BM JUA OTF" panose="02020603020101020101" pitchFamily="18" charset="-127"/>
+                </a:rPr>
+                <a:t> 은행에 가서 계좌를 개설하면 은행이름</a:t>
+              </a:r>
+              <a:r>
+                <a:rPr lang="en-US" altLang="ko-KR" sz="2300" dirty="0">
+                  <a:latin typeface="BM JUA OTF" panose="02020603020101020101" pitchFamily="18" charset="-127"/>
+                  <a:ea typeface="BM JUA OTF" panose="02020603020101020101" pitchFamily="18" charset="-127"/>
+                </a:rPr>
+                <a:t>,</a:t>
+              </a:r>
+              <a:r>
+                <a:rPr lang="ko-KR" altLang="en-US" sz="2300" dirty="0">
+                  <a:latin typeface="BM JUA OTF" panose="02020603020101020101" pitchFamily="18" charset="-127"/>
+                  <a:ea typeface="BM JUA OTF" panose="02020603020101020101" pitchFamily="18" charset="-127"/>
+                </a:rPr>
+                <a:t> 예금주</a:t>
+              </a:r>
+              <a:r>
+                <a:rPr lang="en-US" altLang="ko-KR" sz="2300" dirty="0">
+                  <a:latin typeface="BM JUA OTF" panose="02020603020101020101" pitchFamily="18" charset="-127"/>
+                  <a:ea typeface="BM JUA OTF" panose="02020603020101020101" pitchFamily="18" charset="-127"/>
+                </a:rPr>
+                <a:t>,</a:t>
+              </a:r>
+              <a:r>
+                <a:rPr lang="ko-KR" altLang="en-US" sz="2300" dirty="0">
+                  <a:latin typeface="BM JUA OTF" panose="02020603020101020101" pitchFamily="18" charset="-127"/>
+                  <a:ea typeface="BM JUA OTF" panose="02020603020101020101" pitchFamily="18" charset="-127"/>
+                </a:rPr>
+                <a:t> 계좌번호</a:t>
+              </a:r>
+              <a:r>
+                <a:rPr lang="en-US" altLang="ko-KR" sz="2300" dirty="0">
+                  <a:latin typeface="BM JUA OTF" panose="02020603020101020101" pitchFamily="18" charset="-127"/>
+                  <a:ea typeface="BM JUA OTF" panose="02020603020101020101" pitchFamily="18" charset="-127"/>
+                </a:rPr>
+                <a:t>,</a:t>
+              </a:r>
+              <a:r>
+                <a:rPr lang="ko-KR" altLang="en-US" sz="2300" dirty="0">
+                  <a:latin typeface="BM JUA OTF" panose="02020603020101020101" pitchFamily="18" charset="-127"/>
+                  <a:ea typeface="BM JUA OTF" panose="02020603020101020101" pitchFamily="18" charset="-127"/>
+                </a:rPr>
+                <a:t> 잔액이 설정됩니다</a:t>
+              </a:r>
+              <a:r>
+                <a:rPr lang="en-US" altLang="ko-KR" sz="2300" dirty="0">
+                  <a:latin typeface="BM JUA OTF" panose="02020603020101020101" pitchFamily="18" charset="-127"/>
+                  <a:ea typeface="BM JUA OTF" panose="02020603020101020101" pitchFamily="18" charset="-127"/>
+                </a:rPr>
+                <a:t>.</a:t>
+              </a:r>
+              <a:r>
+                <a:rPr lang="ko-KR" altLang="en-US" sz="2300" dirty="0">
+                  <a:latin typeface="BM JUA OTF" panose="02020603020101020101" pitchFamily="18" charset="-127"/>
+                  <a:ea typeface="BM JUA OTF" panose="02020603020101020101" pitchFamily="18" charset="-127"/>
+                </a:rPr>
+                <a:t> </a:t>
+              </a:r>
+              <a:r>
+                <a:rPr lang="en-US" altLang="ko-KR" sz="2300" dirty="0">
+                  <a:latin typeface="BM JUA OTF" panose="02020603020101020101" pitchFamily="18" charset="-127"/>
+                  <a:ea typeface="BM JUA OTF" panose="02020603020101020101" pitchFamily="18" charset="-127"/>
+                </a:rPr>
+                <a:t>Account</a:t>
+              </a:r>
+              <a:r>
+                <a:rPr lang="ko-KR" altLang="en-US" sz="2300" dirty="0">
+                  <a:latin typeface="BM JUA OTF" panose="02020603020101020101" pitchFamily="18" charset="-127"/>
+                  <a:ea typeface="BM JUA OTF" panose="02020603020101020101" pitchFamily="18" charset="-127"/>
+                </a:rPr>
+                <a:t> 클래스를 생성한 후 생성자를 구현해보세요</a:t>
+              </a:r>
+              <a:r>
+                <a:rPr lang="en-US" altLang="ko-KR" sz="2300" dirty="0">
+                  <a:latin typeface="BM JUA OTF" panose="02020603020101020101" pitchFamily="18" charset="-127"/>
+                  <a:ea typeface="BM JUA OTF" panose="02020603020101020101" pitchFamily="18" charset="-127"/>
+                </a:rPr>
+                <a:t>.</a:t>
+              </a:r>
+              <a:r>
+                <a:rPr lang="ko-KR" altLang="en-US" sz="2300" dirty="0">
+                  <a:latin typeface="BM JUA OTF" panose="02020603020101020101" pitchFamily="18" charset="-127"/>
+                  <a:ea typeface="BM JUA OTF" panose="02020603020101020101" pitchFamily="18" charset="-127"/>
+                </a:rPr>
+                <a:t> 생성자에서는 예금주와 초기 잔액만 입력 받습니다</a:t>
+              </a:r>
+              <a:r>
+                <a:rPr lang="en-US" altLang="ko-KR" sz="2300" dirty="0">
+                  <a:latin typeface="BM JUA OTF" panose="02020603020101020101" pitchFamily="18" charset="-127"/>
+                  <a:ea typeface="BM JUA OTF" panose="02020603020101020101" pitchFamily="18" charset="-127"/>
+                </a:rPr>
+                <a:t>.</a:t>
+              </a:r>
+              <a:r>
+                <a:rPr lang="ko-KR" altLang="en-US" sz="2300" dirty="0">
+                  <a:latin typeface="BM JUA OTF" panose="02020603020101020101" pitchFamily="18" charset="-127"/>
+                  <a:ea typeface="BM JUA OTF" panose="02020603020101020101" pitchFamily="18" charset="-127"/>
+                </a:rPr>
+                <a:t> 은행이름은 </a:t>
+              </a:r>
+              <a:r>
+                <a:rPr lang="en-US" altLang="ko-KR" sz="2300" dirty="0">
+                  <a:latin typeface="BM JUA OTF" panose="02020603020101020101" pitchFamily="18" charset="-127"/>
+                  <a:ea typeface="BM JUA OTF" panose="02020603020101020101" pitchFamily="18" charset="-127"/>
+                </a:rPr>
+                <a:t>SC</a:t>
+              </a:r>
+              <a:r>
+                <a:rPr lang="ko-KR" altLang="en-US" sz="2300" dirty="0">
+                  <a:latin typeface="BM JUA OTF" panose="02020603020101020101" pitchFamily="18" charset="-127"/>
+                  <a:ea typeface="BM JUA OTF" panose="02020603020101020101" pitchFamily="18" charset="-127"/>
+                </a:rPr>
+                <a:t>은행으로 계좌번호는 </a:t>
+              </a:r>
+              <a:r>
+                <a:rPr lang="en-US" altLang="ko-KR" sz="2300" dirty="0">
+                  <a:latin typeface="BM JUA OTF" panose="02020603020101020101" pitchFamily="18" charset="-127"/>
+                  <a:ea typeface="BM JUA OTF" panose="02020603020101020101" pitchFamily="18" charset="-127"/>
+                </a:rPr>
+                <a:t>3</a:t>
+              </a:r>
+              <a:r>
+                <a:rPr lang="ko-KR" altLang="en-US" sz="2300" dirty="0">
+                  <a:latin typeface="BM JUA OTF" panose="02020603020101020101" pitchFamily="18" charset="-127"/>
+                  <a:ea typeface="BM JUA OTF" panose="02020603020101020101" pitchFamily="18" charset="-127"/>
+                </a:rPr>
+                <a:t>자리</a:t>
+              </a:r>
+              <a:r>
+                <a:rPr lang="en-US" altLang="ko-KR" sz="2300" dirty="0">
+                  <a:latin typeface="BM JUA OTF" panose="02020603020101020101" pitchFamily="18" charset="-127"/>
+                  <a:ea typeface="BM JUA OTF" panose="02020603020101020101" pitchFamily="18" charset="-127"/>
+                </a:rPr>
+                <a:t>-2</a:t>
+              </a:r>
+              <a:r>
+                <a:rPr lang="ko-KR" altLang="en-US" sz="2300" dirty="0">
+                  <a:latin typeface="BM JUA OTF" panose="02020603020101020101" pitchFamily="18" charset="-127"/>
+                  <a:ea typeface="BM JUA OTF" panose="02020603020101020101" pitchFamily="18" charset="-127"/>
+                </a:rPr>
+                <a:t>자리</a:t>
+              </a:r>
+              <a:r>
+                <a:rPr lang="en-US" altLang="ko-KR" sz="2300" dirty="0">
+                  <a:latin typeface="BM JUA OTF" panose="02020603020101020101" pitchFamily="18" charset="-127"/>
+                  <a:ea typeface="BM JUA OTF" panose="02020603020101020101" pitchFamily="18" charset="-127"/>
+                </a:rPr>
+                <a:t>-6</a:t>
+              </a:r>
+              <a:r>
+                <a:rPr lang="ko-KR" altLang="en-US" sz="2300" dirty="0">
+                  <a:latin typeface="BM JUA OTF" panose="02020603020101020101" pitchFamily="18" charset="-127"/>
+                  <a:ea typeface="BM JUA OTF" panose="02020603020101020101" pitchFamily="18" charset="-127"/>
+                </a:rPr>
+                <a:t>자리 형태로 랜덤하게 생성됩니다</a:t>
+              </a:r>
+              <a:r>
+                <a:rPr lang="en-US" altLang="ko-KR" sz="2300" dirty="0">
+                  <a:latin typeface="BM JUA OTF" panose="02020603020101020101" pitchFamily="18" charset="-127"/>
+                  <a:ea typeface="BM JUA OTF" panose="02020603020101020101" pitchFamily="18" charset="-127"/>
+                </a:rPr>
+                <a:t>.</a:t>
+              </a:r>
+            </a:p>
+            <a:p>
+              <a:pPr marL="0" indent="0">
+                <a:buFont typeface="Arial" panose="020B0604020202020204" pitchFamily="34" charset="0"/>
+                <a:buNone/>
+              </a:pPr>
+              <a:endParaRPr lang="en-US" altLang="ko-KR" sz="2300" dirty="0">
+                <a:latin typeface="BM JUA OTF" panose="02020603020101020101" pitchFamily="18" charset="-127"/>
+                <a:ea typeface="BM JUA OTF" panose="02020603020101020101" pitchFamily="18" charset="-127"/>
+              </a:endParaRPr>
+            </a:p>
+            <a:p>
+              <a:pPr marL="0" indent="0">
+                <a:buFont typeface="Arial" panose="020B0604020202020204" pitchFamily="34" charset="0"/>
+                <a:buNone/>
+              </a:pPr>
+              <a:endParaRPr lang="en-US" altLang="ko-KR" sz="2300" dirty="0">
+                <a:latin typeface="BM JUA OTF" panose="02020603020101020101" pitchFamily="18" charset="-127"/>
+                <a:ea typeface="BM JUA OTF" panose="02020603020101020101" pitchFamily="18" charset="-127"/>
+              </a:endParaRPr>
+            </a:p>
+            <a:p>
+              <a:pPr marL="0" indent="0">
+                <a:buFont typeface="Arial" panose="020B0604020202020204" pitchFamily="34" charset="0"/>
+                <a:buNone/>
+              </a:pPr>
+              <a:endParaRPr lang="en-US" altLang="ko-KR" sz="2300" dirty="0">
+                <a:latin typeface="BM JUA OTF" panose="02020603020101020101" pitchFamily="18" charset="-127"/>
+                <a:ea typeface="BM JUA OTF" panose="02020603020101020101" pitchFamily="18" charset="-127"/>
+              </a:endParaRPr>
+            </a:p>
+            <a:p>
+              <a:pPr marL="0" indent="0">
+                <a:buFont typeface="Arial" panose="020B0604020202020204" pitchFamily="34" charset="0"/>
+                <a:buNone/>
+              </a:pPr>
+              <a:endParaRPr lang="en-US" altLang="ko-KR" sz="2300" dirty="0">
+                <a:latin typeface="BM JUA OTF" panose="02020603020101020101" pitchFamily="18" charset="-127"/>
+                <a:ea typeface="BM JUA OTF" panose="02020603020101020101" pitchFamily="18" charset="-127"/>
+              </a:endParaRPr>
+            </a:p>
+            <a:p>
+              <a:pPr marL="0" indent="0">
+                <a:buFont typeface="Arial" panose="020B0604020202020204" pitchFamily="34" charset="0"/>
+                <a:buNone/>
+              </a:pPr>
+              <a:endParaRPr lang="en-US" altLang="ko-KR" sz="2300" dirty="0">
+                <a:latin typeface="BM JUA OTF" panose="02020603020101020101" pitchFamily="18" charset="-127"/>
+                <a:ea typeface="BM JUA OTF" panose="02020603020101020101" pitchFamily="18" charset="-127"/>
+              </a:endParaRPr>
+            </a:p>
+            <a:p>
+              <a:pPr marL="0" indent="0">
+                <a:buFont typeface="Arial" panose="020B0604020202020204" pitchFamily="34" charset="0"/>
+                <a:buNone/>
+              </a:pPr>
+              <a:endParaRPr lang="en-US" altLang="ko-KR" sz="2300" dirty="0">
+                <a:latin typeface="BM JUA OTF" panose="02020603020101020101" pitchFamily="18" charset="-127"/>
+                <a:ea typeface="BM JUA OTF" panose="02020603020101020101" pitchFamily="18" charset="-127"/>
+              </a:endParaRPr>
+            </a:p>
+            <a:p>
+              <a:pPr marL="0" indent="0">
+                <a:buFont typeface="Arial" panose="020B0604020202020204" pitchFamily="34" charset="0"/>
+                <a:buNone/>
+              </a:pPr>
+              <a:endParaRPr lang="en-US" altLang="ko-KR" sz="2300" dirty="0">
+                <a:latin typeface="BM JUA OTF" panose="02020603020101020101" pitchFamily="18" charset="-127"/>
+                <a:ea typeface="BM JUA OTF" panose="02020603020101020101" pitchFamily="18" charset="-127"/>
+              </a:endParaRPr>
+            </a:p>
+            <a:p>
+              <a:pPr marL="0" indent="0">
+                <a:buFont typeface="Arial" panose="020B0604020202020204" pitchFamily="34" charset="0"/>
+                <a:buNone/>
+              </a:pPr>
+              <a:endParaRPr lang="en-US" altLang="ko-KR" sz="2300" dirty="0">
+                <a:latin typeface="BM JUA OTF" panose="02020603020101020101" pitchFamily="18" charset="-127"/>
+                <a:ea typeface="BM JUA OTF" panose="02020603020101020101" pitchFamily="18" charset="-127"/>
+              </a:endParaRPr>
+            </a:p>
+            <a:p>
+              <a:pPr marL="0" indent="0">
+                <a:buFont typeface="Arial" panose="020B0604020202020204" pitchFamily="34" charset="0"/>
+                <a:buNone/>
+              </a:pPr>
+              <a:r>
+                <a:rPr lang="en-US" altLang="ko-KR" sz="2300" dirty="0">
+                  <a:latin typeface="BM JUA OTF" panose="02020603020101020101" pitchFamily="18" charset="-127"/>
+                  <a:ea typeface="BM JUA OTF" panose="02020603020101020101" pitchFamily="18" charset="-127"/>
+                </a:rPr>
+                <a:t>&lt;</a:t>
+              </a:r>
+              <a:r>
+                <a:rPr lang="ko-KR" altLang="en-US" sz="2300" dirty="0">
+                  <a:latin typeface="BM JUA OTF" panose="02020603020101020101" pitchFamily="18" charset="-127"/>
+                  <a:ea typeface="BM JUA OTF" panose="02020603020101020101" pitchFamily="18" charset="-127"/>
+                </a:rPr>
+                <a:t>출력</a:t>
+              </a:r>
+              <a:r>
+                <a:rPr lang="en-US" altLang="ko-KR" sz="2300" dirty="0">
+                  <a:latin typeface="BM JUA OTF" panose="02020603020101020101" pitchFamily="18" charset="-127"/>
+                  <a:ea typeface="BM JUA OTF" panose="02020603020101020101" pitchFamily="18" charset="-127"/>
+                </a:rPr>
+                <a:t>&gt;</a:t>
+              </a:r>
+              <a:r>
+                <a:rPr lang="ko-KR" altLang="en-US" sz="2300" dirty="0">
+                  <a:latin typeface="BM JUA OTF" panose="02020603020101020101" pitchFamily="18" charset="-127"/>
+                  <a:ea typeface="BM JUA OTF" panose="02020603020101020101" pitchFamily="18" charset="-127"/>
+                </a:rPr>
+                <a:t> </a:t>
+              </a:r>
+              <a:endParaRPr lang="en-US" altLang="ko-KR" sz="2300" dirty="0">
+                <a:latin typeface="BM JUA OTF" panose="02020603020101020101" pitchFamily="18" charset="-127"/>
+                <a:ea typeface="BM JUA OTF" panose="02020603020101020101" pitchFamily="18" charset="-127"/>
+              </a:endParaRPr>
+            </a:p>
+            <a:p>
+              <a:endParaRPr lang="en-US" altLang="ko-KR" sz="2300" dirty="0">
+                <a:latin typeface="BM JUA OTF" panose="02020603020101020101" pitchFamily="18" charset="-127"/>
+                <a:ea typeface="BM JUA OTF" panose="02020603020101020101" pitchFamily="18" charset="-127"/>
+              </a:endParaRPr>
+            </a:p>
+            <a:p>
+              <a:endParaRPr lang="en-US" altLang="ko-KR" sz="2300" dirty="0">
+                <a:latin typeface="BM JUA OTF" panose="02020603020101020101" pitchFamily="18" charset="-127"/>
+                <a:ea typeface="BM JUA OTF" panose="02020603020101020101" pitchFamily="18" charset="-127"/>
+              </a:endParaRPr>
+            </a:p>
+          </p:txBody>
+        </p:sp>
+        <p:grpSp>
+          <p:nvGrpSpPr>
+            <p:cNvPr id="13" name="그룹 12">
+              <a:extLst>
+                <a:ext uri="{FF2B5EF4-FFF2-40B4-BE49-F238E27FC236}">
+                  <a16:creationId xmlns:a16="http://schemas.microsoft.com/office/drawing/2014/main" id="{C8D6924E-528A-2A31-FB02-2D47B7C8486C}"/>
+                </a:ext>
+              </a:extLst>
+            </p:cNvPr>
+            <p:cNvGrpSpPr/>
+            <p:nvPr/>
+          </p:nvGrpSpPr>
+          <p:grpSpPr>
+            <a:xfrm>
+              <a:off x="2036839" y="2207828"/>
+              <a:ext cx="8562890" cy="4150930"/>
+              <a:chOff x="-1105994" y="1650781"/>
+              <a:chExt cx="10515602" cy="4991100"/>
+            </a:xfrm>
+          </p:grpSpPr>
+          <p:pic>
+            <p:nvPicPr>
+              <p:cNvPr id="12" name="그림 11" descr="텍스트이(가) 표시된 사진&#10;&#10;자동 생성된 설명">
+                <a:extLst>
+                  <a:ext uri="{FF2B5EF4-FFF2-40B4-BE49-F238E27FC236}">
+                    <a16:creationId xmlns:a16="http://schemas.microsoft.com/office/drawing/2014/main" id="{F33C297C-7E9F-1880-BAD9-24DDF779F240}"/>
+                  </a:ext>
+                </a:extLst>
+              </p:cNvPr>
+              <p:cNvPicPr>
+                <a:picLocks noChangeAspect="1"/>
+              </p:cNvPicPr>
+              <p:nvPr/>
+            </p:nvPicPr>
+            <p:blipFill rotWithShape="1">
+              <a:blip r:embed="rId2"/>
+              <a:srcRect r="9902"/>
+              <a:stretch/>
+            </p:blipFill>
+            <p:spPr>
+              <a:xfrm>
+                <a:off x="-1105994" y="1650781"/>
+                <a:ext cx="10515602" cy="4991100"/>
+              </a:xfrm>
+              <a:prstGeom prst="rect">
+                <a:avLst/>
+              </a:prstGeom>
+            </p:spPr>
+          </p:pic>
+          <p:pic>
+            <p:nvPicPr>
+              <p:cNvPr id="8" name="그림 7">
+                <a:extLst>
+                  <a:ext uri="{FF2B5EF4-FFF2-40B4-BE49-F238E27FC236}">
+                    <a16:creationId xmlns:a16="http://schemas.microsoft.com/office/drawing/2014/main" id="{AB36A897-3EA1-29AE-1AA2-5BAD336C69B3}"/>
+                  </a:ext>
+                </a:extLst>
+              </p:cNvPr>
+              <p:cNvPicPr>
+                <a:picLocks noChangeAspect="1"/>
+              </p:cNvPicPr>
+              <p:nvPr/>
+            </p:nvPicPr>
+            <p:blipFill>
+              <a:blip r:embed="rId3"/>
+              <a:stretch>
+                <a:fillRect/>
+              </a:stretch>
+            </p:blipFill>
+            <p:spPr>
+              <a:xfrm>
+                <a:off x="0" y="2477109"/>
+                <a:ext cx="9409608" cy="2539483"/>
+              </a:xfrm>
+              <a:prstGeom prst="rect">
+                <a:avLst/>
+              </a:prstGeom>
+            </p:spPr>
+          </p:pic>
+        </p:grpSp>
+      </p:grpSp>
+    </p:spTree>
+    <p:extLst>
+      <p:ext uri="{BB962C8B-B14F-4D97-AF65-F5344CB8AC3E}">
+        <p14:creationId xmlns:p14="http://schemas.microsoft.com/office/powerpoint/2010/main" val="2655492496"/>
+      </p:ext>
+    </p:extLst>
+  </p:cSld>
+  <p:clrMapOvr>
+    <a:masterClrMapping/>
+  </p:clrMapOvr>
+</p:sld>
+</file>
+
+<file path=ppt/slides/slide7.xml><?xml version="1.0" encoding="utf-8"?>
 <p:sld xmlns:a="http://schemas.openxmlformats.org/drawingml/2006/main" xmlns:r="http://schemas.openxmlformats.org/officeDocument/2006/relationships" xmlns:p="http://schemas.openxmlformats.org/presentationml/2006/main">
   <p:cSld>
     <p:spTree>
@@ -3980,34 +7163,34 @@
           <a:lstStyle/>
           <a:p>
             <a:r>
-              <a:rPr kumimoji="1" lang="en-US" altLang="ko-KR" sz="3500" dirty="0">
-                <a:latin typeface="BM JUA OTF" panose="02020603020101020101" pitchFamily="18" charset="-127"/>
-                <a:ea typeface="BM JUA OTF" panose="02020603020101020101" pitchFamily="18" charset="-127"/>
-              </a:rPr>
-              <a:t>Quiz1.</a:t>
-            </a:r>
-            <a:r>
-              <a:rPr kumimoji="1" lang="ko-KR" altLang="en-US" sz="3500" dirty="0">
+              <a:rPr kumimoji="1" lang="en-US" altLang="ko-KR" sz="2800" dirty="0">
+                <a:latin typeface="BM JUA OTF" panose="02020603020101020101" pitchFamily="18" charset="-127"/>
+                <a:ea typeface="BM JUA OTF" panose="02020603020101020101" pitchFamily="18" charset="-127"/>
+              </a:rPr>
+              <a:t>Quiz6.</a:t>
+            </a:r>
+            <a:r>
+              <a:rPr kumimoji="1" lang="ko-KR" altLang="en-US" sz="2800" dirty="0">
                 <a:latin typeface="BM JUA OTF" panose="02020603020101020101" pitchFamily="18" charset="-127"/>
                 <a:ea typeface="BM JUA OTF" panose="02020603020101020101" pitchFamily="18" charset="-127"/>
               </a:rPr>
               <a:t> 클래스 </a:t>
             </a:r>
             <a:r>
-              <a:rPr kumimoji="1" lang="en-US" altLang="ko-KR" sz="3500" dirty="0">
+              <a:rPr kumimoji="1" lang="en-US" altLang="ko-KR" sz="2800" dirty="0">
                 <a:latin typeface="BM JUA OTF" panose="02020603020101020101" pitchFamily="18" charset="-127"/>
                 <a:ea typeface="BM JUA OTF" panose="02020603020101020101" pitchFamily="18" charset="-127"/>
               </a:rPr>
               <a:t>:</a:t>
             </a:r>
             <a:r>
-              <a:rPr kumimoji="1" lang="ko-KR" altLang="en-US" sz="3500" dirty="0">
+              <a:rPr kumimoji="1" lang="ko-KR" altLang="en-US" sz="2800" dirty="0">
                 <a:latin typeface="BM JUA OTF" panose="02020603020101020101" pitchFamily="18" charset="-127"/>
                 <a:ea typeface="BM JUA OTF" panose="02020603020101020101" pitchFamily="18" charset="-127"/>
               </a:rPr>
               <a:t> 게임 캐릭터 클래스 만들기</a:t>
             </a:r>
-            <a:endParaRPr kumimoji="1" lang="ko-Kore-KR" altLang="en-US" sz="3500" dirty="0">
+            <a:endParaRPr kumimoji="1" lang="ko-Kore-KR" altLang="en-US" sz="2800" dirty="0">
               <a:latin typeface="BM JUA OTF" panose="02020603020101020101" pitchFamily="18" charset="-127"/>
               <a:ea typeface="BM JUA OTF" panose="02020603020101020101" pitchFamily="18" charset="-127"/>
             </a:endParaRPr>
@@ -4253,7 +7436,7 @@
                 <a:latin typeface="BM JUA OTF" panose="02020603020101020101" pitchFamily="18" charset="-127"/>
                 <a:ea typeface="BM JUA OTF" panose="02020603020101020101" pitchFamily="18" charset="-127"/>
               </a:rPr>
-              <a:t>실행 결과</a:t>
+              <a:t>출력</a:t>
             </a:r>
             <a:r>
               <a:rPr lang="en-US" altLang="ko-KR" sz="2300" dirty="0">
@@ -4272,36 +7455,87 @@
           </a:p>
         </p:txBody>
       </p:sp>
-      <p:pic>
-        <p:nvPicPr>
-          <p:cNvPr id="18" name="그림 17" descr="텍스트이(가) 표시된 사진&#10;&#10;자동 생성된 설명">
+      <p:grpSp>
+        <p:nvGrpSpPr>
+          <p:cNvPr id="6" name="그룹 5">
             <a:extLst>
               <a:ext uri="{FF2B5EF4-FFF2-40B4-BE49-F238E27FC236}">
-                <a16:creationId xmlns:a16="http://schemas.microsoft.com/office/drawing/2014/main" id="{B1A94422-A94C-BDE2-2583-73993A807EC9}"/>
+                <a16:creationId xmlns:a16="http://schemas.microsoft.com/office/drawing/2014/main" id="{F84CE47D-6B38-7800-1B67-2AC47FEB7A0C}"/>
               </a:ext>
             </a:extLst>
           </p:cNvPr>
-          <p:cNvPicPr>
-            <a:picLocks noChangeAspect="1"/>
-          </p:cNvPicPr>
+          <p:cNvGrpSpPr/>
           <p:nvPr/>
-        </p:nvPicPr>
-        <p:blipFill>
-          <a:blip r:embed="rId2"/>
-          <a:stretch>
-            <a:fillRect/>
-          </a:stretch>
-        </p:blipFill>
-        <p:spPr>
+        </p:nvGrpSpPr>
+        <p:grpSpPr>
           <a:xfrm>
             <a:off x="2279119" y="2323071"/>
             <a:ext cx="7633762" cy="4123500"/>
+            <a:chOff x="2279119" y="2323071"/>
+            <a:chExt cx="7633762" cy="4123500"/>
           </a:xfrm>
-          <a:prstGeom prst="rect">
-            <a:avLst/>
-          </a:prstGeom>
-        </p:spPr>
-      </p:pic>
+        </p:grpSpPr>
+        <p:pic>
+          <p:nvPicPr>
+            <p:cNvPr id="18" name="그림 17" descr="텍스트이(가) 표시된 사진&#10;&#10;자동 생성된 설명">
+              <a:extLst>
+                <a:ext uri="{FF2B5EF4-FFF2-40B4-BE49-F238E27FC236}">
+                  <a16:creationId xmlns:a16="http://schemas.microsoft.com/office/drawing/2014/main" id="{B1A94422-A94C-BDE2-2583-73993A807EC9}"/>
+                </a:ext>
+              </a:extLst>
+            </p:cNvPr>
+            <p:cNvPicPr>
+              <a:picLocks noChangeAspect="1"/>
+            </p:cNvPicPr>
+            <p:nvPr/>
+          </p:nvPicPr>
+          <p:blipFill>
+            <a:blip r:embed="rId3"/>
+            <a:stretch>
+              <a:fillRect/>
+            </a:stretch>
+          </p:blipFill>
+          <p:spPr>
+            <a:xfrm>
+              <a:off x="2279119" y="2323071"/>
+              <a:ext cx="7633762" cy="4123500"/>
+            </a:xfrm>
+            <a:prstGeom prst="rect">
+              <a:avLst/>
+            </a:prstGeom>
+          </p:spPr>
+        </p:pic>
+        <p:pic>
+          <p:nvPicPr>
+            <p:cNvPr id="5" name="그림 4">
+              <a:extLst>
+                <a:ext uri="{FF2B5EF4-FFF2-40B4-BE49-F238E27FC236}">
+                  <a16:creationId xmlns:a16="http://schemas.microsoft.com/office/drawing/2014/main" id="{276072AB-83DF-48E2-0F88-B53F4BF02474}"/>
+                </a:ext>
+              </a:extLst>
+            </p:cNvPr>
+            <p:cNvPicPr>
+              <a:picLocks noChangeAspect="1"/>
+            </p:cNvPicPr>
+            <p:nvPr/>
+          </p:nvPicPr>
+          <p:blipFill>
+            <a:blip r:embed="rId4"/>
+            <a:stretch>
+              <a:fillRect/>
+            </a:stretch>
+          </p:blipFill>
+          <p:spPr>
+            <a:xfrm>
+              <a:off x="3141936" y="2622055"/>
+              <a:ext cx="6286500" cy="1603955"/>
+            </a:xfrm>
+            <a:prstGeom prst="rect">
+              <a:avLst/>
+            </a:prstGeom>
+          </p:spPr>
+        </p:pic>
+      </p:grpSp>
     </p:spTree>
     <p:extLst>
       <p:ext uri="{BB962C8B-B14F-4D97-AF65-F5344CB8AC3E}">
@@ -4315,7 +7549,7 @@
 </p:sld>
 </file>
 
-<file path=ppt/slides/slide3.xml><?xml version="1.0" encoding="utf-8"?>
+<file path=ppt/slides/slide8.xml><?xml version="1.0" encoding="utf-8"?>
 <p:sld xmlns:a="http://schemas.openxmlformats.org/drawingml/2006/main" xmlns:r="http://schemas.openxmlformats.org/officeDocument/2006/relationships" xmlns:p="http://schemas.openxmlformats.org/presentationml/2006/main">
   <p:cSld>
     <p:spTree>
@@ -4361,55 +7595,55 @@
           <a:lstStyle/>
           <a:p>
             <a:r>
-              <a:rPr kumimoji="1" lang="en-US" altLang="ko-KR" sz="3500" dirty="0">
-                <a:latin typeface="BM JUA OTF" panose="02020603020101020101" pitchFamily="18" charset="-127"/>
-                <a:ea typeface="BM JUA OTF" panose="02020603020101020101" pitchFamily="18" charset="-127"/>
-              </a:rPr>
-              <a:t>Quiz2.</a:t>
-            </a:r>
-            <a:r>
-              <a:rPr kumimoji="1" lang="ko-KR" altLang="en-US" sz="3500" dirty="0">
+              <a:rPr kumimoji="1" lang="en-US" altLang="ko-KR" sz="2800" dirty="0">
+                <a:latin typeface="BM JUA OTF" panose="02020603020101020101" pitchFamily="18" charset="-127"/>
+                <a:ea typeface="BM JUA OTF" panose="02020603020101020101" pitchFamily="18" charset="-127"/>
+              </a:rPr>
+              <a:t>Quiz7.</a:t>
+            </a:r>
+            <a:r>
+              <a:rPr kumimoji="1" lang="ko-KR" altLang="en-US" sz="2800" dirty="0">
                 <a:latin typeface="BM JUA OTF" panose="02020603020101020101" pitchFamily="18" charset="-127"/>
                 <a:ea typeface="BM JUA OTF" panose="02020603020101020101" pitchFamily="18" charset="-127"/>
               </a:rPr>
               <a:t> 클래스 </a:t>
             </a:r>
             <a:r>
-              <a:rPr kumimoji="1" lang="en-US" altLang="ko-KR" sz="3500" dirty="0">
+              <a:rPr kumimoji="1" lang="en-US" altLang="ko-KR" sz="2800" dirty="0">
                 <a:latin typeface="BM JUA OTF" panose="02020603020101020101" pitchFamily="18" charset="-127"/>
                 <a:ea typeface="BM JUA OTF" panose="02020603020101020101" pitchFamily="18" charset="-127"/>
               </a:rPr>
               <a:t>:</a:t>
             </a:r>
             <a:r>
-              <a:rPr kumimoji="1" lang="ko-KR" altLang="en-US" sz="3500" dirty="0">
+              <a:rPr kumimoji="1" lang="ko-KR" altLang="en-US" sz="2800" dirty="0">
                 <a:latin typeface="BM JUA OTF" panose="02020603020101020101" pitchFamily="18" charset="-127"/>
                 <a:ea typeface="BM JUA OTF" panose="02020603020101020101" pitchFamily="18" charset="-127"/>
               </a:rPr>
               <a:t> 게임 캐릭터 클래스 만들기</a:t>
             </a:r>
             <a:r>
-              <a:rPr kumimoji="1" lang="en-US" altLang="ko-KR" sz="3500" dirty="0">
+              <a:rPr kumimoji="1" lang="en-US" altLang="ko-KR" sz="2800" dirty="0">
                 <a:latin typeface="BM JUA OTF" panose="02020603020101020101" pitchFamily="18" charset="-127"/>
                 <a:ea typeface="BM JUA OTF" panose="02020603020101020101" pitchFamily="18" charset="-127"/>
               </a:rPr>
               <a:t>(</a:t>
             </a:r>
             <a:r>
-              <a:rPr kumimoji="1" lang="ko-KR" altLang="en-US" sz="3500" dirty="0">
+              <a:rPr kumimoji="1" lang="ko-KR" altLang="en-US" sz="2800" dirty="0">
                 <a:latin typeface="BM JUA OTF" panose="02020603020101020101" pitchFamily="18" charset="-127"/>
                 <a:ea typeface="BM JUA OTF" panose="02020603020101020101" pitchFamily="18" charset="-127"/>
               </a:rPr>
               <a:t>심화</a:t>
             </a:r>
             <a:r>
-              <a:rPr kumimoji="1" lang="en-US" altLang="ko-KR" sz="3500" dirty="0">
+              <a:rPr kumimoji="1" lang="en-US" altLang="ko-KR" sz="2800" dirty="0">
                 <a:latin typeface="BM JUA OTF" panose="02020603020101020101" pitchFamily="18" charset="-127"/>
                 <a:ea typeface="BM JUA OTF" panose="02020603020101020101" pitchFamily="18" charset="-127"/>
               </a:rPr>
               <a:t>)</a:t>
             </a:r>
-            <a:endParaRPr kumimoji="1" lang="ko-Kore-KR" altLang="en-US" sz="3500" dirty="0">
+            <a:endParaRPr kumimoji="1" lang="ko-Kore-KR" altLang="en-US" sz="2800" dirty="0">
               <a:latin typeface="BM JUA OTF" panose="02020603020101020101" pitchFamily="18" charset="-127"/>
               <a:ea typeface="BM JUA OTF" panose="02020603020101020101" pitchFamily="18" charset="-127"/>
             </a:endParaRPr>
@@ -4824,7 +8058,7 @@
                 <a:latin typeface="BM JUA OTF" panose="02020603020101020101" pitchFamily="18" charset="-127"/>
                 <a:ea typeface="BM JUA OTF" panose="02020603020101020101" pitchFamily="18" charset="-127"/>
               </a:rPr>
-              <a:t>실행 결과</a:t>
+              <a:t>출력</a:t>
             </a:r>
             <a:r>
               <a:rPr lang="en-US" altLang="ko-KR" sz="2300" dirty="0">
@@ -4939,7 +8173,7 @@
 </p:sld>
 </file>
 
-<file path=ppt/slides/slide4.xml><?xml version="1.0" encoding="utf-8"?>
+<file path=ppt/slides/slide9.xml><?xml version="1.0" encoding="utf-8"?>
 <p:sld xmlns:a="http://schemas.openxmlformats.org/drawingml/2006/main" xmlns:r="http://schemas.openxmlformats.org/officeDocument/2006/relationships" xmlns:p="http://schemas.openxmlformats.org/presentationml/2006/main">
   <p:cSld>
     <p:spTree>
@@ -4958,690 +8192,58 @@
       </p:grpSpPr>
       <p:sp>
         <p:nvSpPr>
-          <p:cNvPr id="6" name="직사각형 5">
+          <p:cNvPr id="2" name="제목 1">
             <a:extLst>
               <a:ext uri="{FF2B5EF4-FFF2-40B4-BE49-F238E27FC236}">
-                <a16:creationId xmlns:a16="http://schemas.microsoft.com/office/drawing/2014/main" id="{3E920C7E-3FE8-8C8F-AE61-383DABB5A549}"/>
+                <a16:creationId xmlns:a16="http://schemas.microsoft.com/office/drawing/2014/main" id="{166952F0-42B3-3B8D-9CC1-85FD61AEADF2}"/>
               </a:ext>
             </a:extLst>
           </p:cNvPr>
-          <p:cNvSpPr/>
-          <p:nvPr/>
+          <p:cNvSpPr>
+            <a:spLocks noGrp="1"/>
+          </p:cNvSpPr>
+          <p:nvPr>
+            <p:ph type="title"/>
+          </p:nvPr>
         </p:nvSpPr>
-        <p:spPr>
-          <a:xfrm>
-            <a:off x="1828799" y="2340949"/>
-            <a:ext cx="7840717" cy="2585323"/>
-          </a:xfrm>
-          <a:prstGeom prst="rect">
-            <a:avLst/>
-          </a:prstGeom>
-        </p:spPr>
+        <p:spPr/>
         <p:txBody>
-          <a:bodyPr wrap="square">
-            <a:spAutoFit/>
-          </a:bodyPr>
+          <a:bodyPr/>
           <a:lstStyle/>
           <a:p>
-            <a:r>
-              <a:rPr lang="en" altLang="ko-Kore-KR" b="0" i="0" dirty="0">
-                <a:solidFill>
-                  <a:srgbClr val="656565"/>
-                </a:solidFill>
-                <a:effectLst/>
-                <a:latin typeface="N_Code"/>
-              </a:rPr>
-              <a:t>x = Knight(health=542.4, mana=210.3, armor=38)</a:t>
-            </a:r>
-            <a:r>
-              <a:rPr lang="ko-KR" altLang="en-US" b="0" i="0" dirty="0">
-                <a:solidFill>
-                  <a:srgbClr val="656565"/>
-                </a:solidFill>
-                <a:effectLst/>
-                <a:latin typeface="Arial" panose="020B0604020202020204" pitchFamily="34" charset="0"/>
-              </a:rPr>
-              <a:t>와 같이 클래스에 값을 넣어서 인스턴스를 생성하고</a:t>
-            </a:r>
-            <a:r>
-              <a:rPr lang="en-US" altLang="ko-KR" b="0" i="0" dirty="0">
-                <a:solidFill>
-                  <a:srgbClr val="656565"/>
-                </a:solidFill>
-                <a:effectLst/>
-                <a:latin typeface="Arial" panose="020B0604020202020204" pitchFamily="34" charset="0"/>
-              </a:rPr>
-              <a:t>, </a:t>
-            </a:r>
-            <a:r>
-              <a:rPr lang="en" altLang="ko-Kore-KR" b="0" i="0" dirty="0">
-                <a:solidFill>
-                  <a:srgbClr val="656565"/>
-                </a:solidFill>
-                <a:effectLst/>
-                <a:latin typeface="N_Code"/>
-              </a:rPr>
-              <a:t>print(</a:t>
-            </a:r>
-            <a:r>
-              <a:rPr lang="en" altLang="ko-Kore-KR" b="0" i="0" dirty="0" err="1">
-                <a:solidFill>
-                  <a:srgbClr val="656565"/>
-                </a:solidFill>
-                <a:effectLst/>
-                <a:latin typeface="N_Code"/>
-              </a:rPr>
-              <a:t>x.health</a:t>
-            </a:r>
-            <a:r>
-              <a:rPr lang="en" altLang="ko-Kore-KR" b="0" i="0" dirty="0">
-                <a:solidFill>
-                  <a:srgbClr val="656565"/>
-                </a:solidFill>
-                <a:effectLst/>
-                <a:latin typeface="N_Code"/>
-              </a:rPr>
-              <a:t>, </a:t>
-            </a:r>
-            <a:r>
-              <a:rPr lang="en" altLang="ko-Kore-KR" b="0" i="0" dirty="0" err="1">
-                <a:solidFill>
-                  <a:srgbClr val="656565"/>
-                </a:solidFill>
-                <a:effectLst/>
-                <a:latin typeface="N_Code"/>
-              </a:rPr>
-              <a:t>x.mana</a:t>
-            </a:r>
-            <a:r>
-              <a:rPr lang="en" altLang="ko-Kore-KR" b="0" i="0" dirty="0">
-                <a:solidFill>
-                  <a:srgbClr val="656565"/>
-                </a:solidFill>
-                <a:effectLst/>
-                <a:latin typeface="N_Code"/>
-              </a:rPr>
-              <a:t>, </a:t>
-            </a:r>
-            <a:r>
-              <a:rPr lang="en" altLang="ko-Kore-KR" b="0" i="0" dirty="0" err="1">
-                <a:solidFill>
-                  <a:srgbClr val="656565"/>
-                </a:solidFill>
-                <a:effectLst/>
-                <a:latin typeface="N_Code"/>
-              </a:rPr>
-              <a:t>x.armor</a:t>
-            </a:r>
-            <a:r>
-              <a:rPr lang="en" altLang="ko-Kore-KR" b="0" i="0" dirty="0">
-                <a:solidFill>
-                  <a:srgbClr val="656565"/>
-                </a:solidFill>
-                <a:effectLst/>
-                <a:latin typeface="N_Code"/>
-              </a:rPr>
-              <a:t>)</a:t>
-            </a:r>
-            <a:r>
-              <a:rPr lang="ko-KR" altLang="en-US" b="0" i="0" dirty="0">
-                <a:solidFill>
-                  <a:srgbClr val="656565"/>
-                </a:solidFill>
-                <a:effectLst/>
-                <a:latin typeface="Arial" panose="020B0604020202020204" pitchFamily="34" charset="0"/>
-              </a:rPr>
-              <a:t>와 같이 인스턴스 속성을 출력하고 있습니다</a:t>
-            </a:r>
-            <a:r>
-              <a:rPr lang="en-US" altLang="ko-KR" b="0" i="0" dirty="0">
-                <a:solidFill>
-                  <a:srgbClr val="656565"/>
-                </a:solidFill>
-                <a:effectLst/>
-                <a:latin typeface="Arial" panose="020B0604020202020204" pitchFamily="34" charset="0"/>
-              </a:rPr>
-              <a:t>. </a:t>
-            </a:r>
-            <a:r>
-              <a:rPr lang="ko-KR" altLang="en-US" b="0" i="0" dirty="0">
-                <a:solidFill>
-                  <a:srgbClr val="656565"/>
-                </a:solidFill>
-                <a:effectLst/>
-                <a:latin typeface="Arial" panose="020B0604020202020204" pitchFamily="34" charset="0"/>
-              </a:rPr>
-              <a:t>따라서 </a:t>
-            </a:r>
-            <a:r>
-              <a:rPr lang="en" altLang="ko-Kore-KR" b="0" i="0" dirty="0">
-                <a:solidFill>
-                  <a:srgbClr val="656565"/>
-                </a:solidFill>
-                <a:effectLst/>
-                <a:latin typeface="N_Code"/>
-              </a:rPr>
-              <a:t>class</a:t>
-            </a:r>
-            <a:r>
-              <a:rPr lang="ko-KR" altLang="en-US" b="0" i="0" dirty="0">
-                <a:solidFill>
-                  <a:srgbClr val="656565"/>
-                </a:solidFill>
-                <a:effectLst/>
-                <a:latin typeface="Arial" panose="020B0604020202020204" pitchFamily="34" charset="0"/>
-              </a:rPr>
-              <a:t>로 </a:t>
-            </a:r>
-            <a:r>
-              <a:rPr lang="en" altLang="ko-Kore-KR" b="0" i="0" dirty="0">
-                <a:solidFill>
-                  <a:srgbClr val="656565"/>
-                </a:solidFill>
-                <a:effectLst/>
-                <a:latin typeface="N_Code"/>
-              </a:rPr>
-              <a:t>Knight</a:t>
-            </a:r>
-            <a:r>
-              <a:rPr lang="en" altLang="ko-Kore-KR" b="0" i="0" dirty="0">
-                <a:solidFill>
-                  <a:srgbClr val="656565"/>
-                </a:solidFill>
-                <a:effectLst/>
-                <a:latin typeface="Arial" panose="020B0604020202020204" pitchFamily="34" charset="0"/>
-              </a:rPr>
-              <a:t> </a:t>
-            </a:r>
-            <a:r>
-              <a:rPr lang="ko-KR" altLang="en-US" b="0" i="0" dirty="0">
-                <a:solidFill>
-                  <a:srgbClr val="656565"/>
-                </a:solidFill>
-                <a:effectLst/>
-                <a:latin typeface="Arial" panose="020B0604020202020204" pitchFamily="34" charset="0"/>
-              </a:rPr>
-              <a:t>클래스를 만들고 </a:t>
-            </a:r>
-            <a:r>
-              <a:rPr lang="en-US" altLang="ko-KR" b="0" i="0" dirty="0">
-                <a:solidFill>
-                  <a:srgbClr val="656565"/>
-                </a:solidFill>
-                <a:effectLst/>
-                <a:latin typeface="N_Code"/>
-              </a:rPr>
-              <a:t>__</a:t>
-            </a:r>
-            <a:r>
-              <a:rPr lang="en" altLang="ko-Kore-KR" b="0" i="0" dirty="0" err="1">
-                <a:solidFill>
-                  <a:srgbClr val="656565"/>
-                </a:solidFill>
-                <a:effectLst/>
-                <a:latin typeface="N_Code"/>
-              </a:rPr>
-              <a:t>init</a:t>
-            </a:r>
-            <a:r>
-              <a:rPr lang="en" altLang="ko-Kore-KR" b="0" i="0" dirty="0">
-                <a:solidFill>
-                  <a:srgbClr val="656565"/>
-                </a:solidFill>
-                <a:effectLst/>
-                <a:latin typeface="N_Code"/>
-              </a:rPr>
-              <a:t>__</a:t>
-            </a:r>
-            <a:r>
-              <a:rPr lang="en" altLang="ko-Kore-KR" b="0" i="0" dirty="0">
-                <a:solidFill>
-                  <a:srgbClr val="656565"/>
-                </a:solidFill>
-                <a:effectLst/>
-                <a:latin typeface="Arial" panose="020B0604020202020204" pitchFamily="34" charset="0"/>
-              </a:rPr>
-              <a:t> </a:t>
-            </a:r>
-            <a:r>
-              <a:rPr lang="ko-KR" altLang="en-US" b="0" i="0" dirty="0">
-                <a:solidFill>
-                  <a:srgbClr val="656565"/>
-                </a:solidFill>
-                <a:effectLst/>
-                <a:latin typeface="Arial" panose="020B0604020202020204" pitchFamily="34" charset="0"/>
-              </a:rPr>
-              <a:t>메서드에 매개변수로 </a:t>
-            </a:r>
-            <a:r>
-              <a:rPr lang="en" altLang="ko-Kore-KR" b="0" i="0" dirty="0">
-                <a:solidFill>
-                  <a:srgbClr val="656565"/>
-                </a:solidFill>
-                <a:effectLst/>
-                <a:latin typeface="N_Code"/>
-              </a:rPr>
-              <a:t>self</a:t>
-            </a:r>
-            <a:r>
-              <a:rPr lang="en" altLang="ko-Kore-KR" b="0" i="0" dirty="0">
-                <a:solidFill>
-                  <a:srgbClr val="656565"/>
-                </a:solidFill>
-                <a:effectLst/>
-                <a:latin typeface="Arial" panose="020B0604020202020204" pitchFamily="34" charset="0"/>
-              </a:rPr>
-              <a:t>, </a:t>
-            </a:r>
-            <a:r>
-              <a:rPr lang="en" altLang="ko-Kore-KR" b="0" i="0" dirty="0">
-                <a:solidFill>
-                  <a:srgbClr val="656565"/>
-                </a:solidFill>
-                <a:effectLst/>
-                <a:latin typeface="N_Code"/>
-              </a:rPr>
-              <a:t>health</a:t>
-            </a:r>
-            <a:r>
-              <a:rPr lang="en" altLang="ko-Kore-KR" b="0" i="0" dirty="0">
-                <a:solidFill>
-                  <a:srgbClr val="656565"/>
-                </a:solidFill>
-                <a:effectLst/>
-                <a:latin typeface="Arial" panose="020B0604020202020204" pitchFamily="34" charset="0"/>
-              </a:rPr>
-              <a:t>, </a:t>
-            </a:r>
-            <a:r>
-              <a:rPr lang="en" altLang="ko-Kore-KR" b="0" i="0" dirty="0">
-                <a:solidFill>
-                  <a:srgbClr val="656565"/>
-                </a:solidFill>
-                <a:effectLst/>
-                <a:latin typeface="N_Code"/>
-              </a:rPr>
-              <a:t>mana</a:t>
-            </a:r>
-            <a:r>
-              <a:rPr lang="en" altLang="ko-Kore-KR" b="0" i="0" dirty="0">
-                <a:solidFill>
-                  <a:srgbClr val="656565"/>
-                </a:solidFill>
-                <a:effectLst/>
-                <a:latin typeface="Arial" panose="020B0604020202020204" pitchFamily="34" charset="0"/>
-              </a:rPr>
-              <a:t>, </a:t>
-            </a:r>
-            <a:r>
-              <a:rPr lang="en" altLang="ko-Kore-KR" b="0" i="0" dirty="0">
-                <a:solidFill>
-                  <a:srgbClr val="656565"/>
-                </a:solidFill>
-                <a:effectLst/>
-                <a:latin typeface="N_Code"/>
-              </a:rPr>
-              <a:t>armor</a:t>
-            </a:r>
-            <a:r>
-              <a:rPr lang="ko-KR" altLang="en-US" b="0" i="0" dirty="0" err="1">
-                <a:solidFill>
-                  <a:srgbClr val="656565"/>
-                </a:solidFill>
-                <a:effectLst/>
-                <a:latin typeface="Arial" panose="020B0604020202020204" pitchFamily="34" charset="0"/>
-              </a:rPr>
-              <a:t>를</a:t>
-            </a:r>
-            <a:r>
-              <a:rPr lang="ko-KR" altLang="en-US" b="0" i="0" dirty="0">
-                <a:solidFill>
-                  <a:srgbClr val="656565"/>
-                </a:solidFill>
-                <a:effectLst/>
-                <a:latin typeface="Arial" panose="020B0604020202020204" pitchFamily="34" charset="0"/>
-              </a:rPr>
-              <a:t> 지정합니다</a:t>
-            </a:r>
-            <a:r>
-              <a:rPr lang="en-US" altLang="ko-KR" b="0" i="0" dirty="0">
-                <a:solidFill>
-                  <a:srgbClr val="656565"/>
-                </a:solidFill>
-                <a:effectLst/>
-                <a:latin typeface="Arial" panose="020B0604020202020204" pitchFamily="34" charset="0"/>
-              </a:rPr>
-              <a:t>. </a:t>
-            </a:r>
-            <a:r>
-              <a:rPr lang="ko-KR" altLang="en-US" b="0" i="0" dirty="0">
-                <a:solidFill>
-                  <a:srgbClr val="656565"/>
-                </a:solidFill>
-                <a:effectLst/>
-                <a:latin typeface="Arial" panose="020B0604020202020204" pitchFamily="34" charset="0"/>
-              </a:rPr>
-              <a:t>이때 반드시 첫 번째 매개변수는 </a:t>
-            </a:r>
-            <a:r>
-              <a:rPr lang="en" altLang="ko-Kore-KR" b="0" i="0" dirty="0">
-                <a:solidFill>
-                  <a:srgbClr val="656565"/>
-                </a:solidFill>
-                <a:effectLst/>
-                <a:latin typeface="N_Code"/>
-              </a:rPr>
-              <a:t>self</a:t>
-            </a:r>
-            <a:r>
-              <a:rPr lang="ko-KR" altLang="en-US" b="0" i="0" dirty="0">
-                <a:solidFill>
-                  <a:srgbClr val="656565"/>
-                </a:solidFill>
-                <a:effectLst/>
-                <a:latin typeface="Arial" panose="020B0604020202020204" pitchFamily="34" charset="0"/>
-              </a:rPr>
-              <a:t>라야 합니다</a:t>
-            </a:r>
-            <a:r>
-              <a:rPr lang="en-US" altLang="ko-KR" b="0" i="0" dirty="0">
-                <a:solidFill>
-                  <a:srgbClr val="656565"/>
-                </a:solidFill>
-                <a:effectLst/>
-                <a:latin typeface="Arial" panose="020B0604020202020204" pitchFamily="34" charset="0"/>
-              </a:rPr>
-              <a:t>. </a:t>
-            </a:r>
-            <a:r>
-              <a:rPr lang="ko-KR" altLang="en-US" b="0" i="0" dirty="0">
-                <a:solidFill>
-                  <a:srgbClr val="656565"/>
-                </a:solidFill>
-                <a:effectLst/>
-                <a:latin typeface="Arial" panose="020B0604020202020204" pitchFamily="34" charset="0"/>
-              </a:rPr>
-              <a:t>함수 안에서는 </a:t>
-            </a:r>
-            <a:r>
-              <a:rPr lang="en" altLang="ko-Kore-KR" b="0" i="0" dirty="0" err="1">
-                <a:solidFill>
-                  <a:srgbClr val="656565"/>
-                </a:solidFill>
-                <a:effectLst/>
-                <a:latin typeface="N_Code"/>
-              </a:rPr>
-              <a:t>self.health</a:t>
-            </a:r>
-            <a:r>
-              <a:rPr lang="en" altLang="ko-Kore-KR" b="0" i="0" dirty="0">
-                <a:solidFill>
-                  <a:srgbClr val="656565"/>
-                </a:solidFill>
-                <a:effectLst/>
-                <a:latin typeface="N_Code"/>
-              </a:rPr>
-              <a:t> = health</a:t>
-            </a:r>
-            <a:r>
-              <a:rPr lang="ko-KR" altLang="en-US" b="0" i="0" dirty="0" err="1">
-                <a:solidFill>
-                  <a:srgbClr val="656565"/>
-                </a:solidFill>
-                <a:effectLst/>
-                <a:latin typeface="Arial" panose="020B0604020202020204" pitchFamily="34" charset="0"/>
-              </a:rPr>
-              <a:t>처럼</a:t>
-            </a:r>
-            <a:r>
-              <a:rPr lang="ko-KR" altLang="en-US" b="0" i="0" dirty="0">
-                <a:solidFill>
-                  <a:srgbClr val="656565"/>
-                </a:solidFill>
-                <a:effectLst/>
-                <a:latin typeface="Arial" panose="020B0604020202020204" pitchFamily="34" charset="0"/>
-              </a:rPr>
-              <a:t> 모든 매개변수를 그대로 속성으로 만들어줍니다</a:t>
-            </a:r>
-            <a:r>
-              <a:rPr lang="en-US" altLang="ko-KR" b="0" i="0" dirty="0">
-                <a:solidFill>
-                  <a:srgbClr val="656565"/>
-                </a:solidFill>
-                <a:effectLst/>
-                <a:latin typeface="Arial" panose="020B0604020202020204" pitchFamily="34" charset="0"/>
-              </a:rPr>
-              <a:t>.</a:t>
-            </a:r>
-          </a:p>
-          <a:p>
-            <a:r>
-              <a:rPr lang="ko-KR" altLang="en-US" b="0" i="0" dirty="0" err="1">
-                <a:solidFill>
-                  <a:srgbClr val="656565"/>
-                </a:solidFill>
-                <a:effectLst/>
-                <a:latin typeface="Arial" panose="020B0604020202020204" pitchFamily="34" charset="0"/>
-              </a:rPr>
-              <a:t>그다음에</a:t>
-            </a:r>
-            <a:r>
-              <a:rPr lang="ko-KR" altLang="en-US" b="0" i="0" dirty="0">
-                <a:solidFill>
-                  <a:srgbClr val="656565"/>
-                </a:solidFill>
-                <a:effectLst/>
-                <a:latin typeface="Arial" panose="020B0604020202020204" pitchFamily="34" charset="0"/>
-              </a:rPr>
-              <a:t> </a:t>
-            </a:r>
-            <a:r>
-              <a:rPr lang="en" altLang="ko-Kore-KR" b="0" i="0" dirty="0" err="1">
-                <a:solidFill>
-                  <a:srgbClr val="656565"/>
-                </a:solidFill>
-                <a:effectLst/>
-                <a:latin typeface="N_Code"/>
-              </a:rPr>
-              <a:t>x.slash</a:t>
-            </a:r>
-            <a:r>
-              <a:rPr lang="en" altLang="ko-Kore-KR" b="0" i="0" dirty="0">
-                <a:solidFill>
-                  <a:srgbClr val="656565"/>
-                </a:solidFill>
-                <a:effectLst/>
-                <a:latin typeface="N_Code"/>
-              </a:rPr>
-              <a:t>()</a:t>
-            </a:r>
-            <a:r>
-              <a:rPr lang="ko-KR" altLang="en-US" b="0" i="0" dirty="0">
-                <a:solidFill>
-                  <a:srgbClr val="656565"/>
-                </a:solidFill>
-                <a:effectLst/>
-                <a:latin typeface="Arial" panose="020B0604020202020204" pitchFamily="34" charset="0"/>
-              </a:rPr>
-              <a:t>와 같이 인스턴스로 메서드를 호출하고 있으므로 </a:t>
-            </a:r>
-            <a:r>
-              <a:rPr lang="en" altLang="ko-Kore-KR" b="0" i="0" dirty="0">
-                <a:solidFill>
-                  <a:srgbClr val="656565"/>
-                </a:solidFill>
-                <a:effectLst/>
-                <a:latin typeface="N_Code"/>
-              </a:rPr>
-              <a:t>Knight</a:t>
-            </a:r>
-            <a:r>
-              <a:rPr lang="en" altLang="ko-Kore-KR" b="0" i="0" dirty="0">
-                <a:solidFill>
-                  <a:srgbClr val="656565"/>
-                </a:solidFill>
-                <a:effectLst/>
-                <a:latin typeface="Arial" panose="020B0604020202020204" pitchFamily="34" charset="0"/>
-              </a:rPr>
-              <a:t> </a:t>
-            </a:r>
-            <a:r>
-              <a:rPr lang="ko-KR" altLang="en-US" b="0" i="0" dirty="0">
-                <a:solidFill>
-                  <a:srgbClr val="656565"/>
-                </a:solidFill>
-                <a:effectLst/>
-                <a:latin typeface="Arial" panose="020B0604020202020204" pitchFamily="34" charset="0"/>
-              </a:rPr>
-              <a:t>클래스 안에 </a:t>
-            </a:r>
-            <a:r>
-              <a:rPr lang="en" altLang="ko-Kore-KR" b="0" i="0" dirty="0">
-                <a:solidFill>
-                  <a:srgbClr val="656565"/>
-                </a:solidFill>
-                <a:effectLst/>
-                <a:latin typeface="N_Code"/>
-              </a:rPr>
-              <a:t>slash</a:t>
-            </a:r>
-            <a:r>
-              <a:rPr lang="en" altLang="ko-Kore-KR" b="0" i="0" dirty="0">
-                <a:solidFill>
-                  <a:srgbClr val="656565"/>
-                </a:solidFill>
-                <a:effectLst/>
-                <a:latin typeface="Arial" panose="020B0604020202020204" pitchFamily="34" charset="0"/>
-              </a:rPr>
-              <a:t> </a:t>
-            </a:r>
-            <a:r>
-              <a:rPr lang="ko-KR" altLang="en-US" b="0" i="0" dirty="0">
-                <a:solidFill>
-                  <a:srgbClr val="656565"/>
-                </a:solidFill>
-                <a:effectLst/>
-                <a:latin typeface="Arial" panose="020B0604020202020204" pitchFamily="34" charset="0"/>
-              </a:rPr>
-              <a:t>메서드를 만들고 </a:t>
-            </a:r>
-            <a:r>
-              <a:rPr lang="en" altLang="ko-Kore-KR" b="0" i="0" dirty="0">
-                <a:solidFill>
-                  <a:srgbClr val="656565"/>
-                </a:solidFill>
-                <a:effectLst/>
-                <a:latin typeface="N_Code"/>
-              </a:rPr>
-              <a:t>print</a:t>
-            </a:r>
-            <a:r>
-              <a:rPr lang="ko-KR" altLang="en-US" b="0" i="0" dirty="0">
-                <a:solidFill>
-                  <a:srgbClr val="656565"/>
-                </a:solidFill>
-                <a:effectLst/>
-                <a:latin typeface="Arial" panose="020B0604020202020204" pitchFamily="34" charset="0"/>
-              </a:rPr>
-              <a:t>로 </a:t>
-            </a:r>
-            <a:r>
-              <a:rPr lang="en-US" altLang="ko-KR" b="0" i="0" dirty="0">
-                <a:solidFill>
-                  <a:srgbClr val="656565"/>
-                </a:solidFill>
-                <a:effectLst/>
-                <a:latin typeface="N_Code"/>
-              </a:rPr>
-              <a:t>'</a:t>
-            </a:r>
-            <a:r>
-              <a:rPr lang="ko-KR" altLang="en-US" b="0" i="0" dirty="0">
-                <a:solidFill>
-                  <a:srgbClr val="656565"/>
-                </a:solidFill>
-                <a:effectLst/>
-                <a:latin typeface="N_Code"/>
-              </a:rPr>
-              <a:t>베기</a:t>
-            </a:r>
-            <a:r>
-              <a:rPr lang="en-US" altLang="ko-KR" b="0" i="0" dirty="0">
-                <a:solidFill>
-                  <a:srgbClr val="656565"/>
-                </a:solidFill>
-                <a:effectLst/>
-                <a:latin typeface="N_Code"/>
-              </a:rPr>
-              <a:t>'</a:t>
-            </a:r>
-            <a:r>
-              <a:rPr lang="ko-KR" altLang="en-US" b="0" i="0" dirty="0" err="1">
-                <a:solidFill>
-                  <a:srgbClr val="656565"/>
-                </a:solidFill>
-                <a:effectLst/>
-                <a:latin typeface="Arial" panose="020B0604020202020204" pitchFamily="34" charset="0"/>
-              </a:rPr>
-              <a:t>를</a:t>
-            </a:r>
-            <a:r>
-              <a:rPr lang="ko-KR" altLang="en-US" b="0" i="0" dirty="0">
-                <a:solidFill>
-                  <a:srgbClr val="656565"/>
-                </a:solidFill>
-                <a:effectLst/>
-                <a:latin typeface="Arial" panose="020B0604020202020204" pitchFamily="34" charset="0"/>
-              </a:rPr>
-              <a:t> 출력하도록 만들면 됩니다</a:t>
-            </a:r>
-            <a:r>
-              <a:rPr lang="en-US" altLang="ko-KR" b="0" i="0" dirty="0">
-                <a:solidFill>
-                  <a:srgbClr val="656565"/>
-                </a:solidFill>
-                <a:effectLst/>
-                <a:latin typeface="Arial" panose="020B0604020202020204" pitchFamily="34" charset="0"/>
-              </a:rPr>
-              <a:t>.</a:t>
-            </a:r>
+            <a:endParaRPr kumimoji="1" lang="ko-Kore-KR" altLang="en-US" dirty="0"/>
+          </a:p>
+        </p:txBody>
+      </p:sp>
+      <p:sp>
+        <p:nvSpPr>
+          <p:cNvPr id="3" name="내용 개체 틀 2">
+            <a:extLst>
+              <a:ext uri="{FF2B5EF4-FFF2-40B4-BE49-F238E27FC236}">
+                <a16:creationId xmlns:a16="http://schemas.microsoft.com/office/drawing/2014/main" id="{8F7349C9-F0F4-2E68-D56F-C60A9D8BF52D}"/>
+              </a:ext>
+            </a:extLst>
+          </p:cNvPr>
+          <p:cNvSpPr>
+            <a:spLocks noGrp="1"/>
+          </p:cNvSpPr>
+          <p:nvPr>
+            <p:ph idx="1"/>
+          </p:nvPr>
+        </p:nvSpPr>
+        <p:spPr/>
+        <p:txBody>
+          <a:bodyPr/>
+          <a:lstStyle/>
+          <a:p>
+            <a:endParaRPr kumimoji="1" lang="ko-Kore-KR" altLang="en-US"/>
           </a:p>
         </p:txBody>
       </p:sp>
     </p:spTree>
     <p:extLst>
       <p:ext uri="{BB962C8B-B14F-4D97-AF65-F5344CB8AC3E}">
-        <p14:creationId xmlns:p14="http://schemas.microsoft.com/office/powerpoint/2010/main" val="3861670040"/>
-      </p:ext>
-    </p:extLst>
-  </p:cSld>
-  <p:clrMapOvr>
-    <a:masterClrMapping/>
-  </p:clrMapOvr>
-</p:sld>
-</file>
-
-<file path=ppt/slides/slide5.xml><?xml version="1.0" encoding="utf-8"?>
-<p:sld xmlns:a="http://schemas.openxmlformats.org/drawingml/2006/main" xmlns:r="http://schemas.openxmlformats.org/officeDocument/2006/relationships" xmlns:p="http://schemas.openxmlformats.org/presentationml/2006/main">
-  <p:cSld>
-    <p:spTree>
-      <p:nvGrpSpPr>
-        <p:cNvPr id="1" name=""/>
-        <p:cNvGrpSpPr/>
-        <p:nvPr/>
-      </p:nvGrpSpPr>
-      <p:grpSpPr>
-        <a:xfrm>
-          <a:off x="0" y="0"/>
-          <a:ext cx="0" cy="0"/>
-          <a:chOff x="0" y="0"/>
-          <a:chExt cx="0" cy="0"/>
-        </a:xfrm>
-      </p:grpSpPr>
-    </p:spTree>
-    <p:extLst>
-      <p:ext uri="{BB962C8B-B14F-4D97-AF65-F5344CB8AC3E}">
-        <p14:creationId xmlns:p14="http://schemas.microsoft.com/office/powerpoint/2010/main" val="3914828378"/>
+        <p14:creationId xmlns:p14="http://schemas.microsoft.com/office/powerpoint/2010/main" val="1278182631"/>
       </p:ext>
     </p:extLst>
   </p:cSld>
